--- a/Parser/testsuite/test_files/slide2.pptx
+++ b/Parser/testsuite/test_files/slide2.pptx
@@ -2,7 +2,7 @@
 <file path=ppt/presentation.xml><?xml version="1.0" encoding="utf-8"?>
 <p:presentation xmlns:a="http://schemas.openxmlformats.org/drawingml/2006/main" xmlns:r="http://schemas.openxmlformats.org/officeDocument/2006/relationships" xmlns:p="http://schemas.openxmlformats.org/presentationml/2006/main" saveSubsetFonts="1">
   <p:sldMasterIdLst>
-    <p:sldMasterId id="2147483648" r:id="rId1"/>
+    <p:sldMasterId id="2147483660" r:id="rId1"/>
   </p:sldMasterIdLst>
   <p:sldIdLst>
     <p:sldId id="257" r:id="rId2"/>
@@ -152,19 +152,25 @@
         </p:nvSpPr>
         <p:spPr>
           <a:xfrm>
-            <a:off x="685800" y="2130425"/>
-            <a:ext cx="7772400" cy="1470025"/>
+            <a:off x="1942416" y="2514601"/>
+            <a:ext cx="6600451" cy="2262781"/>
           </a:xfrm>
         </p:spPr>
         <p:txBody>
-          <a:bodyPr/>
-          <a:lstStyle/>
+          <a:bodyPr anchor="b">
+            <a:normAutofit/>
+          </a:bodyPr>
+          <a:lstStyle>
+            <a:lvl1pPr>
+              <a:defRPr sz="5400"/>
+            </a:lvl1pPr>
+          </a:lstStyle>
           <a:p>
             <a:r>
               <a:rPr lang="en-US" smtClean="0"/>
               <a:t>Click to edit Master title style</a:t>
             </a:r>
-            <a:endParaRPr lang="en-US"/>
+            <a:endParaRPr lang="en-US" dirty="0"/>
           </a:p>
         </p:txBody>
       </p:sp>
@@ -180,19 +186,20 @@
         </p:nvSpPr>
         <p:spPr>
           <a:xfrm>
-            <a:off x="1371600" y="3886200"/>
-            <a:ext cx="6400800" cy="1752600"/>
+            <a:off x="1942416" y="4777380"/>
+            <a:ext cx="6600451" cy="1126283"/>
           </a:xfrm>
         </p:spPr>
         <p:txBody>
-          <a:bodyPr/>
+          <a:bodyPr anchor="t"/>
           <a:lstStyle>
-            <a:lvl1pPr marL="0" indent="0" algn="ctr">
+            <a:lvl1pPr marL="0" indent="0" algn="l">
               <a:buNone/>
               <a:defRPr>
                 <a:solidFill>
                   <a:schemeClr val="tx1">
-                    <a:tint val="75000"/>
+                    <a:lumMod val="65000"/>
+                    <a:lumOff val="35000"/>
                   </a:schemeClr>
                 </a:solidFill>
               </a:defRPr>
@@ -283,7 +290,7 @@
               <a:rPr lang="en-US" smtClean="0"/>
               <a:t>Click to edit Master subtitle style</a:t>
             </a:r>
-            <a:endParaRPr lang="en-US"/>
+            <a:endParaRPr lang="en-US" dirty="0"/>
           </a:p>
         </p:txBody>
       </p:sp>
@@ -304,7 +311,7 @@
           <a:p>
             <a:fld id="{EE980AB1-0036-47C0-813D-2A1653AC1BD2}" type="datetimeFigureOut">
               <a:rPr lang="en-US" smtClean="0"/>
-              <a:t>11/24/2013</a:t>
+              <a:t>12/3/2013</a:t>
             </a:fld>
             <a:endParaRPr lang="en-US"/>
           </a:p>
@@ -331,6 +338,82 @@
       </p:sp>
       <p:sp>
         <p:nvSpPr>
+          <p:cNvPr id="9" name="Freeform 8"/>
+          <p:cNvSpPr/>
+          <p:nvPr/>
+        </p:nvSpPr>
+        <p:spPr bwMode="auto">
+          <a:xfrm>
+            <a:off x="-31719" y="4321158"/>
+            <a:ext cx="1395473" cy="781781"/>
+          </a:xfrm>
+          <a:custGeom>
+            <a:avLst/>
+            <a:gdLst/>
+            <a:ahLst/>
+            <a:cxnLst/>
+            <a:rect l="l" t="t" r="r" b="b"/>
+            <a:pathLst>
+              <a:path w="8042" h="10000">
+                <a:moveTo>
+                  <a:pt x="5799" y="10000"/>
+                </a:moveTo>
+                <a:cubicBezTo>
+                  <a:pt x="5880" y="10000"/>
+                  <a:pt x="5934" y="9940"/>
+                  <a:pt x="5961" y="9880"/>
+                </a:cubicBezTo>
+                <a:cubicBezTo>
+                  <a:pt x="5961" y="9820"/>
+                  <a:pt x="5988" y="9820"/>
+                  <a:pt x="5988" y="9820"/>
+                </a:cubicBezTo>
+                <a:lnTo>
+                  <a:pt x="8042" y="5260"/>
+                </a:lnTo>
+                <a:cubicBezTo>
+                  <a:pt x="8096" y="5140"/>
+                  <a:pt x="8096" y="4901"/>
+                  <a:pt x="8042" y="4721"/>
+                </a:cubicBezTo>
+                <a:lnTo>
+                  <a:pt x="5988" y="221"/>
+                </a:lnTo>
+                <a:cubicBezTo>
+                  <a:pt x="5988" y="160"/>
+                  <a:pt x="5961" y="160"/>
+                  <a:pt x="5961" y="160"/>
+                </a:cubicBezTo>
+                <a:cubicBezTo>
+                  <a:pt x="5934" y="101"/>
+                  <a:pt x="5880" y="41"/>
+                  <a:pt x="5799" y="41"/>
+                </a:cubicBezTo>
+                <a:lnTo>
+                  <a:pt x="18" y="0"/>
+                </a:lnTo>
+                <a:cubicBezTo>
+                  <a:pt x="12" y="3330"/>
+                  <a:pt x="6" y="6661"/>
+                  <a:pt x="0" y="9991"/>
+                </a:cubicBezTo>
+                <a:lnTo>
+                  <a:pt x="5799" y="10000"/>
+                </a:lnTo>
+                <a:close/>
+              </a:path>
+            </a:pathLst>
+          </a:custGeom>
+          <a:solidFill>
+            <a:schemeClr val="accent1"/>
+          </a:solidFill>
+          <a:ln>
+            <a:noFill/>
+          </a:ln>
+        </p:spPr>
+      </p:sp>
+      <p:sp>
+        <p:nvSpPr>
           <p:cNvPr id="6" name="Slide Number Placeholder 5"/>
           <p:cNvSpPr>
             <a:spLocks noGrp="1"/>
@@ -339,7 +422,12 @@
             <p:ph type="sldNum" sz="quarter" idx="12"/>
           </p:nvPr>
         </p:nvSpPr>
-        <p:spPr/>
+        <p:spPr>
+          <a:xfrm>
+            <a:off x="423334" y="4529541"/>
+            <a:ext cx="584978" cy="365125"/>
+          </a:xfrm>
+        </p:spPr>
         <p:txBody>
           <a:bodyPr/>
           <a:lstStyle/>
@@ -355,7 +443,7 @@
     </p:spTree>
     <p:extLst>
       <p:ext uri="{BB962C8B-B14F-4D97-AF65-F5344CB8AC3E}">
-        <p14:creationId xmlns:p14="http://schemas.microsoft.com/office/powerpoint/2010/main" val="1660292019"/>
+        <p14:creationId xmlns:p14="http://schemas.microsoft.com/office/powerpoint/2010/main" val="2215580468"/>
       </p:ext>
     </p:extLst>
   </p:cSld>
@@ -366,6 +454,1787 @@
 </file>
 
 <file path=ppt/slideLayouts/slideLayout10.xml><?xml version="1.0" encoding="utf-8"?>
+<p:sldLayout xmlns:a="http://schemas.openxmlformats.org/drawingml/2006/main" xmlns:r="http://schemas.openxmlformats.org/officeDocument/2006/relationships" xmlns:p="http://schemas.openxmlformats.org/presentationml/2006/main" preserve="1">
+  <p:cSld name="Title and Caption">
+    <p:spTree>
+      <p:nvGrpSpPr>
+        <p:cNvPr id="1" name=""/>
+        <p:cNvGrpSpPr/>
+        <p:nvPr/>
+      </p:nvGrpSpPr>
+      <p:grpSpPr>
+        <a:xfrm>
+          <a:off x="0" y="0"/>
+          <a:ext cx="0" cy="0"/>
+          <a:chOff x="0" y="0"/>
+          <a:chExt cx="0" cy="0"/>
+        </a:xfrm>
+      </p:grpSpPr>
+      <p:sp>
+        <p:nvSpPr>
+          <p:cNvPr id="2" name="Title 1"/>
+          <p:cNvSpPr>
+            <a:spLocks noGrp="1"/>
+          </p:cNvSpPr>
+          <p:nvPr>
+            <p:ph type="title"/>
+          </p:nvPr>
+        </p:nvSpPr>
+        <p:spPr>
+          <a:xfrm>
+            <a:off x="1942415" y="609600"/>
+            <a:ext cx="6591985" cy="3117040"/>
+          </a:xfrm>
+        </p:spPr>
+        <p:txBody>
+          <a:bodyPr anchor="ctr">
+            <a:normAutofit/>
+          </a:bodyPr>
+          <a:lstStyle>
+            <a:lvl1pPr algn="l">
+              <a:defRPr sz="4800" b="0" cap="none"/>
+            </a:lvl1pPr>
+          </a:lstStyle>
+          <a:p>
+            <a:r>
+              <a:rPr lang="en-US" smtClean="0"/>
+              <a:t>Click to edit Master title style</a:t>
+            </a:r>
+            <a:endParaRPr lang="en-US" dirty="0"/>
+          </a:p>
+        </p:txBody>
+      </p:sp>
+      <p:sp>
+        <p:nvSpPr>
+          <p:cNvPr id="3" name="Text Placeholder 2"/>
+          <p:cNvSpPr>
+            <a:spLocks noGrp="1"/>
+          </p:cNvSpPr>
+          <p:nvPr>
+            <p:ph type="body" idx="1"/>
+          </p:nvPr>
+        </p:nvSpPr>
+        <p:spPr>
+          <a:xfrm>
+            <a:off x="1942415" y="4354046"/>
+            <a:ext cx="6591985" cy="1555864"/>
+          </a:xfrm>
+        </p:spPr>
+        <p:txBody>
+          <a:bodyPr anchor="ctr">
+            <a:normAutofit/>
+          </a:bodyPr>
+          <a:lstStyle>
+            <a:lvl1pPr marL="0" indent="0" algn="l">
+              <a:buNone/>
+              <a:defRPr sz="1800">
+                <a:solidFill>
+                  <a:schemeClr val="tx1">
+                    <a:lumMod val="65000"/>
+                    <a:lumOff val="35000"/>
+                  </a:schemeClr>
+                </a:solidFill>
+              </a:defRPr>
+            </a:lvl1pPr>
+            <a:lvl2pPr marL="457200" indent="0">
+              <a:buNone/>
+              <a:defRPr sz="1800">
+                <a:solidFill>
+                  <a:schemeClr val="tx1">
+                    <a:tint val="75000"/>
+                  </a:schemeClr>
+                </a:solidFill>
+              </a:defRPr>
+            </a:lvl2pPr>
+            <a:lvl3pPr marL="914400" indent="0">
+              <a:buNone/>
+              <a:defRPr sz="1600">
+                <a:solidFill>
+                  <a:schemeClr val="tx1">
+                    <a:tint val="75000"/>
+                  </a:schemeClr>
+                </a:solidFill>
+              </a:defRPr>
+            </a:lvl3pPr>
+            <a:lvl4pPr marL="1371600" indent="0">
+              <a:buNone/>
+              <a:defRPr sz="1400">
+                <a:solidFill>
+                  <a:schemeClr val="tx1">
+                    <a:tint val="75000"/>
+                  </a:schemeClr>
+                </a:solidFill>
+              </a:defRPr>
+            </a:lvl4pPr>
+            <a:lvl5pPr marL="1828800" indent="0">
+              <a:buNone/>
+              <a:defRPr sz="1400">
+                <a:solidFill>
+                  <a:schemeClr val="tx1">
+                    <a:tint val="75000"/>
+                  </a:schemeClr>
+                </a:solidFill>
+              </a:defRPr>
+            </a:lvl5pPr>
+            <a:lvl6pPr marL="2286000" indent="0">
+              <a:buNone/>
+              <a:defRPr sz="1400">
+                <a:solidFill>
+                  <a:schemeClr val="tx1">
+                    <a:tint val="75000"/>
+                  </a:schemeClr>
+                </a:solidFill>
+              </a:defRPr>
+            </a:lvl6pPr>
+            <a:lvl7pPr marL="2743200" indent="0">
+              <a:buNone/>
+              <a:defRPr sz="1400">
+                <a:solidFill>
+                  <a:schemeClr val="tx1">
+                    <a:tint val="75000"/>
+                  </a:schemeClr>
+                </a:solidFill>
+              </a:defRPr>
+            </a:lvl7pPr>
+            <a:lvl8pPr marL="3200400" indent="0">
+              <a:buNone/>
+              <a:defRPr sz="1400">
+                <a:solidFill>
+                  <a:schemeClr val="tx1">
+                    <a:tint val="75000"/>
+                  </a:schemeClr>
+                </a:solidFill>
+              </a:defRPr>
+            </a:lvl8pPr>
+            <a:lvl9pPr marL="3657600" indent="0">
+              <a:buNone/>
+              <a:defRPr sz="1400">
+                <a:solidFill>
+                  <a:schemeClr val="tx1">
+                    <a:tint val="75000"/>
+                  </a:schemeClr>
+                </a:solidFill>
+              </a:defRPr>
+            </a:lvl9pPr>
+          </a:lstStyle>
+          <a:p>
+            <a:pPr lvl="0"/>
+            <a:r>
+              <a:rPr lang="en-US" smtClean="0"/>
+              <a:t>Click to edit Master text styles</a:t>
+            </a:r>
+          </a:p>
+        </p:txBody>
+      </p:sp>
+      <p:sp>
+        <p:nvSpPr>
+          <p:cNvPr id="4" name="Date Placeholder 3"/>
+          <p:cNvSpPr>
+            <a:spLocks noGrp="1"/>
+          </p:cNvSpPr>
+          <p:nvPr>
+            <p:ph type="dt" sz="half" idx="10"/>
+          </p:nvPr>
+        </p:nvSpPr>
+        <p:spPr/>
+        <p:txBody>
+          <a:bodyPr/>
+          <a:lstStyle/>
+          <a:p>
+            <a:fld id="{EE980AB1-0036-47C0-813D-2A1653AC1BD2}" type="datetimeFigureOut">
+              <a:rPr lang="en-US" smtClean="0"/>
+              <a:t>12/3/2013</a:t>
+            </a:fld>
+            <a:endParaRPr lang="en-US"/>
+          </a:p>
+        </p:txBody>
+      </p:sp>
+      <p:sp>
+        <p:nvSpPr>
+          <p:cNvPr id="5" name="Footer Placeholder 4"/>
+          <p:cNvSpPr>
+            <a:spLocks noGrp="1"/>
+          </p:cNvSpPr>
+          <p:nvPr>
+            <p:ph type="ftr" sz="quarter" idx="11"/>
+          </p:nvPr>
+        </p:nvSpPr>
+        <p:spPr/>
+        <p:txBody>
+          <a:bodyPr/>
+          <a:lstStyle/>
+          <a:p>
+            <a:endParaRPr lang="en-US"/>
+          </a:p>
+        </p:txBody>
+      </p:sp>
+      <p:sp>
+        <p:nvSpPr>
+          <p:cNvPr id="10" name="Freeform 11"/>
+          <p:cNvSpPr/>
+          <p:nvPr/>
+        </p:nvSpPr>
+        <p:spPr bwMode="auto">
+          <a:xfrm flipV="1">
+            <a:off x="58" y="3166527"/>
+            <a:ext cx="1358356" cy="508005"/>
+          </a:xfrm>
+          <a:custGeom>
+            <a:avLst/>
+            <a:gdLst/>
+            <a:ahLst/>
+            <a:cxnLst/>
+            <a:rect l="l" t="t" r="r" b="b"/>
+            <a:pathLst>
+              <a:path w="7908" h="10000">
+                <a:moveTo>
+                  <a:pt x="7908" y="4694"/>
+                </a:moveTo>
+                <a:lnTo>
+                  <a:pt x="6575" y="188"/>
+                </a:lnTo>
+                <a:cubicBezTo>
+                  <a:pt x="6566" y="157"/>
+                  <a:pt x="6555" y="125"/>
+                  <a:pt x="6546" y="94"/>
+                </a:cubicBezTo>
+                <a:cubicBezTo>
+                  <a:pt x="6519" y="0"/>
+                  <a:pt x="6491" y="0"/>
+                  <a:pt x="6463" y="0"/>
+                </a:cubicBezTo>
+                <a:lnTo>
+                  <a:pt x="5935" y="0"/>
+                </a:lnTo>
+                <a:lnTo>
+                  <a:pt x="0" y="62"/>
+                </a:lnTo>
+                <a:lnTo>
+                  <a:pt x="0" y="10000"/>
+                </a:lnTo>
+                <a:lnTo>
+                  <a:pt x="5935" y="9952"/>
+                </a:lnTo>
+                <a:lnTo>
+                  <a:pt x="6463" y="9952"/>
+                </a:lnTo>
+                <a:cubicBezTo>
+                  <a:pt x="6491" y="9952"/>
+                  <a:pt x="6519" y="9859"/>
+                  <a:pt x="6546" y="9859"/>
+                </a:cubicBezTo>
+                <a:cubicBezTo>
+                  <a:pt x="6546" y="9764"/>
+                  <a:pt x="6575" y="9764"/>
+                  <a:pt x="6575" y="9764"/>
+                </a:cubicBezTo>
+                <a:lnTo>
+                  <a:pt x="7908" y="5258"/>
+                </a:lnTo>
+                <a:cubicBezTo>
+                  <a:pt x="7963" y="5070"/>
+                  <a:pt x="7963" y="4883"/>
+                  <a:pt x="7908" y="4694"/>
+                </a:cubicBezTo>
+                <a:close/>
+              </a:path>
+            </a:pathLst>
+          </a:custGeom>
+          <a:solidFill>
+            <a:schemeClr val="accent1"/>
+          </a:solidFill>
+          <a:ln>
+            <a:noFill/>
+          </a:ln>
+        </p:spPr>
+      </p:sp>
+      <p:sp>
+        <p:nvSpPr>
+          <p:cNvPr id="6" name="Slide Number Placeholder 5"/>
+          <p:cNvSpPr>
+            <a:spLocks noGrp="1"/>
+          </p:cNvSpPr>
+          <p:nvPr>
+            <p:ph type="sldNum" sz="quarter" idx="12"/>
+          </p:nvPr>
+        </p:nvSpPr>
+        <p:spPr>
+          <a:xfrm>
+            <a:off x="511228" y="3244140"/>
+            <a:ext cx="584978" cy="365125"/>
+          </a:xfrm>
+        </p:spPr>
+        <p:txBody>
+          <a:bodyPr/>
+          <a:lstStyle/>
+          <a:p>
+            <a:fld id="{23E2877D-8230-4A74-A027-94C01DE5477B}" type="slidenum">
+              <a:rPr lang="en-US" smtClean="0"/>
+              <a:t>‹#›</a:t>
+            </a:fld>
+            <a:endParaRPr lang="en-US"/>
+          </a:p>
+        </p:txBody>
+      </p:sp>
+    </p:spTree>
+    <p:extLst>
+      <p:ext uri="{BB962C8B-B14F-4D97-AF65-F5344CB8AC3E}">
+        <p14:creationId xmlns:p14="http://schemas.microsoft.com/office/powerpoint/2010/main" val="367018095"/>
+      </p:ext>
+    </p:extLst>
+  </p:cSld>
+  <p:clrMapOvr>
+    <a:masterClrMapping/>
+  </p:clrMapOvr>
+</p:sldLayout>
+</file>
+
+<file path=ppt/slideLayouts/slideLayout11.xml><?xml version="1.0" encoding="utf-8"?>
+<p:sldLayout xmlns:a="http://schemas.openxmlformats.org/drawingml/2006/main" xmlns:r="http://schemas.openxmlformats.org/officeDocument/2006/relationships" xmlns:p="http://schemas.openxmlformats.org/presentationml/2006/main" preserve="1">
+  <p:cSld name="Quote with Caption">
+    <p:spTree>
+      <p:nvGrpSpPr>
+        <p:cNvPr id="1" name=""/>
+        <p:cNvGrpSpPr/>
+        <p:nvPr/>
+      </p:nvGrpSpPr>
+      <p:grpSpPr>
+        <a:xfrm>
+          <a:off x="0" y="0"/>
+          <a:ext cx="0" cy="0"/>
+          <a:chOff x="0" y="0"/>
+          <a:chExt cx="0" cy="0"/>
+        </a:xfrm>
+      </p:grpSpPr>
+      <p:sp>
+        <p:nvSpPr>
+          <p:cNvPr id="2" name="Title 1"/>
+          <p:cNvSpPr>
+            <a:spLocks noGrp="1"/>
+          </p:cNvSpPr>
+          <p:nvPr>
+            <p:ph type="title"/>
+          </p:nvPr>
+        </p:nvSpPr>
+        <p:spPr>
+          <a:xfrm>
+            <a:off x="2188123" y="609600"/>
+            <a:ext cx="6109587" cy="2895600"/>
+          </a:xfrm>
+        </p:spPr>
+        <p:txBody>
+          <a:bodyPr anchor="ctr">
+            <a:normAutofit/>
+          </a:bodyPr>
+          <a:lstStyle>
+            <a:lvl1pPr algn="l">
+              <a:defRPr sz="4800" b="0" cap="none"/>
+            </a:lvl1pPr>
+          </a:lstStyle>
+          <a:p>
+            <a:r>
+              <a:rPr lang="en-US" smtClean="0"/>
+              <a:t>Click to edit Master title style</a:t>
+            </a:r>
+            <a:endParaRPr lang="en-US" dirty="0"/>
+          </a:p>
+        </p:txBody>
+      </p:sp>
+      <p:sp>
+        <p:nvSpPr>
+          <p:cNvPr id="13" name="Text Placeholder 9"/>
+          <p:cNvSpPr>
+            <a:spLocks noGrp="1"/>
+          </p:cNvSpPr>
+          <p:nvPr>
+            <p:ph type="body" sz="quarter" idx="13"/>
+          </p:nvPr>
+        </p:nvSpPr>
+        <p:spPr>
+          <a:xfrm>
+            <a:off x="2415972" y="3505200"/>
+            <a:ext cx="5653888" cy="381000"/>
+          </a:xfrm>
+        </p:spPr>
+        <p:txBody>
+          <a:bodyPr anchor="ctr">
+            <a:noAutofit/>
+          </a:bodyPr>
+          <a:lstStyle>
+            <a:lvl1pPr marL="0" indent="0">
+              <a:buFontTx/>
+              <a:buNone/>
+              <a:defRPr sz="1600">
+                <a:solidFill>
+                  <a:schemeClr val="tx1">
+                    <a:lumMod val="50000"/>
+                    <a:lumOff val="50000"/>
+                  </a:schemeClr>
+                </a:solidFill>
+              </a:defRPr>
+            </a:lvl1pPr>
+            <a:lvl2pPr marL="457200" indent="0">
+              <a:buFontTx/>
+              <a:buNone/>
+              <a:defRPr/>
+            </a:lvl2pPr>
+            <a:lvl3pPr marL="914400" indent="0">
+              <a:buFontTx/>
+              <a:buNone/>
+              <a:defRPr/>
+            </a:lvl3pPr>
+            <a:lvl4pPr marL="1371600" indent="0">
+              <a:buFontTx/>
+              <a:buNone/>
+              <a:defRPr/>
+            </a:lvl4pPr>
+            <a:lvl5pPr marL="1828800" indent="0">
+              <a:buFontTx/>
+              <a:buNone/>
+              <a:defRPr/>
+            </a:lvl5pPr>
+          </a:lstStyle>
+          <a:p>
+            <a:pPr lvl="0"/>
+            <a:r>
+              <a:rPr lang="en-US" smtClean="0"/>
+              <a:t>Click to edit Master text styles</a:t>
+            </a:r>
+          </a:p>
+        </p:txBody>
+      </p:sp>
+      <p:sp>
+        <p:nvSpPr>
+          <p:cNvPr id="3" name="Text Placeholder 2"/>
+          <p:cNvSpPr>
+            <a:spLocks noGrp="1"/>
+          </p:cNvSpPr>
+          <p:nvPr>
+            <p:ph type="body" idx="1"/>
+          </p:nvPr>
+        </p:nvSpPr>
+        <p:spPr>
+          <a:xfrm>
+            <a:off x="1942415" y="4354046"/>
+            <a:ext cx="6591985" cy="1555864"/>
+          </a:xfrm>
+        </p:spPr>
+        <p:txBody>
+          <a:bodyPr anchor="ctr">
+            <a:normAutofit/>
+          </a:bodyPr>
+          <a:lstStyle>
+            <a:lvl1pPr marL="0" indent="0" algn="l">
+              <a:buNone/>
+              <a:defRPr sz="1800">
+                <a:solidFill>
+                  <a:schemeClr val="tx1">
+                    <a:lumMod val="65000"/>
+                    <a:lumOff val="35000"/>
+                  </a:schemeClr>
+                </a:solidFill>
+              </a:defRPr>
+            </a:lvl1pPr>
+            <a:lvl2pPr marL="457200" indent="0">
+              <a:buNone/>
+              <a:defRPr sz="1800">
+                <a:solidFill>
+                  <a:schemeClr val="tx1">
+                    <a:tint val="75000"/>
+                  </a:schemeClr>
+                </a:solidFill>
+              </a:defRPr>
+            </a:lvl2pPr>
+            <a:lvl3pPr marL="914400" indent="0">
+              <a:buNone/>
+              <a:defRPr sz="1600">
+                <a:solidFill>
+                  <a:schemeClr val="tx1">
+                    <a:tint val="75000"/>
+                  </a:schemeClr>
+                </a:solidFill>
+              </a:defRPr>
+            </a:lvl3pPr>
+            <a:lvl4pPr marL="1371600" indent="0">
+              <a:buNone/>
+              <a:defRPr sz="1400">
+                <a:solidFill>
+                  <a:schemeClr val="tx1">
+                    <a:tint val="75000"/>
+                  </a:schemeClr>
+                </a:solidFill>
+              </a:defRPr>
+            </a:lvl4pPr>
+            <a:lvl5pPr marL="1828800" indent="0">
+              <a:buNone/>
+              <a:defRPr sz="1400">
+                <a:solidFill>
+                  <a:schemeClr val="tx1">
+                    <a:tint val="75000"/>
+                  </a:schemeClr>
+                </a:solidFill>
+              </a:defRPr>
+            </a:lvl5pPr>
+            <a:lvl6pPr marL="2286000" indent="0">
+              <a:buNone/>
+              <a:defRPr sz="1400">
+                <a:solidFill>
+                  <a:schemeClr val="tx1">
+                    <a:tint val="75000"/>
+                  </a:schemeClr>
+                </a:solidFill>
+              </a:defRPr>
+            </a:lvl6pPr>
+            <a:lvl7pPr marL="2743200" indent="0">
+              <a:buNone/>
+              <a:defRPr sz="1400">
+                <a:solidFill>
+                  <a:schemeClr val="tx1">
+                    <a:tint val="75000"/>
+                  </a:schemeClr>
+                </a:solidFill>
+              </a:defRPr>
+            </a:lvl7pPr>
+            <a:lvl8pPr marL="3200400" indent="0">
+              <a:buNone/>
+              <a:defRPr sz="1400">
+                <a:solidFill>
+                  <a:schemeClr val="tx1">
+                    <a:tint val="75000"/>
+                  </a:schemeClr>
+                </a:solidFill>
+              </a:defRPr>
+            </a:lvl8pPr>
+            <a:lvl9pPr marL="3657600" indent="0">
+              <a:buNone/>
+              <a:defRPr sz="1400">
+                <a:solidFill>
+                  <a:schemeClr val="tx1">
+                    <a:tint val="75000"/>
+                  </a:schemeClr>
+                </a:solidFill>
+              </a:defRPr>
+            </a:lvl9pPr>
+          </a:lstStyle>
+          <a:p>
+            <a:pPr lvl="0"/>
+            <a:r>
+              <a:rPr lang="en-US" smtClean="0"/>
+              <a:t>Click to edit Master text styles</a:t>
+            </a:r>
+          </a:p>
+        </p:txBody>
+      </p:sp>
+      <p:sp>
+        <p:nvSpPr>
+          <p:cNvPr id="4" name="Date Placeholder 3"/>
+          <p:cNvSpPr>
+            <a:spLocks noGrp="1"/>
+          </p:cNvSpPr>
+          <p:nvPr>
+            <p:ph type="dt" sz="half" idx="10"/>
+          </p:nvPr>
+        </p:nvSpPr>
+        <p:spPr/>
+        <p:txBody>
+          <a:bodyPr/>
+          <a:lstStyle/>
+          <a:p>
+            <a:fld id="{EE980AB1-0036-47C0-813D-2A1653AC1BD2}" type="datetimeFigureOut">
+              <a:rPr lang="en-US" smtClean="0"/>
+              <a:t>12/3/2013</a:t>
+            </a:fld>
+            <a:endParaRPr lang="en-US"/>
+          </a:p>
+        </p:txBody>
+      </p:sp>
+      <p:sp>
+        <p:nvSpPr>
+          <p:cNvPr id="5" name="Footer Placeholder 4"/>
+          <p:cNvSpPr>
+            <a:spLocks noGrp="1"/>
+          </p:cNvSpPr>
+          <p:nvPr>
+            <p:ph type="ftr" sz="quarter" idx="11"/>
+          </p:nvPr>
+        </p:nvSpPr>
+        <p:spPr/>
+        <p:txBody>
+          <a:bodyPr/>
+          <a:lstStyle/>
+          <a:p>
+            <a:endParaRPr lang="en-US"/>
+          </a:p>
+        </p:txBody>
+      </p:sp>
+      <p:sp>
+        <p:nvSpPr>
+          <p:cNvPr id="19" name="Freeform 11"/>
+          <p:cNvSpPr/>
+          <p:nvPr/>
+        </p:nvSpPr>
+        <p:spPr bwMode="auto">
+          <a:xfrm flipV="1">
+            <a:off x="58" y="3166527"/>
+            <a:ext cx="1358356" cy="508005"/>
+          </a:xfrm>
+          <a:custGeom>
+            <a:avLst/>
+            <a:gdLst/>
+            <a:ahLst/>
+            <a:cxnLst/>
+            <a:rect l="l" t="t" r="r" b="b"/>
+            <a:pathLst>
+              <a:path w="7908" h="10000">
+                <a:moveTo>
+                  <a:pt x="7908" y="4694"/>
+                </a:moveTo>
+                <a:lnTo>
+                  <a:pt x="6575" y="188"/>
+                </a:lnTo>
+                <a:cubicBezTo>
+                  <a:pt x="6566" y="157"/>
+                  <a:pt x="6555" y="125"/>
+                  <a:pt x="6546" y="94"/>
+                </a:cubicBezTo>
+                <a:cubicBezTo>
+                  <a:pt x="6519" y="0"/>
+                  <a:pt x="6491" y="0"/>
+                  <a:pt x="6463" y="0"/>
+                </a:cubicBezTo>
+                <a:lnTo>
+                  <a:pt x="5935" y="0"/>
+                </a:lnTo>
+                <a:lnTo>
+                  <a:pt x="0" y="62"/>
+                </a:lnTo>
+                <a:lnTo>
+                  <a:pt x="0" y="10000"/>
+                </a:lnTo>
+                <a:lnTo>
+                  <a:pt x="5935" y="9952"/>
+                </a:lnTo>
+                <a:lnTo>
+                  <a:pt x="6463" y="9952"/>
+                </a:lnTo>
+                <a:cubicBezTo>
+                  <a:pt x="6491" y="9952"/>
+                  <a:pt x="6519" y="9859"/>
+                  <a:pt x="6546" y="9859"/>
+                </a:cubicBezTo>
+                <a:cubicBezTo>
+                  <a:pt x="6546" y="9764"/>
+                  <a:pt x="6575" y="9764"/>
+                  <a:pt x="6575" y="9764"/>
+                </a:cubicBezTo>
+                <a:lnTo>
+                  <a:pt x="7908" y="5258"/>
+                </a:lnTo>
+                <a:cubicBezTo>
+                  <a:pt x="7963" y="5070"/>
+                  <a:pt x="7963" y="4883"/>
+                  <a:pt x="7908" y="4694"/>
+                </a:cubicBezTo>
+                <a:close/>
+              </a:path>
+            </a:pathLst>
+          </a:custGeom>
+          <a:solidFill>
+            <a:schemeClr val="accent1"/>
+          </a:solidFill>
+          <a:ln>
+            <a:noFill/>
+          </a:ln>
+        </p:spPr>
+      </p:sp>
+      <p:sp>
+        <p:nvSpPr>
+          <p:cNvPr id="6" name="Slide Number Placeholder 5"/>
+          <p:cNvSpPr>
+            <a:spLocks noGrp="1"/>
+          </p:cNvSpPr>
+          <p:nvPr>
+            <p:ph type="sldNum" sz="quarter" idx="12"/>
+          </p:nvPr>
+        </p:nvSpPr>
+        <p:spPr>
+          <a:xfrm>
+            <a:off x="511228" y="3244140"/>
+            <a:ext cx="584978" cy="365125"/>
+          </a:xfrm>
+        </p:spPr>
+        <p:txBody>
+          <a:bodyPr/>
+          <a:lstStyle/>
+          <a:p>
+            <a:fld id="{23E2877D-8230-4A74-A027-94C01DE5477B}" type="slidenum">
+              <a:rPr lang="en-US" smtClean="0"/>
+              <a:t>‹#›</a:t>
+            </a:fld>
+            <a:endParaRPr lang="en-US"/>
+          </a:p>
+        </p:txBody>
+      </p:sp>
+      <p:sp>
+        <p:nvSpPr>
+          <p:cNvPr id="14" name="TextBox 13"/>
+          <p:cNvSpPr txBox="1"/>
+          <p:nvPr/>
+        </p:nvSpPr>
+        <p:spPr>
+          <a:xfrm>
+            <a:off x="1808316" y="648005"/>
+            <a:ext cx="457319" cy="584776"/>
+          </a:xfrm>
+          <a:prstGeom prst="rect">
+            <a:avLst/>
+          </a:prstGeom>
+        </p:spPr>
+        <p:txBody>
+          <a:bodyPr vert="horz" lIns="91440" tIns="45720" rIns="91440" bIns="45720" rtlCol="0" anchor="ctr">
+            <a:noAutofit/>
+          </a:bodyPr>
+          <a:lstStyle/>
+          <a:p>
+            <a:pPr lvl="0"/>
+            <a:r>
+              <a:rPr lang="en-US" sz="8000" baseline="0" dirty="0">
+                <a:ln w="3175" cmpd="sng">
+                  <a:noFill/>
+                </a:ln>
+                <a:solidFill>
+                  <a:schemeClr val="accent1"/>
+                </a:solidFill>
+                <a:effectLst/>
+                <a:latin typeface="Arial"/>
+              </a:rPr>
+              <a:t>“</a:t>
+            </a:r>
+          </a:p>
+        </p:txBody>
+      </p:sp>
+      <p:sp>
+        <p:nvSpPr>
+          <p:cNvPr id="15" name="TextBox 14"/>
+          <p:cNvSpPr txBox="1"/>
+          <p:nvPr/>
+        </p:nvSpPr>
+        <p:spPr>
+          <a:xfrm>
+            <a:off x="8169533" y="2905306"/>
+            <a:ext cx="457319" cy="584776"/>
+          </a:xfrm>
+          <a:prstGeom prst="rect">
+            <a:avLst/>
+          </a:prstGeom>
+        </p:spPr>
+        <p:txBody>
+          <a:bodyPr vert="horz" lIns="91440" tIns="45720" rIns="91440" bIns="45720" rtlCol="0" anchor="ctr">
+            <a:noAutofit/>
+          </a:bodyPr>
+          <a:lstStyle/>
+          <a:p>
+            <a:pPr lvl="0"/>
+            <a:r>
+              <a:rPr lang="en-US" sz="8000" baseline="0" dirty="0">
+                <a:ln w="3175" cmpd="sng">
+                  <a:noFill/>
+                </a:ln>
+                <a:solidFill>
+                  <a:schemeClr val="accent1"/>
+                </a:solidFill>
+                <a:effectLst/>
+                <a:latin typeface="Arial"/>
+              </a:rPr>
+              <a:t>”</a:t>
+            </a:r>
+          </a:p>
+        </p:txBody>
+      </p:sp>
+    </p:spTree>
+    <p:extLst>
+      <p:ext uri="{BB962C8B-B14F-4D97-AF65-F5344CB8AC3E}">
+        <p14:creationId xmlns:p14="http://schemas.microsoft.com/office/powerpoint/2010/main" val="1715491371"/>
+      </p:ext>
+    </p:extLst>
+  </p:cSld>
+  <p:clrMapOvr>
+    <a:masterClrMapping/>
+  </p:clrMapOvr>
+</p:sldLayout>
+</file>
+
+<file path=ppt/slideLayouts/slideLayout12.xml><?xml version="1.0" encoding="utf-8"?>
+<p:sldLayout xmlns:a="http://schemas.openxmlformats.org/drawingml/2006/main" xmlns:r="http://schemas.openxmlformats.org/officeDocument/2006/relationships" xmlns:p="http://schemas.openxmlformats.org/presentationml/2006/main" preserve="1">
+  <p:cSld name="Name Card">
+    <p:spTree>
+      <p:nvGrpSpPr>
+        <p:cNvPr id="1" name=""/>
+        <p:cNvGrpSpPr/>
+        <p:nvPr/>
+      </p:nvGrpSpPr>
+      <p:grpSpPr>
+        <a:xfrm>
+          <a:off x="0" y="0"/>
+          <a:ext cx="0" cy="0"/>
+          <a:chOff x="0" y="0"/>
+          <a:chExt cx="0" cy="0"/>
+        </a:xfrm>
+      </p:grpSpPr>
+      <p:sp>
+        <p:nvSpPr>
+          <p:cNvPr id="2" name="Title 1"/>
+          <p:cNvSpPr>
+            <a:spLocks noGrp="1"/>
+          </p:cNvSpPr>
+          <p:nvPr>
+            <p:ph type="title"/>
+          </p:nvPr>
+        </p:nvSpPr>
+        <p:spPr>
+          <a:xfrm>
+            <a:off x="1942415" y="2438401"/>
+            <a:ext cx="6591985" cy="2724845"/>
+          </a:xfrm>
+        </p:spPr>
+        <p:txBody>
+          <a:bodyPr anchor="b">
+            <a:normAutofit/>
+          </a:bodyPr>
+          <a:lstStyle>
+            <a:lvl1pPr algn="l">
+              <a:defRPr sz="4800" b="0"/>
+            </a:lvl1pPr>
+          </a:lstStyle>
+          <a:p>
+            <a:r>
+              <a:rPr lang="en-US" smtClean="0"/>
+              <a:t>Click to edit Master title style</a:t>
+            </a:r>
+            <a:endParaRPr lang="en-US" dirty="0"/>
+          </a:p>
+        </p:txBody>
+      </p:sp>
+      <p:sp>
+        <p:nvSpPr>
+          <p:cNvPr id="4" name="Text Placeholder 3"/>
+          <p:cNvSpPr>
+            <a:spLocks noGrp="1"/>
+          </p:cNvSpPr>
+          <p:nvPr>
+            <p:ph type="body" sz="half" idx="2"/>
+          </p:nvPr>
+        </p:nvSpPr>
+        <p:spPr>
+          <a:xfrm>
+            <a:off x="1942415" y="5181600"/>
+            <a:ext cx="6591985" cy="729622"/>
+          </a:xfrm>
+        </p:spPr>
+        <p:txBody>
+          <a:bodyPr vert="horz" lIns="91440" tIns="45720" rIns="91440" bIns="45720" rtlCol="0" anchor="t">
+            <a:normAutofit/>
+          </a:bodyPr>
+          <a:lstStyle>
+            <a:lvl1pPr>
+              <a:buNone/>
+              <a:defRPr lang="en-US">
+                <a:solidFill>
+                  <a:schemeClr val="tx1">
+                    <a:lumMod val="65000"/>
+                    <a:lumOff val="35000"/>
+                  </a:schemeClr>
+                </a:solidFill>
+              </a:defRPr>
+            </a:lvl1pPr>
+          </a:lstStyle>
+          <a:p>
+            <a:pPr marL="0" lvl="0" indent="0">
+              <a:buNone/>
+            </a:pPr>
+            <a:r>
+              <a:rPr lang="en-US" smtClean="0"/>
+              <a:t>Click to edit Master text styles</a:t>
+            </a:r>
+          </a:p>
+        </p:txBody>
+      </p:sp>
+      <p:sp>
+        <p:nvSpPr>
+          <p:cNvPr id="5" name="Date Placeholder 4"/>
+          <p:cNvSpPr>
+            <a:spLocks noGrp="1"/>
+          </p:cNvSpPr>
+          <p:nvPr>
+            <p:ph type="dt" sz="half" idx="10"/>
+          </p:nvPr>
+        </p:nvSpPr>
+        <p:spPr/>
+        <p:txBody>
+          <a:bodyPr/>
+          <a:lstStyle/>
+          <a:p>
+            <a:fld id="{EE980AB1-0036-47C0-813D-2A1653AC1BD2}" type="datetimeFigureOut">
+              <a:rPr lang="en-US" smtClean="0"/>
+              <a:t>12/3/2013</a:t>
+            </a:fld>
+            <a:endParaRPr lang="en-US"/>
+          </a:p>
+        </p:txBody>
+      </p:sp>
+      <p:sp>
+        <p:nvSpPr>
+          <p:cNvPr id="6" name="Footer Placeholder 5"/>
+          <p:cNvSpPr>
+            <a:spLocks noGrp="1"/>
+          </p:cNvSpPr>
+          <p:nvPr>
+            <p:ph type="ftr" sz="quarter" idx="11"/>
+          </p:nvPr>
+        </p:nvSpPr>
+        <p:spPr/>
+        <p:txBody>
+          <a:bodyPr/>
+          <a:lstStyle/>
+          <a:p>
+            <a:endParaRPr lang="en-US"/>
+          </a:p>
+        </p:txBody>
+      </p:sp>
+      <p:sp>
+        <p:nvSpPr>
+          <p:cNvPr id="11" name="Freeform 11"/>
+          <p:cNvSpPr/>
+          <p:nvPr/>
+        </p:nvSpPr>
+        <p:spPr bwMode="auto">
+          <a:xfrm flipV="1">
+            <a:off x="58" y="4910660"/>
+            <a:ext cx="1358356" cy="508005"/>
+          </a:xfrm>
+          <a:custGeom>
+            <a:avLst/>
+            <a:gdLst/>
+            <a:ahLst/>
+            <a:cxnLst/>
+            <a:rect l="l" t="t" r="r" b="b"/>
+            <a:pathLst>
+              <a:path w="7908" h="10000">
+                <a:moveTo>
+                  <a:pt x="7908" y="4694"/>
+                </a:moveTo>
+                <a:lnTo>
+                  <a:pt x="6575" y="188"/>
+                </a:lnTo>
+                <a:cubicBezTo>
+                  <a:pt x="6566" y="157"/>
+                  <a:pt x="6555" y="125"/>
+                  <a:pt x="6546" y="94"/>
+                </a:cubicBezTo>
+                <a:cubicBezTo>
+                  <a:pt x="6519" y="0"/>
+                  <a:pt x="6491" y="0"/>
+                  <a:pt x="6463" y="0"/>
+                </a:cubicBezTo>
+                <a:lnTo>
+                  <a:pt x="5935" y="0"/>
+                </a:lnTo>
+                <a:lnTo>
+                  <a:pt x="0" y="62"/>
+                </a:lnTo>
+                <a:lnTo>
+                  <a:pt x="0" y="10000"/>
+                </a:lnTo>
+                <a:lnTo>
+                  <a:pt x="5935" y="9952"/>
+                </a:lnTo>
+                <a:lnTo>
+                  <a:pt x="6463" y="9952"/>
+                </a:lnTo>
+                <a:cubicBezTo>
+                  <a:pt x="6491" y="9952"/>
+                  <a:pt x="6519" y="9859"/>
+                  <a:pt x="6546" y="9859"/>
+                </a:cubicBezTo>
+                <a:cubicBezTo>
+                  <a:pt x="6546" y="9764"/>
+                  <a:pt x="6575" y="9764"/>
+                  <a:pt x="6575" y="9764"/>
+                </a:cubicBezTo>
+                <a:lnTo>
+                  <a:pt x="7908" y="5258"/>
+                </a:lnTo>
+                <a:cubicBezTo>
+                  <a:pt x="7963" y="5070"/>
+                  <a:pt x="7963" y="4883"/>
+                  <a:pt x="7908" y="4694"/>
+                </a:cubicBezTo>
+                <a:close/>
+              </a:path>
+            </a:pathLst>
+          </a:custGeom>
+          <a:solidFill>
+            <a:schemeClr val="accent1"/>
+          </a:solidFill>
+          <a:ln>
+            <a:noFill/>
+          </a:ln>
+        </p:spPr>
+      </p:sp>
+      <p:sp>
+        <p:nvSpPr>
+          <p:cNvPr id="7" name="Slide Number Placeholder 6"/>
+          <p:cNvSpPr>
+            <a:spLocks noGrp="1"/>
+          </p:cNvSpPr>
+          <p:nvPr>
+            <p:ph type="sldNum" sz="quarter" idx="12"/>
+          </p:nvPr>
+        </p:nvSpPr>
+        <p:spPr>
+          <a:xfrm>
+            <a:off x="511228" y="4983088"/>
+            <a:ext cx="584978" cy="365125"/>
+          </a:xfrm>
+        </p:spPr>
+        <p:txBody>
+          <a:bodyPr/>
+          <a:lstStyle/>
+          <a:p>
+            <a:fld id="{23E2877D-8230-4A74-A027-94C01DE5477B}" type="slidenum">
+              <a:rPr lang="en-US" smtClean="0"/>
+              <a:t>‹#›</a:t>
+            </a:fld>
+            <a:endParaRPr lang="en-US"/>
+          </a:p>
+        </p:txBody>
+      </p:sp>
+    </p:spTree>
+    <p:extLst>
+      <p:ext uri="{BB962C8B-B14F-4D97-AF65-F5344CB8AC3E}">
+        <p14:creationId xmlns:p14="http://schemas.microsoft.com/office/powerpoint/2010/main" val="3468893370"/>
+      </p:ext>
+    </p:extLst>
+  </p:cSld>
+  <p:clrMapOvr>
+    <a:masterClrMapping/>
+  </p:clrMapOvr>
+</p:sldLayout>
+</file>
+
+<file path=ppt/slideLayouts/slideLayout13.xml><?xml version="1.0" encoding="utf-8"?>
+<p:sldLayout xmlns:a="http://schemas.openxmlformats.org/drawingml/2006/main" xmlns:r="http://schemas.openxmlformats.org/officeDocument/2006/relationships" xmlns:p="http://schemas.openxmlformats.org/presentationml/2006/main" preserve="1">
+  <p:cSld name="Quote Name Card">
+    <p:spTree>
+      <p:nvGrpSpPr>
+        <p:cNvPr id="1" name=""/>
+        <p:cNvGrpSpPr/>
+        <p:nvPr/>
+      </p:nvGrpSpPr>
+      <p:grpSpPr>
+        <a:xfrm>
+          <a:off x="0" y="0"/>
+          <a:ext cx="0" cy="0"/>
+          <a:chOff x="0" y="0"/>
+          <a:chExt cx="0" cy="0"/>
+        </a:xfrm>
+      </p:grpSpPr>
+      <p:sp>
+        <p:nvSpPr>
+          <p:cNvPr id="13" name="Title 1"/>
+          <p:cNvSpPr>
+            <a:spLocks noGrp="1"/>
+          </p:cNvSpPr>
+          <p:nvPr>
+            <p:ph type="title"/>
+          </p:nvPr>
+        </p:nvSpPr>
+        <p:spPr>
+          <a:xfrm>
+            <a:off x="2188123" y="609600"/>
+            <a:ext cx="6109587" cy="2895600"/>
+          </a:xfrm>
+        </p:spPr>
+        <p:txBody>
+          <a:bodyPr anchor="ctr">
+            <a:normAutofit/>
+          </a:bodyPr>
+          <a:lstStyle>
+            <a:lvl1pPr algn="l">
+              <a:defRPr sz="4800" b="0" cap="none"/>
+            </a:lvl1pPr>
+          </a:lstStyle>
+          <a:p>
+            <a:r>
+              <a:rPr lang="en-US" smtClean="0"/>
+              <a:t>Click to edit Master title style</a:t>
+            </a:r>
+            <a:endParaRPr lang="en-US" dirty="0"/>
+          </a:p>
+        </p:txBody>
+      </p:sp>
+      <p:sp>
+        <p:nvSpPr>
+          <p:cNvPr id="21" name="Text Placeholder 9"/>
+          <p:cNvSpPr>
+            <a:spLocks noGrp="1"/>
+          </p:cNvSpPr>
+          <p:nvPr>
+            <p:ph type="body" sz="quarter" idx="13"/>
+          </p:nvPr>
+        </p:nvSpPr>
+        <p:spPr>
+          <a:xfrm>
+            <a:off x="1942415" y="4343400"/>
+            <a:ext cx="6688292" cy="838200"/>
+          </a:xfrm>
+        </p:spPr>
+        <p:txBody>
+          <a:bodyPr anchor="b">
+            <a:noAutofit/>
+          </a:bodyPr>
+          <a:lstStyle>
+            <a:lvl1pPr marL="0" indent="0">
+              <a:buFontTx/>
+              <a:buNone/>
+              <a:defRPr sz="2400">
+                <a:solidFill>
+                  <a:schemeClr val="accent1"/>
+                </a:solidFill>
+              </a:defRPr>
+            </a:lvl1pPr>
+            <a:lvl2pPr marL="457200" indent="0">
+              <a:buFontTx/>
+              <a:buNone/>
+              <a:defRPr/>
+            </a:lvl2pPr>
+            <a:lvl3pPr marL="914400" indent="0">
+              <a:buFontTx/>
+              <a:buNone/>
+              <a:defRPr/>
+            </a:lvl3pPr>
+            <a:lvl4pPr marL="1371600" indent="0">
+              <a:buFontTx/>
+              <a:buNone/>
+              <a:defRPr/>
+            </a:lvl4pPr>
+            <a:lvl5pPr marL="1828800" indent="0">
+              <a:buFontTx/>
+              <a:buNone/>
+              <a:defRPr/>
+            </a:lvl5pPr>
+          </a:lstStyle>
+          <a:p>
+            <a:pPr lvl="0"/>
+            <a:r>
+              <a:rPr lang="en-US" smtClean="0"/>
+              <a:t>Click to edit Master text styles</a:t>
+            </a:r>
+          </a:p>
+        </p:txBody>
+      </p:sp>
+      <p:sp>
+        <p:nvSpPr>
+          <p:cNvPr id="4" name="Text Placeholder 3"/>
+          <p:cNvSpPr>
+            <a:spLocks noGrp="1"/>
+          </p:cNvSpPr>
+          <p:nvPr>
+            <p:ph type="body" sz="half" idx="2"/>
+          </p:nvPr>
+        </p:nvSpPr>
+        <p:spPr>
+          <a:xfrm>
+            <a:off x="1942415" y="5181600"/>
+            <a:ext cx="6688292" cy="729622"/>
+          </a:xfrm>
+        </p:spPr>
+        <p:txBody>
+          <a:bodyPr vert="horz" lIns="91440" tIns="45720" rIns="91440" bIns="45720" rtlCol="0" anchor="t">
+            <a:normAutofit/>
+          </a:bodyPr>
+          <a:lstStyle>
+            <a:lvl1pPr>
+              <a:buNone/>
+              <a:defRPr lang="en-US">
+                <a:solidFill>
+                  <a:schemeClr val="tx1">
+                    <a:lumMod val="65000"/>
+                    <a:lumOff val="35000"/>
+                  </a:schemeClr>
+                </a:solidFill>
+              </a:defRPr>
+            </a:lvl1pPr>
+          </a:lstStyle>
+          <a:p>
+            <a:pPr marL="0" lvl="0" indent="0">
+              <a:buNone/>
+            </a:pPr>
+            <a:r>
+              <a:rPr lang="en-US" smtClean="0"/>
+              <a:t>Click to edit Master text styles</a:t>
+            </a:r>
+          </a:p>
+        </p:txBody>
+      </p:sp>
+      <p:sp>
+        <p:nvSpPr>
+          <p:cNvPr id="5" name="Date Placeholder 4"/>
+          <p:cNvSpPr>
+            <a:spLocks noGrp="1"/>
+          </p:cNvSpPr>
+          <p:nvPr>
+            <p:ph type="dt" sz="half" idx="10"/>
+          </p:nvPr>
+        </p:nvSpPr>
+        <p:spPr/>
+        <p:txBody>
+          <a:bodyPr/>
+          <a:lstStyle/>
+          <a:p>
+            <a:fld id="{EE980AB1-0036-47C0-813D-2A1653AC1BD2}" type="datetimeFigureOut">
+              <a:rPr lang="en-US" smtClean="0"/>
+              <a:t>12/3/2013</a:t>
+            </a:fld>
+            <a:endParaRPr lang="en-US"/>
+          </a:p>
+        </p:txBody>
+      </p:sp>
+      <p:sp>
+        <p:nvSpPr>
+          <p:cNvPr id="6" name="Footer Placeholder 5"/>
+          <p:cNvSpPr>
+            <a:spLocks noGrp="1"/>
+          </p:cNvSpPr>
+          <p:nvPr>
+            <p:ph type="ftr" sz="quarter" idx="11"/>
+          </p:nvPr>
+        </p:nvSpPr>
+        <p:spPr/>
+        <p:txBody>
+          <a:bodyPr/>
+          <a:lstStyle/>
+          <a:p>
+            <a:endParaRPr lang="en-US"/>
+          </a:p>
+        </p:txBody>
+      </p:sp>
+      <p:sp>
+        <p:nvSpPr>
+          <p:cNvPr id="20" name="Freeform 11"/>
+          <p:cNvSpPr/>
+          <p:nvPr/>
+        </p:nvSpPr>
+        <p:spPr bwMode="auto">
+          <a:xfrm flipV="1">
+            <a:off x="58" y="4910660"/>
+            <a:ext cx="1358356" cy="508005"/>
+          </a:xfrm>
+          <a:custGeom>
+            <a:avLst/>
+            <a:gdLst/>
+            <a:ahLst/>
+            <a:cxnLst/>
+            <a:rect l="l" t="t" r="r" b="b"/>
+            <a:pathLst>
+              <a:path w="7908" h="10000">
+                <a:moveTo>
+                  <a:pt x="7908" y="4694"/>
+                </a:moveTo>
+                <a:lnTo>
+                  <a:pt x="6575" y="188"/>
+                </a:lnTo>
+                <a:cubicBezTo>
+                  <a:pt x="6566" y="157"/>
+                  <a:pt x="6555" y="125"/>
+                  <a:pt x="6546" y="94"/>
+                </a:cubicBezTo>
+                <a:cubicBezTo>
+                  <a:pt x="6519" y="0"/>
+                  <a:pt x="6491" y="0"/>
+                  <a:pt x="6463" y="0"/>
+                </a:cubicBezTo>
+                <a:lnTo>
+                  <a:pt x="5935" y="0"/>
+                </a:lnTo>
+                <a:lnTo>
+                  <a:pt x="0" y="62"/>
+                </a:lnTo>
+                <a:lnTo>
+                  <a:pt x="0" y="10000"/>
+                </a:lnTo>
+                <a:lnTo>
+                  <a:pt x="5935" y="9952"/>
+                </a:lnTo>
+                <a:lnTo>
+                  <a:pt x="6463" y="9952"/>
+                </a:lnTo>
+                <a:cubicBezTo>
+                  <a:pt x="6491" y="9952"/>
+                  <a:pt x="6519" y="9859"/>
+                  <a:pt x="6546" y="9859"/>
+                </a:cubicBezTo>
+                <a:cubicBezTo>
+                  <a:pt x="6546" y="9764"/>
+                  <a:pt x="6575" y="9764"/>
+                  <a:pt x="6575" y="9764"/>
+                </a:cubicBezTo>
+                <a:lnTo>
+                  <a:pt x="7908" y="5258"/>
+                </a:lnTo>
+                <a:cubicBezTo>
+                  <a:pt x="7963" y="5070"/>
+                  <a:pt x="7963" y="4883"/>
+                  <a:pt x="7908" y="4694"/>
+                </a:cubicBezTo>
+                <a:close/>
+              </a:path>
+            </a:pathLst>
+          </a:custGeom>
+          <a:solidFill>
+            <a:schemeClr val="accent1"/>
+          </a:solidFill>
+          <a:ln>
+            <a:noFill/>
+          </a:ln>
+        </p:spPr>
+      </p:sp>
+      <p:sp>
+        <p:nvSpPr>
+          <p:cNvPr id="7" name="Slide Number Placeholder 6"/>
+          <p:cNvSpPr>
+            <a:spLocks noGrp="1"/>
+          </p:cNvSpPr>
+          <p:nvPr>
+            <p:ph type="sldNum" sz="quarter" idx="12"/>
+          </p:nvPr>
+        </p:nvSpPr>
+        <p:spPr>
+          <a:xfrm>
+            <a:off x="511228" y="4983088"/>
+            <a:ext cx="584978" cy="365125"/>
+          </a:xfrm>
+        </p:spPr>
+        <p:txBody>
+          <a:bodyPr/>
+          <a:lstStyle/>
+          <a:p>
+            <a:fld id="{23E2877D-8230-4A74-A027-94C01DE5477B}" type="slidenum">
+              <a:rPr lang="en-US" smtClean="0"/>
+              <a:t>‹#›</a:t>
+            </a:fld>
+            <a:endParaRPr lang="en-US"/>
+          </a:p>
+        </p:txBody>
+      </p:sp>
+      <p:sp>
+        <p:nvSpPr>
+          <p:cNvPr id="11" name="TextBox 10"/>
+          <p:cNvSpPr txBox="1"/>
+          <p:nvPr/>
+        </p:nvSpPr>
+        <p:spPr>
+          <a:xfrm>
+            <a:off x="1808316" y="648005"/>
+            <a:ext cx="457319" cy="584776"/>
+          </a:xfrm>
+          <a:prstGeom prst="rect">
+            <a:avLst/>
+          </a:prstGeom>
+        </p:spPr>
+        <p:txBody>
+          <a:bodyPr vert="horz" lIns="91440" tIns="45720" rIns="91440" bIns="45720" rtlCol="0" anchor="ctr">
+            <a:noAutofit/>
+          </a:bodyPr>
+          <a:lstStyle/>
+          <a:p>
+            <a:pPr lvl="0"/>
+            <a:r>
+              <a:rPr lang="en-US" sz="8000" baseline="0" dirty="0">
+                <a:ln w="3175" cmpd="sng">
+                  <a:noFill/>
+                </a:ln>
+                <a:solidFill>
+                  <a:schemeClr val="accent1"/>
+                </a:solidFill>
+                <a:effectLst/>
+                <a:latin typeface="Arial"/>
+              </a:rPr>
+              <a:t>“</a:t>
+            </a:r>
+          </a:p>
+        </p:txBody>
+      </p:sp>
+      <p:sp>
+        <p:nvSpPr>
+          <p:cNvPr id="12" name="TextBox 11"/>
+          <p:cNvSpPr txBox="1"/>
+          <p:nvPr/>
+        </p:nvSpPr>
+        <p:spPr>
+          <a:xfrm>
+            <a:off x="8169533" y="2905306"/>
+            <a:ext cx="457319" cy="584776"/>
+          </a:xfrm>
+          <a:prstGeom prst="rect">
+            <a:avLst/>
+          </a:prstGeom>
+        </p:spPr>
+        <p:txBody>
+          <a:bodyPr vert="horz" lIns="91440" tIns="45720" rIns="91440" bIns="45720" rtlCol="0" anchor="ctr">
+            <a:noAutofit/>
+          </a:bodyPr>
+          <a:lstStyle/>
+          <a:p>
+            <a:pPr lvl="0"/>
+            <a:r>
+              <a:rPr lang="en-US" sz="8000" baseline="0" dirty="0">
+                <a:ln w="3175" cmpd="sng">
+                  <a:noFill/>
+                </a:ln>
+                <a:solidFill>
+                  <a:schemeClr val="accent1"/>
+                </a:solidFill>
+                <a:effectLst/>
+                <a:latin typeface="Arial"/>
+              </a:rPr>
+              <a:t>”</a:t>
+            </a:r>
+          </a:p>
+        </p:txBody>
+      </p:sp>
+    </p:spTree>
+    <p:extLst>
+      <p:ext uri="{BB962C8B-B14F-4D97-AF65-F5344CB8AC3E}">
+        <p14:creationId xmlns:p14="http://schemas.microsoft.com/office/powerpoint/2010/main" val="3270165385"/>
+      </p:ext>
+    </p:extLst>
+  </p:cSld>
+  <p:clrMapOvr>
+    <a:masterClrMapping/>
+  </p:clrMapOvr>
+</p:sldLayout>
+</file>
+
+<file path=ppt/slideLayouts/slideLayout14.xml><?xml version="1.0" encoding="utf-8"?>
+<p:sldLayout xmlns:a="http://schemas.openxmlformats.org/drawingml/2006/main" xmlns:r="http://schemas.openxmlformats.org/officeDocument/2006/relationships" xmlns:p="http://schemas.openxmlformats.org/presentationml/2006/main" preserve="1">
+  <p:cSld name="True or False">
+    <p:spTree>
+      <p:nvGrpSpPr>
+        <p:cNvPr id="1" name=""/>
+        <p:cNvGrpSpPr/>
+        <p:nvPr/>
+      </p:nvGrpSpPr>
+      <p:grpSpPr>
+        <a:xfrm>
+          <a:off x="0" y="0"/>
+          <a:ext cx="0" cy="0"/>
+          <a:chOff x="0" y="0"/>
+          <a:chExt cx="0" cy="0"/>
+        </a:xfrm>
+      </p:grpSpPr>
+      <p:sp>
+        <p:nvSpPr>
+          <p:cNvPr id="2" name="Title 1"/>
+          <p:cNvSpPr>
+            <a:spLocks noGrp="1"/>
+          </p:cNvSpPr>
+          <p:nvPr>
+            <p:ph type="title"/>
+          </p:nvPr>
+        </p:nvSpPr>
+        <p:spPr>
+          <a:xfrm>
+            <a:off x="1942416" y="627407"/>
+            <a:ext cx="6591984" cy="2880020"/>
+          </a:xfrm>
+        </p:spPr>
+        <p:txBody>
+          <a:bodyPr anchor="ctr">
+            <a:normAutofit/>
+          </a:bodyPr>
+          <a:lstStyle>
+            <a:lvl1pPr algn="l">
+              <a:defRPr sz="4800" b="0"/>
+            </a:lvl1pPr>
+          </a:lstStyle>
+          <a:p>
+            <a:r>
+              <a:rPr lang="en-US" smtClean="0"/>
+              <a:t>Click to edit Master title style</a:t>
+            </a:r>
+            <a:endParaRPr lang="en-US" dirty="0"/>
+          </a:p>
+        </p:txBody>
+      </p:sp>
+      <p:sp>
+        <p:nvSpPr>
+          <p:cNvPr id="21" name="Text Placeholder 9"/>
+          <p:cNvSpPr>
+            <a:spLocks noGrp="1"/>
+          </p:cNvSpPr>
+          <p:nvPr>
+            <p:ph type="body" sz="quarter" idx="13"/>
+          </p:nvPr>
+        </p:nvSpPr>
+        <p:spPr>
+          <a:xfrm>
+            <a:off x="1942415" y="4343400"/>
+            <a:ext cx="6591985" cy="838200"/>
+          </a:xfrm>
+        </p:spPr>
+        <p:txBody>
+          <a:bodyPr anchor="b">
+            <a:noAutofit/>
+          </a:bodyPr>
+          <a:lstStyle>
+            <a:lvl1pPr marL="0" indent="0">
+              <a:buFontTx/>
+              <a:buNone/>
+              <a:defRPr sz="2400">
+                <a:solidFill>
+                  <a:schemeClr val="accent1"/>
+                </a:solidFill>
+              </a:defRPr>
+            </a:lvl1pPr>
+            <a:lvl2pPr marL="457200" indent="0">
+              <a:buFontTx/>
+              <a:buNone/>
+              <a:defRPr/>
+            </a:lvl2pPr>
+            <a:lvl3pPr marL="914400" indent="0">
+              <a:buFontTx/>
+              <a:buNone/>
+              <a:defRPr/>
+            </a:lvl3pPr>
+            <a:lvl4pPr marL="1371600" indent="0">
+              <a:buFontTx/>
+              <a:buNone/>
+              <a:defRPr/>
+            </a:lvl4pPr>
+            <a:lvl5pPr marL="1828800" indent="0">
+              <a:buFontTx/>
+              <a:buNone/>
+              <a:defRPr/>
+            </a:lvl5pPr>
+          </a:lstStyle>
+          <a:p>
+            <a:pPr lvl="0"/>
+            <a:r>
+              <a:rPr lang="en-US" smtClean="0"/>
+              <a:t>Click to edit Master text styles</a:t>
+            </a:r>
+          </a:p>
+        </p:txBody>
+      </p:sp>
+      <p:sp>
+        <p:nvSpPr>
+          <p:cNvPr id="4" name="Text Placeholder 3"/>
+          <p:cNvSpPr>
+            <a:spLocks noGrp="1"/>
+          </p:cNvSpPr>
+          <p:nvPr>
+            <p:ph type="body" sz="half" idx="2"/>
+          </p:nvPr>
+        </p:nvSpPr>
+        <p:spPr>
+          <a:xfrm>
+            <a:off x="1942415" y="5181600"/>
+            <a:ext cx="6591985" cy="729622"/>
+          </a:xfrm>
+        </p:spPr>
+        <p:txBody>
+          <a:bodyPr vert="horz" lIns="91440" tIns="45720" rIns="91440" bIns="45720" rtlCol="0" anchor="t">
+            <a:normAutofit/>
+          </a:bodyPr>
+          <a:lstStyle>
+            <a:lvl1pPr>
+              <a:buNone/>
+              <a:defRPr lang="en-US">
+                <a:solidFill>
+                  <a:schemeClr val="tx1">
+                    <a:lumMod val="65000"/>
+                    <a:lumOff val="35000"/>
+                  </a:schemeClr>
+                </a:solidFill>
+              </a:defRPr>
+            </a:lvl1pPr>
+          </a:lstStyle>
+          <a:p>
+            <a:pPr marL="0" lvl="0" indent="0">
+              <a:buNone/>
+            </a:pPr>
+            <a:r>
+              <a:rPr lang="en-US" smtClean="0"/>
+              <a:t>Click to edit Master text styles</a:t>
+            </a:r>
+          </a:p>
+        </p:txBody>
+      </p:sp>
+      <p:sp>
+        <p:nvSpPr>
+          <p:cNvPr id="5" name="Date Placeholder 4"/>
+          <p:cNvSpPr>
+            <a:spLocks noGrp="1"/>
+          </p:cNvSpPr>
+          <p:nvPr>
+            <p:ph type="dt" sz="half" idx="10"/>
+          </p:nvPr>
+        </p:nvSpPr>
+        <p:spPr/>
+        <p:txBody>
+          <a:bodyPr/>
+          <a:lstStyle/>
+          <a:p>
+            <a:fld id="{EE980AB1-0036-47C0-813D-2A1653AC1BD2}" type="datetimeFigureOut">
+              <a:rPr lang="en-US" smtClean="0"/>
+              <a:t>12/3/2013</a:t>
+            </a:fld>
+            <a:endParaRPr lang="en-US"/>
+          </a:p>
+        </p:txBody>
+      </p:sp>
+      <p:sp>
+        <p:nvSpPr>
+          <p:cNvPr id="6" name="Footer Placeholder 5"/>
+          <p:cNvSpPr>
+            <a:spLocks noGrp="1"/>
+          </p:cNvSpPr>
+          <p:nvPr>
+            <p:ph type="ftr" sz="quarter" idx="11"/>
+          </p:nvPr>
+        </p:nvSpPr>
+        <p:spPr/>
+        <p:txBody>
+          <a:bodyPr/>
+          <a:lstStyle/>
+          <a:p>
+            <a:endParaRPr lang="en-US"/>
+          </a:p>
+        </p:txBody>
+      </p:sp>
+      <p:sp>
+        <p:nvSpPr>
+          <p:cNvPr id="10" name="Freeform 11"/>
+          <p:cNvSpPr/>
+          <p:nvPr/>
+        </p:nvSpPr>
+        <p:spPr bwMode="auto">
+          <a:xfrm flipV="1">
+            <a:off x="58" y="4910660"/>
+            <a:ext cx="1358356" cy="508005"/>
+          </a:xfrm>
+          <a:custGeom>
+            <a:avLst/>
+            <a:gdLst/>
+            <a:ahLst/>
+            <a:cxnLst/>
+            <a:rect l="l" t="t" r="r" b="b"/>
+            <a:pathLst>
+              <a:path w="7908" h="10000">
+                <a:moveTo>
+                  <a:pt x="7908" y="4694"/>
+                </a:moveTo>
+                <a:lnTo>
+                  <a:pt x="6575" y="188"/>
+                </a:lnTo>
+                <a:cubicBezTo>
+                  <a:pt x="6566" y="157"/>
+                  <a:pt x="6555" y="125"/>
+                  <a:pt x="6546" y="94"/>
+                </a:cubicBezTo>
+                <a:cubicBezTo>
+                  <a:pt x="6519" y="0"/>
+                  <a:pt x="6491" y="0"/>
+                  <a:pt x="6463" y="0"/>
+                </a:cubicBezTo>
+                <a:lnTo>
+                  <a:pt x="5935" y="0"/>
+                </a:lnTo>
+                <a:lnTo>
+                  <a:pt x="0" y="62"/>
+                </a:lnTo>
+                <a:lnTo>
+                  <a:pt x="0" y="10000"/>
+                </a:lnTo>
+                <a:lnTo>
+                  <a:pt x="5935" y="9952"/>
+                </a:lnTo>
+                <a:lnTo>
+                  <a:pt x="6463" y="9952"/>
+                </a:lnTo>
+                <a:cubicBezTo>
+                  <a:pt x="6491" y="9952"/>
+                  <a:pt x="6519" y="9859"/>
+                  <a:pt x="6546" y="9859"/>
+                </a:cubicBezTo>
+                <a:cubicBezTo>
+                  <a:pt x="6546" y="9764"/>
+                  <a:pt x="6575" y="9764"/>
+                  <a:pt x="6575" y="9764"/>
+                </a:cubicBezTo>
+                <a:lnTo>
+                  <a:pt x="7908" y="5258"/>
+                </a:lnTo>
+                <a:cubicBezTo>
+                  <a:pt x="7963" y="5070"/>
+                  <a:pt x="7963" y="4883"/>
+                  <a:pt x="7908" y="4694"/>
+                </a:cubicBezTo>
+                <a:close/>
+              </a:path>
+            </a:pathLst>
+          </a:custGeom>
+          <a:solidFill>
+            <a:schemeClr val="accent1"/>
+          </a:solidFill>
+          <a:ln>
+            <a:noFill/>
+          </a:ln>
+        </p:spPr>
+      </p:sp>
+      <p:sp>
+        <p:nvSpPr>
+          <p:cNvPr id="7" name="Slide Number Placeholder 6"/>
+          <p:cNvSpPr>
+            <a:spLocks noGrp="1"/>
+          </p:cNvSpPr>
+          <p:nvPr>
+            <p:ph type="sldNum" sz="quarter" idx="12"/>
+          </p:nvPr>
+        </p:nvSpPr>
+        <p:spPr>
+          <a:xfrm>
+            <a:off x="511228" y="4983088"/>
+            <a:ext cx="584978" cy="365125"/>
+          </a:xfrm>
+        </p:spPr>
+        <p:txBody>
+          <a:bodyPr/>
+          <a:lstStyle/>
+          <a:p>
+            <a:fld id="{23E2877D-8230-4A74-A027-94C01DE5477B}" type="slidenum">
+              <a:rPr lang="en-US" smtClean="0"/>
+              <a:t>‹#›</a:t>
+            </a:fld>
+            <a:endParaRPr lang="en-US"/>
+          </a:p>
+        </p:txBody>
+      </p:sp>
+    </p:spTree>
+    <p:extLst>
+      <p:ext uri="{BB962C8B-B14F-4D97-AF65-F5344CB8AC3E}">
+        <p14:creationId xmlns:p14="http://schemas.microsoft.com/office/powerpoint/2010/main" val="4020584992"/>
+      </p:ext>
+    </p:extLst>
+  </p:cSld>
+  <p:clrMapOvr>
+    <a:masterClrMapping/>
+  </p:clrMapOvr>
+</p:sldLayout>
+</file>
+
+<file path=ppt/slideLayouts/slideLayout15.xml><?xml version="1.0" encoding="utf-8"?>
 <p:sldLayout xmlns:a="http://schemas.openxmlformats.org/drawingml/2006/main" xmlns:r="http://schemas.openxmlformats.org/officeDocument/2006/relationships" xmlns:p="http://schemas.openxmlformats.org/presentationml/2006/main" type="vertTx" preserve="1">
   <p:cSld name="Title and Vertical Text">
     <p:spTree>
@@ -401,7 +2270,7 @@
               <a:rPr lang="en-US" smtClean="0"/>
               <a:t>Click to edit Master title style</a:t>
             </a:r>
-            <a:endParaRPr lang="en-US"/>
+            <a:endParaRPr lang="en-US" dirty="0"/>
           </a:p>
         </p:txBody>
       </p:sp>
@@ -417,7 +2286,7 @@
         </p:nvSpPr>
         <p:spPr/>
         <p:txBody>
-          <a:bodyPr vert="eaVert"/>
+          <a:bodyPr vert="eaVert" anchor="t"/>
           <a:lstStyle/>
           <a:p>
             <a:pPr lvl="0"/>
@@ -453,7 +2322,7 @@
               <a:rPr lang="en-US" smtClean="0"/>
               <a:t>Fifth level</a:t>
             </a:r>
-            <a:endParaRPr lang="en-US"/>
+            <a:endParaRPr lang="en-US" dirty="0"/>
           </a:p>
         </p:txBody>
       </p:sp>
@@ -474,7 +2343,7 @@
           <a:p>
             <a:fld id="{EE980AB1-0036-47C0-813D-2A1653AC1BD2}" type="datetimeFigureOut">
               <a:rPr lang="en-US" smtClean="0"/>
-              <a:t>11/24/2013</a:t>
+              <a:t>12/3/2013</a:t>
             </a:fld>
             <a:endParaRPr lang="en-US"/>
           </a:p>
@@ -498,6 +2367,86 @@
             <a:endParaRPr lang="en-US"/>
           </a:p>
         </p:txBody>
+      </p:sp>
+      <p:sp>
+        <p:nvSpPr>
+          <p:cNvPr id="10" name="Freeform 11"/>
+          <p:cNvSpPr/>
+          <p:nvPr/>
+        </p:nvSpPr>
+        <p:spPr bwMode="auto">
+          <a:xfrm flipV="1">
+            <a:off x="58" y="711194"/>
+            <a:ext cx="1358356" cy="508005"/>
+          </a:xfrm>
+          <a:custGeom>
+            <a:avLst/>
+            <a:gdLst/>
+            <a:ahLst/>
+            <a:cxnLst/>
+            <a:rect l="l" t="t" r="r" b="b"/>
+            <a:pathLst>
+              <a:path w="7908" h="10000">
+                <a:moveTo>
+                  <a:pt x="7908" y="4694"/>
+                </a:moveTo>
+                <a:lnTo>
+                  <a:pt x="6575" y="188"/>
+                </a:lnTo>
+                <a:cubicBezTo>
+                  <a:pt x="6566" y="157"/>
+                  <a:pt x="6555" y="125"/>
+                  <a:pt x="6546" y="94"/>
+                </a:cubicBezTo>
+                <a:cubicBezTo>
+                  <a:pt x="6519" y="0"/>
+                  <a:pt x="6491" y="0"/>
+                  <a:pt x="6463" y="0"/>
+                </a:cubicBezTo>
+                <a:lnTo>
+                  <a:pt x="5935" y="0"/>
+                </a:lnTo>
+                <a:lnTo>
+                  <a:pt x="0" y="62"/>
+                </a:lnTo>
+                <a:lnTo>
+                  <a:pt x="0" y="10000"/>
+                </a:lnTo>
+                <a:lnTo>
+                  <a:pt x="5935" y="9952"/>
+                </a:lnTo>
+                <a:lnTo>
+                  <a:pt x="6463" y="9952"/>
+                </a:lnTo>
+                <a:cubicBezTo>
+                  <a:pt x="6491" y="9952"/>
+                  <a:pt x="6519" y="9859"/>
+                  <a:pt x="6546" y="9859"/>
+                </a:cubicBezTo>
+                <a:cubicBezTo>
+                  <a:pt x="6546" y="9764"/>
+                  <a:pt x="6575" y="9764"/>
+                  <a:pt x="6575" y="9764"/>
+                </a:cubicBezTo>
+                <a:lnTo>
+                  <a:pt x="7908" y="5258"/>
+                </a:lnTo>
+                <a:cubicBezTo>
+                  <a:pt x="7963" y="5070"/>
+                  <a:pt x="7963" y="4883"/>
+                  <a:pt x="7908" y="4694"/>
+                </a:cubicBezTo>
+                <a:close/>
+              </a:path>
+            </a:pathLst>
+          </a:custGeom>
+          <a:solidFill>
+            <a:schemeClr val="accent1"/>
+          </a:solidFill>
+          <a:ln>
+            <a:noFill/>
+          </a:ln>
+        </p:spPr>
       </p:sp>
       <p:sp>
         <p:nvSpPr>
@@ -525,7 +2474,7 @@
     </p:spTree>
     <p:extLst>
       <p:ext uri="{BB962C8B-B14F-4D97-AF65-F5344CB8AC3E}">
-        <p14:creationId xmlns:p14="http://schemas.microsoft.com/office/powerpoint/2010/main" val="2585587169"/>
+        <p14:creationId xmlns:p14="http://schemas.microsoft.com/office/powerpoint/2010/main" val="3438562078"/>
       </p:ext>
     </p:extLst>
   </p:cSld>
@@ -535,7 +2484,7 @@
 </p:sldLayout>
 </file>
 
-<file path=ppt/slideLayouts/slideLayout11.xml><?xml version="1.0" encoding="utf-8"?>
+<file path=ppt/slideLayouts/slideLayout16.xml><?xml version="1.0" encoding="utf-8"?>
 <p:sldLayout xmlns:a="http://schemas.openxmlformats.org/drawingml/2006/main" xmlns:r="http://schemas.openxmlformats.org/officeDocument/2006/relationships" xmlns:p="http://schemas.openxmlformats.org/presentationml/2006/main" type="vertTitleAndTx" preserve="1">
   <p:cSld name="Vertical Title and Text">
     <p:spTree>
@@ -564,42 +2513,42 @@
         </p:nvSpPr>
         <p:spPr>
           <a:xfrm>
-            <a:off x="6629400" y="274638"/>
-            <a:ext cx="2057400" cy="5851525"/>
+            <a:off x="6878535" y="627406"/>
+            <a:ext cx="1656132" cy="5283817"/>
           </a:xfrm>
         </p:spPr>
         <p:txBody>
+          <a:bodyPr vert="eaVert" anchor="ctr"/>
+          <a:lstStyle/>
+          <a:p>
+            <a:r>
+              <a:rPr lang="en-US" smtClean="0"/>
+              <a:t>Click to edit Master title style</a:t>
+            </a:r>
+            <a:endParaRPr lang="en-US" dirty="0"/>
+          </a:p>
+        </p:txBody>
+      </p:sp>
+      <p:sp>
+        <p:nvSpPr>
+          <p:cNvPr id="3" name="Vertical Text Placeholder 2"/>
+          <p:cNvSpPr>
+            <a:spLocks noGrp="1"/>
+          </p:cNvSpPr>
+          <p:nvPr>
+            <p:ph type="body" orient="vert" idx="1"/>
+          </p:nvPr>
+        </p:nvSpPr>
+        <p:spPr>
+          <a:xfrm>
+            <a:off x="1942416" y="627406"/>
+            <a:ext cx="4716348" cy="5283817"/>
+          </a:xfrm>
+        </p:spPr>
+        <p:txBody>
           <a:bodyPr vert="eaVert"/>
           <a:lstStyle/>
           <a:p>
-            <a:r>
-              <a:rPr lang="en-US" smtClean="0"/>
-              <a:t>Click to edit Master title style</a:t>
-            </a:r>
-            <a:endParaRPr lang="en-US"/>
-          </a:p>
-        </p:txBody>
-      </p:sp>
-      <p:sp>
-        <p:nvSpPr>
-          <p:cNvPr id="3" name="Vertical Text Placeholder 2"/>
-          <p:cNvSpPr>
-            <a:spLocks noGrp="1"/>
-          </p:cNvSpPr>
-          <p:nvPr>
-            <p:ph type="body" orient="vert" idx="1"/>
-          </p:nvPr>
-        </p:nvSpPr>
-        <p:spPr>
-          <a:xfrm>
-            <a:off x="457200" y="274638"/>
-            <a:ext cx="6019800" cy="5851525"/>
-          </a:xfrm>
-        </p:spPr>
-        <p:txBody>
-          <a:bodyPr vert="eaVert"/>
-          <a:lstStyle/>
-          <a:p>
             <a:pPr lvl="0"/>
             <a:r>
               <a:rPr lang="en-US" smtClean="0"/>
@@ -633,7 +2582,7 @@
               <a:rPr lang="en-US" smtClean="0"/>
               <a:t>Fifth level</a:t>
             </a:r>
-            <a:endParaRPr lang="en-US"/>
+            <a:endParaRPr lang="en-US" dirty="0"/>
           </a:p>
         </p:txBody>
       </p:sp>
@@ -654,7 +2603,7 @@
           <a:p>
             <a:fld id="{EE980AB1-0036-47C0-813D-2A1653AC1BD2}" type="datetimeFigureOut">
               <a:rPr lang="en-US" smtClean="0"/>
-              <a:t>11/24/2013</a:t>
+              <a:t>12/3/2013</a:t>
             </a:fld>
             <a:endParaRPr lang="en-US"/>
           </a:p>
@@ -678,6 +2627,86 @@
             <a:endParaRPr lang="en-US"/>
           </a:p>
         </p:txBody>
+      </p:sp>
+      <p:sp>
+        <p:nvSpPr>
+          <p:cNvPr id="10" name="Freeform 11"/>
+          <p:cNvSpPr/>
+          <p:nvPr/>
+        </p:nvSpPr>
+        <p:spPr bwMode="auto">
+          <a:xfrm flipV="1">
+            <a:off x="58" y="711194"/>
+            <a:ext cx="1358356" cy="508005"/>
+          </a:xfrm>
+          <a:custGeom>
+            <a:avLst/>
+            <a:gdLst/>
+            <a:ahLst/>
+            <a:cxnLst/>
+            <a:rect l="l" t="t" r="r" b="b"/>
+            <a:pathLst>
+              <a:path w="7908" h="10000">
+                <a:moveTo>
+                  <a:pt x="7908" y="4694"/>
+                </a:moveTo>
+                <a:lnTo>
+                  <a:pt x="6575" y="188"/>
+                </a:lnTo>
+                <a:cubicBezTo>
+                  <a:pt x="6566" y="157"/>
+                  <a:pt x="6555" y="125"/>
+                  <a:pt x="6546" y="94"/>
+                </a:cubicBezTo>
+                <a:cubicBezTo>
+                  <a:pt x="6519" y="0"/>
+                  <a:pt x="6491" y="0"/>
+                  <a:pt x="6463" y="0"/>
+                </a:cubicBezTo>
+                <a:lnTo>
+                  <a:pt x="5935" y="0"/>
+                </a:lnTo>
+                <a:lnTo>
+                  <a:pt x="0" y="62"/>
+                </a:lnTo>
+                <a:lnTo>
+                  <a:pt x="0" y="10000"/>
+                </a:lnTo>
+                <a:lnTo>
+                  <a:pt x="5935" y="9952"/>
+                </a:lnTo>
+                <a:lnTo>
+                  <a:pt x="6463" y="9952"/>
+                </a:lnTo>
+                <a:cubicBezTo>
+                  <a:pt x="6491" y="9952"/>
+                  <a:pt x="6519" y="9859"/>
+                  <a:pt x="6546" y="9859"/>
+                </a:cubicBezTo>
+                <a:cubicBezTo>
+                  <a:pt x="6546" y="9764"/>
+                  <a:pt x="6575" y="9764"/>
+                  <a:pt x="6575" y="9764"/>
+                </a:cubicBezTo>
+                <a:lnTo>
+                  <a:pt x="7908" y="5258"/>
+                </a:lnTo>
+                <a:cubicBezTo>
+                  <a:pt x="7963" y="5070"/>
+                  <a:pt x="7963" y="4883"/>
+                  <a:pt x="7908" y="4694"/>
+                </a:cubicBezTo>
+                <a:close/>
+              </a:path>
+            </a:pathLst>
+          </a:custGeom>
+          <a:solidFill>
+            <a:schemeClr val="accent1"/>
+          </a:solidFill>
+          <a:ln>
+            <a:noFill/>
+          </a:ln>
+        </p:spPr>
       </p:sp>
       <p:sp>
         <p:nvSpPr>
@@ -705,7 +2734,7 @@
     </p:spTree>
     <p:extLst>
       <p:ext uri="{BB962C8B-B14F-4D97-AF65-F5344CB8AC3E}">
-        <p14:creationId xmlns:p14="http://schemas.microsoft.com/office/powerpoint/2010/main" val="2485696020"/>
+        <p14:creationId xmlns:p14="http://schemas.microsoft.com/office/powerpoint/2010/main" val="663174054"/>
       </p:ext>
     </p:extLst>
   </p:cSld>
@@ -742,7 +2771,12 @@
             <p:ph type="title"/>
           </p:nvPr>
         </p:nvSpPr>
-        <p:spPr/>
+        <p:spPr>
+          <a:xfrm>
+            <a:off x="1945201" y="624110"/>
+            <a:ext cx="6589199" cy="1280890"/>
+          </a:xfrm>
+        </p:spPr>
         <p:txBody>
           <a:bodyPr/>
           <a:lstStyle/>
@@ -751,7 +2785,7 @@
               <a:rPr lang="en-US" smtClean="0"/>
               <a:t>Click to edit Master title style</a:t>
             </a:r>
-            <a:endParaRPr lang="en-US"/>
+            <a:endParaRPr lang="en-US" dirty="0"/>
           </a:p>
         </p:txBody>
       </p:sp>
@@ -765,7 +2799,12 @@
             <p:ph idx="1"/>
           </p:nvPr>
         </p:nvSpPr>
-        <p:spPr/>
+        <p:spPr>
+          <a:xfrm>
+            <a:off x="1942415" y="2133600"/>
+            <a:ext cx="6591985" cy="3777622"/>
+          </a:xfrm>
+        </p:spPr>
         <p:txBody>
           <a:bodyPr/>
           <a:lstStyle/>
@@ -803,7 +2842,7 @@
               <a:rPr lang="en-US" smtClean="0"/>
               <a:t>Fifth level</a:t>
             </a:r>
-            <a:endParaRPr lang="en-US"/>
+            <a:endParaRPr lang="en-US" dirty="0"/>
           </a:p>
         </p:txBody>
       </p:sp>
@@ -824,7 +2863,7 @@
           <a:p>
             <a:fld id="{EE980AB1-0036-47C0-813D-2A1653AC1BD2}" type="datetimeFigureOut">
               <a:rPr lang="en-US" smtClean="0"/>
-              <a:t>11/24/2013</a:t>
+              <a:t>12/3/2013</a:t>
             </a:fld>
             <a:endParaRPr lang="en-US"/>
           </a:p>
@@ -848,6 +2887,86 @@
             <a:endParaRPr lang="en-US"/>
           </a:p>
         </p:txBody>
+      </p:sp>
+      <p:sp>
+        <p:nvSpPr>
+          <p:cNvPr id="10" name="Freeform 11"/>
+          <p:cNvSpPr/>
+          <p:nvPr/>
+        </p:nvSpPr>
+        <p:spPr bwMode="auto">
+          <a:xfrm flipV="1">
+            <a:off x="58" y="711194"/>
+            <a:ext cx="1358356" cy="508005"/>
+          </a:xfrm>
+          <a:custGeom>
+            <a:avLst/>
+            <a:gdLst/>
+            <a:ahLst/>
+            <a:cxnLst/>
+            <a:rect l="l" t="t" r="r" b="b"/>
+            <a:pathLst>
+              <a:path w="7908" h="10000">
+                <a:moveTo>
+                  <a:pt x="7908" y="4694"/>
+                </a:moveTo>
+                <a:lnTo>
+                  <a:pt x="6575" y="188"/>
+                </a:lnTo>
+                <a:cubicBezTo>
+                  <a:pt x="6566" y="157"/>
+                  <a:pt x="6555" y="125"/>
+                  <a:pt x="6546" y="94"/>
+                </a:cubicBezTo>
+                <a:cubicBezTo>
+                  <a:pt x="6519" y="0"/>
+                  <a:pt x="6491" y="0"/>
+                  <a:pt x="6463" y="0"/>
+                </a:cubicBezTo>
+                <a:lnTo>
+                  <a:pt x="5935" y="0"/>
+                </a:lnTo>
+                <a:lnTo>
+                  <a:pt x="0" y="62"/>
+                </a:lnTo>
+                <a:lnTo>
+                  <a:pt x="0" y="10000"/>
+                </a:lnTo>
+                <a:lnTo>
+                  <a:pt x="5935" y="9952"/>
+                </a:lnTo>
+                <a:lnTo>
+                  <a:pt x="6463" y="9952"/>
+                </a:lnTo>
+                <a:cubicBezTo>
+                  <a:pt x="6491" y="9952"/>
+                  <a:pt x="6519" y="9859"/>
+                  <a:pt x="6546" y="9859"/>
+                </a:cubicBezTo>
+                <a:cubicBezTo>
+                  <a:pt x="6546" y="9764"/>
+                  <a:pt x="6575" y="9764"/>
+                  <a:pt x="6575" y="9764"/>
+                </a:cubicBezTo>
+                <a:lnTo>
+                  <a:pt x="7908" y="5258"/>
+                </a:lnTo>
+                <a:cubicBezTo>
+                  <a:pt x="7963" y="5070"/>
+                  <a:pt x="7963" y="4883"/>
+                  <a:pt x="7908" y="4694"/>
+                </a:cubicBezTo>
+                <a:close/>
+              </a:path>
+            </a:pathLst>
+          </a:custGeom>
+          <a:solidFill>
+            <a:schemeClr val="accent1"/>
+          </a:solidFill>
+          <a:ln>
+            <a:noFill/>
+          </a:ln>
+        </p:spPr>
       </p:sp>
       <p:sp>
         <p:nvSpPr>
@@ -875,7 +2994,7 @@
     </p:spTree>
     <p:extLst>
       <p:ext uri="{BB962C8B-B14F-4D97-AF65-F5344CB8AC3E}">
-        <p14:creationId xmlns:p14="http://schemas.microsoft.com/office/powerpoint/2010/main" val="3377003613"/>
+        <p14:creationId xmlns:p14="http://schemas.microsoft.com/office/powerpoint/2010/main" val="3131194613"/>
       </p:ext>
     </p:extLst>
   </p:cSld>
@@ -914,51 +3033,52 @@
         </p:nvSpPr>
         <p:spPr>
           <a:xfrm>
-            <a:off x="722313" y="4406900"/>
-            <a:ext cx="7772400" cy="1362075"/>
+            <a:off x="1942415" y="2074562"/>
+            <a:ext cx="6591985" cy="1468800"/>
           </a:xfrm>
         </p:spPr>
         <p:txBody>
+          <a:bodyPr anchor="b"/>
+          <a:lstStyle>
+            <a:lvl1pPr algn="l">
+              <a:defRPr sz="4000" b="0" cap="none"/>
+            </a:lvl1pPr>
+          </a:lstStyle>
+          <a:p>
+            <a:r>
+              <a:rPr lang="en-US" smtClean="0"/>
+              <a:t>Click to edit Master title style</a:t>
+            </a:r>
+            <a:endParaRPr lang="en-US" dirty="0"/>
+          </a:p>
+        </p:txBody>
+      </p:sp>
+      <p:sp>
+        <p:nvSpPr>
+          <p:cNvPr id="3" name="Text Placeholder 2"/>
+          <p:cNvSpPr>
+            <a:spLocks noGrp="1"/>
+          </p:cNvSpPr>
+          <p:nvPr>
+            <p:ph type="body" idx="1"/>
+          </p:nvPr>
+        </p:nvSpPr>
+        <p:spPr>
+          <a:xfrm>
+            <a:off x="1942415" y="3581400"/>
+            <a:ext cx="6591985" cy="860400"/>
+          </a:xfrm>
+        </p:spPr>
+        <p:txBody>
           <a:bodyPr anchor="t"/>
           <a:lstStyle>
-            <a:lvl1pPr algn="l">
-              <a:defRPr sz="4000" b="1" cap="all"/>
-            </a:lvl1pPr>
-          </a:lstStyle>
-          <a:p>
-            <a:r>
-              <a:rPr lang="en-US" smtClean="0"/>
-              <a:t>Click to edit Master title style</a:t>
-            </a:r>
-            <a:endParaRPr lang="en-US"/>
-          </a:p>
-        </p:txBody>
-      </p:sp>
-      <p:sp>
-        <p:nvSpPr>
-          <p:cNvPr id="3" name="Text Placeholder 2"/>
-          <p:cNvSpPr>
-            <a:spLocks noGrp="1"/>
-          </p:cNvSpPr>
-          <p:nvPr>
-            <p:ph type="body" idx="1"/>
-          </p:nvPr>
-        </p:nvSpPr>
-        <p:spPr>
-          <a:xfrm>
-            <a:off x="722313" y="2906713"/>
-            <a:ext cx="7772400" cy="1500187"/>
-          </a:xfrm>
-        </p:spPr>
-        <p:txBody>
-          <a:bodyPr anchor="b"/>
-          <a:lstStyle>
-            <a:lvl1pPr marL="0" indent="0">
+            <a:lvl1pPr marL="0" indent="0" algn="l">
               <a:buNone/>
               <a:defRPr sz="2000">
                 <a:solidFill>
                   <a:schemeClr val="tx1">
-                    <a:tint val="75000"/>
+                    <a:lumMod val="65000"/>
+                    <a:lumOff val="35000"/>
                   </a:schemeClr>
                 </a:solidFill>
               </a:defRPr>
@@ -1070,7 +3190,7 @@
           <a:p>
             <a:fld id="{EE980AB1-0036-47C0-813D-2A1653AC1BD2}" type="datetimeFigureOut">
               <a:rPr lang="en-US" smtClean="0"/>
-              <a:t>11/24/2013</a:t>
+              <a:t>12/3/2013</a:t>
             </a:fld>
             <a:endParaRPr lang="en-US"/>
           </a:p>
@@ -1097,6 +3217,86 @@
       </p:sp>
       <p:sp>
         <p:nvSpPr>
+          <p:cNvPr id="11" name="Freeform 11"/>
+          <p:cNvSpPr/>
+          <p:nvPr/>
+        </p:nvSpPr>
+        <p:spPr bwMode="auto">
+          <a:xfrm flipV="1">
+            <a:off x="58" y="3166527"/>
+            <a:ext cx="1358356" cy="508005"/>
+          </a:xfrm>
+          <a:custGeom>
+            <a:avLst/>
+            <a:gdLst/>
+            <a:ahLst/>
+            <a:cxnLst/>
+            <a:rect l="l" t="t" r="r" b="b"/>
+            <a:pathLst>
+              <a:path w="7908" h="10000">
+                <a:moveTo>
+                  <a:pt x="7908" y="4694"/>
+                </a:moveTo>
+                <a:lnTo>
+                  <a:pt x="6575" y="188"/>
+                </a:lnTo>
+                <a:cubicBezTo>
+                  <a:pt x="6566" y="157"/>
+                  <a:pt x="6555" y="125"/>
+                  <a:pt x="6546" y="94"/>
+                </a:cubicBezTo>
+                <a:cubicBezTo>
+                  <a:pt x="6519" y="0"/>
+                  <a:pt x="6491" y="0"/>
+                  <a:pt x="6463" y="0"/>
+                </a:cubicBezTo>
+                <a:lnTo>
+                  <a:pt x="5935" y="0"/>
+                </a:lnTo>
+                <a:lnTo>
+                  <a:pt x="0" y="62"/>
+                </a:lnTo>
+                <a:lnTo>
+                  <a:pt x="0" y="10000"/>
+                </a:lnTo>
+                <a:lnTo>
+                  <a:pt x="5935" y="9952"/>
+                </a:lnTo>
+                <a:lnTo>
+                  <a:pt x="6463" y="9952"/>
+                </a:lnTo>
+                <a:cubicBezTo>
+                  <a:pt x="6491" y="9952"/>
+                  <a:pt x="6519" y="9859"/>
+                  <a:pt x="6546" y="9859"/>
+                </a:cubicBezTo>
+                <a:cubicBezTo>
+                  <a:pt x="6546" y="9764"/>
+                  <a:pt x="6575" y="9764"/>
+                  <a:pt x="6575" y="9764"/>
+                </a:cubicBezTo>
+                <a:lnTo>
+                  <a:pt x="7908" y="5258"/>
+                </a:lnTo>
+                <a:cubicBezTo>
+                  <a:pt x="7963" y="5070"/>
+                  <a:pt x="7963" y="4883"/>
+                  <a:pt x="7908" y="4694"/>
+                </a:cubicBezTo>
+                <a:close/>
+              </a:path>
+            </a:pathLst>
+          </a:custGeom>
+          <a:solidFill>
+            <a:schemeClr val="accent1"/>
+          </a:solidFill>
+          <a:ln>
+            <a:noFill/>
+          </a:ln>
+        </p:spPr>
+      </p:sp>
+      <p:sp>
+        <p:nvSpPr>
           <p:cNvPr id="6" name="Slide Number Placeholder 5"/>
           <p:cNvSpPr>
             <a:spLocks noGrp="1"/>
@@ -1105,7 +3305,12 @@
             <p:ph type="sldNum" sz="quarter" idx="12"/>
           </p:nvPr>
         </p:nvSpPr>
-        <p:spPr/>
+        <p:spPr>
+          <a:xfrm>
+            <a:off x="511228" y="3244140"/>
+            <a:ext cx="584978" cy="365125"/>
+          </a:xfrm>
+        </p:spPr>
         <p:txBody>
           <a:bodyPr/>
           <a:lstStyle/>
@@ -1121,7 +3326,7 @@
     </p:spTree>
     <p:extLst>
       <p:ext uri="{BB962C8B-B14F-4D97-AF65-F5344CB8AC3E}">
-        <p14:creationId xmlns:p14="http://schemas.microsoft.com/office/powerpoint/2010/main" val="3655211626"/>
+        <p14:creationId xmlns:p14="http://schemas.microsoft.com/office/powerpoint/2010/main" val="4099758309"/>
       </p:ext>
     </p:extLst>
   </p:cSld>
@@ -1150,7 +3355,7 @@
       </p:grpSpPr>
       <p:sp>
         <p:nvSpPr>
-          <p:cNvPr id="2" name="Title 1"/>
+          <p:cNvPr id="8" name="Title 7"/>
           <p:cNvSpPr>
             <a:spLocks noGrp="1"/>
           </p:cNvSpPr>
@@ -1167,7 +3372,7 @@
               <a:rPr lang="en-US" smtClean="0"/>
               <a:t>Click to edit Master title style</a:t>
             </a:r>
-            <a:endParaRPr lang="en-US"/>
+            <a:endParaRPr lang="en-US" dirty="0"/>
           </a:p>
         </p:txBody>
       </p:sp>
@@ -1183,41 +3388,15 @@
         </p:nvSpPr>
         <p:spPr>
           <a:xfrm>
-            <a:off x="457200" y="1600200"/>
-            <a:ext cx="4038600" cy="4525963"/>
+            <a:off x="1942416" y="2136706"/>
+            <a:ext cx="3197531" cy="3767397"/>
           </a:xfrm>
         </p:spPr>
         <p:txBody>
-          <a:bodyPr/>
-          <a:lstStyle>
-            <a:lvl1pPr>
-              <a:defRPr sz="2800"/>
-            </a:lvl1pPr>
-            <a:lvl2pPr>
-              <a:defRPr sz="2400"/>
-            </a:lvl2pPr>
-            <a:lvl3pPr>
-              <a:defRPr sz="2000"/>
-            </a:lvl3pPr>
-            <a:lvl4pPr>
-              <a:defRPr sz="1800"/>
-            </a:lvl4pPr>
-            <a:lvl5pPr>
-              <a:defRPr sz="1800"/>
-            </a:lvl5pPr>
-            <a:lvl6pPr>
-              <a:defRPr sz="1800"/>
-            </a:lvl6pPr>
-            <a:lvl7pPr>
-              <a:defRPr sz="1800"/>
-            </a:lvl7pPr>
-            <a:lvl8pPr>
-              <a:defRPr sz="1800"/>
-            </a:lvl8pPr>
-            <a:lvl9pPr>
-              <a:defRPr sz="1800"/>
-            </a:lvl9pPr>
-          </a:lstStyle>
+          <a:bodyPr>
+            <a:normAutofit/>
+          </a:bodyPr>
+          <a:lstStyle/>
           <a:p>
             <a:pPr lvl="0"/>
             <a:r>
@@ -1252,7 +3431,7 @@
               <a:rPr lang="en-US" smtClean="0"/>
               <a:t>Fifth level</a:t>
             </a:r>
-            <a:endParaRPr lang="en-US"/>
+            <a:endParaRPr lang="en-US" dirty="0"/>
           </a:p>
         </p:txBody>
       </p:sp>
@@ -1268,41 +3447,15 @@
         </p:nvSpPr>
         <p:spPr>
           <a:xfrm>
-            <a:off x="4648200" y="1600200"/>
-            <a:ext cx="4038600" cy="4525963"/>
+            <a:off x="5337307" y="2136706"/>
+            <a:ext cx="3197093" cy="3767397"/>
           </a:xfrm>
         </p:spPr>
         <p:txBody>
-          <a:bodyPr/>
-          <a:lstStyle>
-            <a:lvl1pPr>
-              <a:defRPr sz="2800"/>
-            </a:lvl1pPr>
-            <a:lvl2pPr>
-              <a:defRPr sz="2400"/>
-            </a:lvl2pPr>
-            <a:lvl3pPr>
-              <a:defRPr sz="2000"/>
-            </a:lvl3pPr>
-            <a:lvl4pPr>
-              <a:defRPr sz="1800"/>
-            </a:lvl4pPr>
-            <a:lvl5pPr>
-              <a:defRPr sz="1800"/>
-            </a:lvl5pPr>
-            <a:lvl6pPr>
-              <a:defRPr sz="1800"/>
-            </a:lvl6pPr>
-            <a:lvl7pPr>
-              <a:defRPr sz="1800"/>
-            </a:lvl7pPr>
-            <a:lvl8pPr>
-              <a:defRPr sz="1800"/>
-            </a:lvl8pPr>
-            <a:lvl9pPr>
-              <a:defRPr sz="1800"/>
-            </a:lvl9pPr>
-          </a:lstStyle>
+          <a:bodyPr>
+            <a:normAutofit/>
+          </a:bodyPr>
+          <a:lstStyle/>
           <a:p>
             <a:pPr lvl="0"/>
             <a:r>
@@ -1337,7 +3490,7 @@
               <a:rPr lang="en-US" smtClean="0"/>
               <a:t>Fifth level</a:t>
             </a:r>
-            <a:endParaRPr lang="en-US"/>
+            <a:endParaRPr lang="en-US" dirty="0"/>
           </a:p>
         </p:txBody>
       </p:sp>
@@ -1358,7 +3511,7 @@
           <a:p>
             <a:fld id="{EE980AB1-0036-47C0-813D-2A1653AC1BD2}" type="datetimeFigureOut">
               <a:rPr lang="en-US" smtClean="0"/>
-              <a:t>11/24/2013</a:t>
+              <a:t>12/3/2013</a:t>
             </a:fld>
             <a:endParaRPr lang="en-US"/>
           </a:p>
@@ -1385,7 +3538,87 @@
       </p:sp>
       <p:sp>
         <p:nvSpPr>
-          <p:cNvPr id="7" name="Slide Number Placeholder 6"/>
+          <p:cNvPr id="9" name="Freeform 11"/>
+          <p:cNvSpPr/>
+          <p:nvPr/>
+        </p:nvSpPr>
+        <p:spPr bwMode="auto">
+          <a:xfrm flipV="1">
+            <a:off x="58" y="711194"/>
+            <a:ext cx="1358356" cy="508005"/>
+          </a:xfrm>
+          <a:custGeom>
+            <a:avLst/>
+            <a:gdLst/>
+            <a:ahLst/>
+            <a:cxnLst/>
+            <a:rect l="l" t="t" r="r" b="b"/>
+            <a:pathLst>
+              <a:path w="7908" h="10000">
+                <a:moveTo>
+                  <a:pt x="7908" y="4694"/>
+                </a:moveTo>
+                <a:lnTo>
+                  <a:pt x="6575" y="188"/>
+                </a:lnTo>
+                <a:cubicBezTo>
+                  <a:pt x="6566" y="157"/>
+                  <a:pt x="6555" y="125"/>
+                  <a:pt x="6546" y="94"/>
+                </a:cubicBezTo>
+                <a:cubicBezTo>
+                  <a:pt x="6519" y="0"/>
+                  <a:pt x="6491" y="0"/>
+                  <a:pt x="6463" y="0"/>
+                </a:cubicBezTo>
+                <a:lnTo>
+                  <a:pt x="5935" y="0"/>
+                </a:lnTo>
+                <a:lnTo>
+                  <a:pt x="0" y="62"/>
+                </a:lnTo>
+                <a:lnTo>
+                  <a:pt x="0" y="10000"/>
+                </a:lnTo>
+                <a:lnTo>
+                  <a:pt x="5935" y="9952"/>
+                </a:lnTo>
+                <a:lnTo>
+                  <a:pt x="6463" y="9952"/>
+                </a:lnTo>
+                <a:cubicBezTo>
+                  <a:pt x="6491" y="9952"/>
+                  <a:pt x="6519" y="9859"/>
+                  <a:pt x="6546" y="9859"/>
+                </a:cubicBezTo>
+                <a:cubicBezTo>
+                  <a:pt x="6546" y="9764"/>
+                  <a:pt x="6575" y="9764"/>
+                  <a:pt x="6575" y="9764"/>
+                </a:cubicBezTo>
+                <a:lnTo>
+                  <a:pt x="7908" y="5258"/>
+                </a:lnTo>
+                <a:cubicBezTo>
+                  <a:pt x="7963" y="5070"/>
+                  <a:pt x="7963" y="4883"/>
+                  <a:pt x="7908" y="4694"/>
+                </a:cubicBezTo>
+                <a:close/>
+              </a:path>
+            </a:pathLst>
+          </a:custGeom>
+          <a:solidFill>
+            <a:schemeClr val="accent1"/>
+          </a:solidFill>
+          <a:ln>
+            <a:noFill/>
+          </a:ln>
+        </p:spPr>
+      </p:sp>
+      <p:sp>
+        <p:nvSpPr>
+          <p:cNvPr id="10" name="Slide Number Placeholder 5"/>
           <p:cNvSpPr>
             <a:spLocks noGrp="1"/>
           </p:cNvSpPr>
@@ -1393,7 +3626,12 @@
             <p:ph type="sldNum" sz="quarter" idx="12"/>
           </p:nvPr>
         </p:nvSpPr>
-        <p:spPr/>
+        <p:spPr>
+          <a:xfrm>
+            <a:off x="511228" y="787783"/>
+            <a:ext cx="584978" cy="365125"/>
+          </a:xfrm>
+        </p:spPr>
         <p:txBody>
           <a:bodyPr/>
           <a:lstStyle/>
@@ -1409,7 +3647,7 @@
     </p:spTree>
     <p:extLst>
       <p:ext uri="{BB962C8B-B14F-4D97-AF65-F5344CB8AC3E}">
-        <p14:creationId xmlns:p14="http://schemas.microsoft.com/office/powerpoint/2010/main" val="3015106936"/>
+        <p14:creationId xmlns:p14="http://schemas.microsoft.com/office/powerpoint/2010/main" val="1503337435"/>
       </p:ext>
     </p:extLst>
   </p:cSld>
@@ -1438,7 +3676,7 @@
       </p:grpSpPr>
       <p:sp>
         <p:nvSpPr>
-          <p:cNvPr id="2" name="Title 1"/>
+          <p:cNvPr id="10" name="Title 9"/>
           <p:cNvSpPr>
             <a:spLocks noGrp="1"/>
           </p:cNvSpPr>
@@ -1449,17 +3687,13 @@
         <p:spPr/>
         <p:txBody>
           <a:bodyPr/>
-          <a:lstStyle>
-            <a:lvl1pPr>
-              <a:defRPr/>
-            </a:lvl1pPr>
-          </a:lstStyle>
+          <a:lstStyle/>
           <a:p>
             <a:r>
               <a:rPr lang="en-US" smtClean="0"/>
               <a:t>Click to edit Master title style</a:t>
             </a:r>
-            <a:endParaRPr lang="en-US"/>
+            <a:endParaRPr lang="en-US" dirty="0"/>
           </a:p>
         </p:txBody>
       </p:sp>
@@ -1475,16 +3709,18 @@
         </p:nvSpPr>
         <p:spPr>
           <a:xfrm>
-            <a:off x="457200" y="1535113"/>
-            <a:ext cx="4040188" cy="639762"/>
+            <a:off x="2265352" y="2226626"/>
+            <a:ext cx="2874596" cy="576262"/>
           </a:xfrm>
         </p:spPr>
         <p:txBody>
-          <a:bodyPr anchor="b"/>
+          <a:bodyPr anchor="b">
+            <a:noAutofit/>
+          </a:bodyPr>
           <a:lstStyle>
             <a:lvl1pPr marL="0" indent="0">
               <a:buNone/>
-              <a:defRPr sz="2400" b="1"/>
+              <a:defRPr sz="2400" b="0"/>
             </a:lvl1pPr>
             <a:lvl2pPr marL="457200" indent="0">
               <a:buNone/>
@@ -1540,41 +3776,15 @@
         </p:nvSpPr>
         <p:spPr>
           <a:xfrm>
-            <a:off x="457200" y="2174875"/>
-            <a:ext cx="4040188" cy="3951288"/>
+            <a:off x="1942415" y="2802888"/>
+            <a:ext cx="3197532" cy="3105703"/>
           </a:xfrm>
         </p:spPr>
         <p:txBody>
-          <a:bodyPr/>
-          <a:lstStyle>
-            <a:lvl1pPr>
-              <a:defRPr sz="2400"/>
-            </a:lvl1pPr>
-            <a:lvl2pPr>
-              <a:defRPr sz="2000"/>
-            </a:lvl2pPr>
-            <a:lvl3pPr>
-              <a:defRPr sz="1800"/>
-            </a:lvl3pPr>
-            <a:lvl4pPr>
-              <a:defRPr sz="1600"/>
-            </a:lvl4pPr>
-            <a:lvl5pPr>
-              <a:defRPr sz="1600"/>
-            </a:lvl5pPr>
-            <a:lvl6pPr>
-              <a:defRPr sz="1600"/>
-            </a:lvl6pPr>
-            <a:lvl7pPr>
-              <a:defRPr sz="1600"/>
-            </a:lvl7pPr>
-            <a:lvl8pPr>
-              <a:defRPr sz="1600"/>
-            </a:lvl8pPr>
-            <a:lvl9pPr>
-              <a:defRPr sz="1600"/>
-            </a:lvl9pPr>
-          </a:lstStyle>
+          <a:bodyPr>
+            <a:normAutofit/>
+          </a:bodyPr>
+          <a:lstStyle/>
           <a:p>
             <a:pPr lvl="0"/>
             <a:r>
@@ -1609,7 +3819,7 @@
               <a:rPr lang="en-US" smtClean="0"/>
               <a:t>Fifth level</a:t>
             </a:r>
-            <a:endParaRPr lang="en-US"/>
+            <a:endParaRPr lang="en-US" dirty="0"/>
           </a:p>
         </p:txBody>
       </p:sp>
@@ -1625,16 +3835,18 @@
         </p:nvSpPr>
         <p:spPr>
           <a:xfrm>
-            <a:off x="4645025" y="1535113"/>
-            <a:ext cx="4041775" cy="639762"/>
+            <a:off x="5656154" y="2223398"/>
+            <a:ext cx="2873239" cy="576262"/>
           </a:xfrm>
         </p:spPr>
         <p:txBody>
-          <a:bodyPr anchor="b"/>
+          <a:bodyPr anchor="b">
+            <a:noAutofit/>
+          </a:bodyPr>
           <a:lstStyle>
             <a:lvl1pPr marL="0" indent="0">
               <a:buNone/>
-              <a:defRPr sz="2400" b="1"/>
+              <a:defRPr sz="2400" b="0"/>
             </a:lvl1pPr>
             <a:lvl2pPr marL="457200" indent="0">
               <a:buNone/>
@@ -1690,41 +3902,15 @@
         </p:nvSpPr>
         <p:spPr>
           <a:xfrm>
-            <a:off x="4645025" y="2174875"/>
-            <a:ext cx="4041775" cy="3951288"/>
+            <a:off x="5333715" y="2799660"/>
+            <a:ext cx="3195680" cy="3105703"/>
           </a:xfrm>
         </p:spPr>
         <p:txBody>
-          <a:bodyPr/>
-          <a:lstStyle>
-            <a:lvl1pPr>
-              <a:defRPr sz="2400"/>
-            </a:lvl1pPr>
-            <a:lvl2pPr>
-              <a:defRPr sz="2000"/>
-            </a:lvl2pPr>
-            <a:lvl3pPr>
-              <a:defRPr sz="1800"/>
-            </a:lvl3pPr>
-            <a:lvl4pPr>
-              <a:defRPr sz="1600"/>
-            </a:lvl4pPr>
-            <a:lvl5pPr>
-              <a:defRPr sz="1600"/>
-            </a:lvl5pPr>
-            <a:lvl6pPr>
-              <a:defRPr sz="1600"/>
-            </a:lvl6pPr>
-            <a:lvl7pPr>
-              <a:defRPr sz="1600"/>
-            </a:lvl7pPr>
-            <a:lvl8pPr>
-              <a:defRPr sz="1600"/>
-            </a:lvl8pPr>
-            <a:lvl9pPr>
-              <a:defRPr sz="1600"/>
-            </a:lvl9pPr>
-          </a:lstStyle>
+          <a:bodyPr>
+            <a:normAutofit/>
+          </a:bodyPr>
+          <a:lstStyle/>
           <a:p>
             <a:pPr lvl="0"/>
             <a:r>
@@ -1759,7 +3945,7 @@
               <a:rPr lang="en-US" smtClean="0"/>
               <a:t>Fifth level</a:t>
             </a:r>
-            <a:endParaRPr lang="en-US"/>
+            <a:endParaRPr lang="en-US" dirty="0"/>
           </a:p>
         </p:txBody>
       </p:sp>
@@ -1780,7 +3966,7 @@
           <a:p>
             <a:fld id="{EE980AB1-0036-47C0-813D-2A1653AC1BD2}" type="datetimeFigureOut">
               <a:rPr lang="en-US" smtClean="0"/>
-              <a:t>11/24/2013</a:t>
+              <a:t>12/3/2013</a:t>
             </a:fld>
             <a:endParaRPr lang="en-US"/>
           </a:p>
@@ -1807,7 +3993,87 @@
       </p:sp>
       <p:sp>
         <p:nvSpPr>
-          <p:cNvPr id="9" name="Slide Number Placeholder 8"/>
+          <p:cNvPr id="11" name="Freeform 11"/>
+          <p:cNvSpPr/>
+          <p:nvPr/>
+        </p:nvSpPr>
+        <p:spPr bwMode="auto">
+          <a:xfrm flipV="1">
+            <a:off x="58" y="711194"/>
+            <a:ext cx="1358356" cy="508005"/>
+          </a:xfrm>
+          <a:custGeom>
+            <a:avLst/>
+            <a:gdLst/>
+            <a:ahLst/>
+            <a:cxnLst/>
+            <a:rect l="l" t="t" r="r" b="b"/>
+            <a:pathLst>
+              <a:path w="7908" h="10000">
+                <a:moveTo>
+                  <a:pt x="7908" y="4694"/>
+                </a:moveTo>
+                <a:lnTo>
+                  <a:pt x="6575" y="188"/>
+                </a:lnTo>
+                <a:cubicBezTo>
+                  <a:pt x="6566" y="157"/>
+                  <a:pt x="6555" y="125"/>
+                  <a:pt x="6546" y="94"/>
+                </a:cubicBezTo>
+                <a:cubicBezTo>
+                  <a:pt x="6519" y="0"/>
+                  <a:pt x="6491" y="0"/>
+                  <a:pt x="6463" y="0"/>
+                </a:cubicBezTo>
+                <a:lnTo>
+                  <a:pt x="5935" y="0"/>
+                </a:lnTo>
+                <a:lnTo>
+                  <a:pt x="0" y="62"/>
+                </a:lnTo>
+                <a:lnTo>
+                  <a:pt x="0" y="10000"/>
+                </a:lnTo>
+                <a:lnTo>
+                  <a:pt x="5935" y="9952"/>
+                </a:lnTo>
+                <a:lnTo>
+                  <a:pt x="6463" y="9952"/>
+                </a:lnTo>
+                <a:cubicBezTo>
+                  <a:pt x="6491" y="9952"/>
+                  <a:pt x="6519" y="9859"/>
+                  <a:pt x="6546" y="9859"/>
+                </a:cubicBezTo>
+                <a:cubicBezTo>
+                  <a:pt x="6546" y="9764"/>
+                  <a:pt x="6575" y="9764"/>
+                  <a:pt x="6575" y="9764"/>
+                </a:cubicBezTo>
+                <a:lnTo>
+                  <a:pt x="7908" y="5258"/>
+                </a:lnTo>
+                <a:cubicBezTo>
+                  <a:pt x="7963" y="5070"/>
+                  <a:pt x="7963" y="4883"/>
+                  <a:pt x="7908" y="4694"/>
+                </a:cubicBezTo>
+                <a:close/>
+              </a:path>
+            </a:pathLst>
+          </a:custGeom>
+          <a:solidFill>
+            <a:schemeClr val="accent1"/>
+          </a:solidFill>
+          <a:ln>
+            <a:noFill/>
+          </a:ln>
+        </p:spPr>
+      </p:sp>
+      <p:sp>
+        <p:nvSpPr>
+          <p:cNvPr id="12" name="Slide Number Placeholder 5"/>
           <p:cNvSpPr>
             <a:spLocks noGrp="1"/>
           </p:cNvSpPr>
@@ -1815,7 +4081,12 @@
             <p:ph type="sldNum" sz="quarter" idx="12"/>
           </p:nvPr>
         </p:nvSpPr>
-        <p:spPr/>
+        <p:spPr>
+          <a:xfrm>
+            <a:off x="511228" y="787783"/>
+            <a:ext cx="584978" cy="365125"/>
+          </a:xfrm>
+        </p:spPr>
         <p:txBody>
           <a:bodyPr/>
           <a:lstStyle/>
@@ -1831,7 +4102,7 @@
     </p:spTree>
     <p:extLst>
       <p:ext uri="{BB962C8B-B14F-4D97-AF65-F5344CB8AC3E}">
-        <p14:creationId xmlns:p14="http://schemas.microsoft.com/office/powerpoint/2010/main" val="2763742964"/>
+        <p14:creationId xmlns:p14="http://schemas.microsoft.com/office/powerpoint/2010/main" val="2916018981"/>
       </p:ext>
     </p:extLst>
   </p:cSld>
@@ -1868,7 +4139,12 @@
             <p:ph type="title"/>
           </p:nvPr>
         </p:nvSpPr>
-        <p:spPr/>
+        <p:spPr>
+          <a:xfrm>
+            <a:off x="1945200" y="624110"/>
+            <a:ext cx="6589200" cy="1280890"/>
+          </a:xfrm>
+        </p:spPr>
         <p:txBody>
           <a:bodyPr/>
           <a:lstStyle/>
@@ -1877,7 +4153,7 @@
               <a:rPr lang="en-US" smtClean="0"/>
               <a:t>Click to edit Master title style</a:t>
             </a:r>
-            <a:endParaRPr lang="en-US"/>
+            <a:endParaRPr lang="en-US" dirty="0"/>
           </a:p>
         </p:txBody>
       </p:sp>
@@ -1898,7 +4174,7 @@
           <a:p>
             <a:fld id="{EE980AB1-0036-47C0-813D-2A1653AC1BD2}" type="datetimeFigureOut">
               <a:rPr lang="en-US" smtClean="0"/>
-              <a:t>11/24/2013</a:t>
+              <a:t>12/3/2013</a:t>
             </a:fld>
             <a:endParaRPr lang="en-US"/>
           </a:p>
@@ -1922,6 +4198,86 @@
             <a:endParaRPr lang="en-US"/>
           </a:p>
         </p:txBody>
+      </p:sp>
+      <p:sp>
+        <p:nvSpPr>
+          <p:cNvPr id="8" name="Freeform 11"/>
+          <p:cNvSpPr/>
+          <p:nvPr/>
+        </p:nvSpPr>
+        <p:spPr bwMode="auto">
+          <a:xfrm flipV="1">
+            <a:off x="58" y="711194"/>
+            <a:ext cx="1358356" cy="508005"/>
+          </a:xfrm>
+          <a:custGeom>
+            <a:avLst/>
+            <a:gdLst/>
+            <a:ahLst/>
+            <a:cxnLst/>
+            <a:rect l="l" t="t" r="r" b="b"/>
+            <a:pathLst>
+              <a:path w="7908" h="10000">
+                <a:moveTo>
+                  <a:pt x="7908" y="4694"/>
+                </a:moveTo>
+                <a:lnTo>
+                  <a:pt x="6575" y="188"/>
+                </a:lnTo>
+                <a:cubicBezTo>
+                  <a:pt x="6566" y="157"/>
+                  <a:pt x="6555" y="125"/>
+                  <a:pt x="6546" y="94"/>
+                </a:cubicBezTo>
+                <a:cubicBezTo>
+                  <a:pt x="6519" y="0"/>
+                  <a:pt x="6491" y="0"/>
+                  <a:pt x="6463" y="0"/>
+                </a:cubicBezTo>
+                <a:lnTo>
+                  <a:pt x="5935" y="0"/>
+                </a:lnTo>
+                <a:lnTo>
+                  <a:pt x="0" y="62"/>
+                </a:lnTo>
+                <a:lnTo>
+                  <a:pt x="0" y="10000"/>
+                </a:lnTo>
+                <a:lnTo>
+                  <a:pt x="5935" y="9952"/>
+                </a:lnTo>
+                <a:lnTo>
+                  <a:pt x="6463" y="9952"/>
+                </a:lnTo>
+                <a:cubicBezTo>
+                  <a:pt x="6491" y="9952"/>
+                  <a:pt x="6519" y="9859"/>
+                  <a:pt x="6546" y="9859"/>
+                </a:cubicBezTo>
+                <a:cubicBezTo>
+                  <a:pt x="6546" y="9764"/>
+                  <a:pt x="6575" y="9764"/>
+                  <a:pt x="6575" y="9764"/>
+                </a:cubicBezTo>
+                <a:lnTo>
+                  <a:pt x="7908" y="5258"/>
+                </a:lnTo>
+                <a:cubicBezTo>
+                  <a:pt x="7963" y="5070"/>
+                  <a:pt x="7963" y="4883"/>
+                  <a:pt x="7908" y="4694"/>
+                </a:cubicBezTo>
+                <a:close/>
+              </a:path>
+            </a:pathLst>
+          </a:custGeom>
+          <a:solidFill>
+            <a:schemeClr val="accent1"/>
+          </a:solidFill>
+          <a:ln>
+            <a:noFill/>
+          </a:ln>
+        </p:spPr>
       </p:sp>
       <p:sp>
         <p:nvSpPr>
@@ -1949,7 +4305,7 @@
     </p:spTree>
     <p:extLst>
       <p:ext uri="{BB962C8B-B14F-4D97-AF65-F5344CB8AC3E}">
-        <p14:creationId xmlns:p14="http://schemas.microsoft.com/office/powerpoint/2010/main" val="1964402298"/>
+        <p14:creationId xmlns:p14="http://schemas.microsoft.com/office/powerpoint/2010/main" val="4289471088"/>
       </p:ext>
     </p:extLst>
   </p:cSld>
@@ -1993,7 +4349,7 @@
           <a:p>
             <a:fld id="{EE980AB1-0036-47C0-813D-2A1653AC1BD2}" type="datetimeFigureOut">
               <a:rPr lang="en-US" smtClean="0"/>
-              <a:t>11/24/2013</a:t>
+              <a:t>12/3/2013</a:t>
             </a:fld>
             <a:endParaRPr lang="en-US"/>
           </a:p>
@@ -2017,6 +4373,86 @@
             <a:endParaRPr lang="en-US"/>
           </a:p>
         </p:txBody>
+      </p:sp>
+      <p:sp>
+        <p:nvSpPr>
+          <p:cNvPr id="6" name="Freeform 11"/>
+          <p:cNvSpPr/>
+          <p:nvPr/>
+        </p:nvSpPr>
+        <p:spPr bwMode="auto">
+          <a:xfrm flipV="1">
+            <a:off x="58" y="711194"/>
+            <a:ext cx="1358356" cy="508005"/>
+          </a:xfrm>
+          <a:custGeom>
+            <a:avLst/>
+            <a:gdLst/>
+            <a:ahLst/>
+            <a:cxnLst/>
+            <a:rect l="l" t="t" r="r" b="b"/>
+            <a:pathLst>
+              <a:path w="7908" h="10000">
+                <a:moveTo>
+                  <a:pt x="7908" y="4694"/>
+                </a:moveTo>
+                <a:lnTo>
+                  <a:pt x="6575" y="188"/>
+                </a:lnTo>
+                <a:cubicBezTo>
+                  <a:pt x="6566" y="157"/>
+                  <a:pt x="6555" y="125"/>
+                  <a:pt x="6546" y="94"/>
+                </a:cubicBezTo>
+                <a:cubicBezTo>
+                  <a:pt x="6519" y="0"/>
+                  <a:pt x="6491" y="0"/>
+                  <a:pt x="6463" y="0"/>
+                </a:cubicBezTo>
+                <a:lnTo>
+                  <a:pt x="5935" y="0"/>
+                </a:lnTo>
+                <a:lnTo>
+                  <a:pt x="0" y="62"/>
+                </a:lnTo>
+                <a:lnTo>
+                  <a:pt x="0" y="10000"/>
+                </a:lnTo>
+                <a:lnTo>
+                  <a:pt x="5935" y="9952"/>
+                </a:lnTo>
+                <a:lnTo>
+                  <a:pt x="6463" y="9952"/>
+                </a:lnTo>
+                <a:cubicBezTo>
+                  <a:pt x="6491" y="9952"/>
+                  <a:pt x="6519" y="9859"/>
+                  <a:pt x="6546" y="9859"/>
+                </a:cubicBezTo>
+                <a:cubicBezTo>
+                  <a:pt x="6546" y="9764"/>
+                  <a:pt x="6575" y="9764"/>
+                  <a:pt x="6575" y="9764"/>
+                </a:cubicBezTo>
+                <a:lnTo>
+                  <a:pt x="7908" y="5258"/>
+                </a:lnTo>
+                <a:cubicBezTo>
+                  <a:pt x="7963" y="5070"/>
+                  <a:pt x="7963" y="4883"/>
+                  <a:pt x="7908" y="4694"/>
+                </a:cubicBezTo>
+                <a:close/>
+              </a:path>
+            </a:pathLst>
+          </a:custGeom>
+          <a:solidFill>
+            <a:schemeClr val="accent1"/>
+          </a:solidFill>
+          <a:ln>
+            <a:noFill/>
+          </a:ln>
+        </p:spPr>
       </p:sp>
       <p:sp>
         <p:nvSpPr>
@@ -2044,7 +4480,7 @@
     </p:spTree>
     <p:extLst>
       <p:ext uri="{BB962C8B-B14F-4D97-AF65-F5344CB8AC3E}">
-        <p14:creationId xmlns:p14="http://schemas.microsoft.com/office/powerpoint/2010/main" val="2501653880"/>
+        <p14:creationId xmlns:p14="http://schemas.microsoft.com/office/powerpoint/2010/main" val="3280169506"/>
       </p:ext>
     </p:extLst>
   </p:cSld>
@@ -2083,15 +4519,15 @@
         </p:nvSpPr>
         <p:spPr>
           <a:xfrm>
-            <a:off x="457200" y="273050"/>
-            <a:ext cx="3008313" cy="1162050"/>
+            <a:off x="1942415" y="446088"/>
+            <a:ext cx="2629584" cy="976312"/>
           </a:xfrm>
         </p:spPr>
         <p:txBody>
           <a:bodyPr anchor="b"/>
           <a:lstStyle>
             <a:lvl1pPr algn="l">
-              <a:defRPr sz="2000" b="1"/>
+              <a:defRPr sz="2000" b="0"/>
             </a:lvl1pPr>
           </a:lstStyle>
           <a:p>
@@ -2099,7 +4535,7 @@
               <a:rPr lang="en-US" smtClean="0"/>
               <a:t>Click to edit Master title style</a:t>
             </a:r>
-            <a:endParaRPr lang="en-US"/>
+            <a:endParaRPr lang="en-US" dirty="0"/>
           </a:p>
         </p:txBody>
       </p:sp>
@@ -2115,41 +4551,15 @@
         </p:nvSpPr>
         <p:spPr>
           <a:xfrm>
-            <a:off x="3575050" y="273050"/>
-            <a:ext cx="5111750" cy="5853113"/>
+            <a:off x="4743494" y="446089"/>
+            <a:ext cx="3790906" cy="5414963"/>
           </a:xfrm>
         </p:spPr>
         <p:txBody>
-          <a:bodyPr/>
-          <a:lstStyle>
-            <a:lvl1pPr>
-              <a:defRPr sz="3200"/>
-            </a:lvl1pPr>
-            <a:lvl2pPr>
-              <a:defRPr sz="2800"/>
-            </a:lvl2pPr>
-            <a:lvl3pPr>
-              <a:defRPr sz="2400"/>
-            </a:lvl3pPr>
-            <a:lvl4pPr>
-              <a:defRPr sz="2000"/>
-            </a:lvl4pPr>
-            <a:lvl5pPr>
-              <a:defRPr sz="2000"/>
-            </a:lvl5pPr>
-            <a:lvl6pPr>
-              <a:defRPr sz="2000"/>
-            </a:lvl6pPr>
-            <a:lvl7pPr>
-              <a:defRPr sz="2000"/>
-            </a:lvl7pPr>
-            <a:lvl8pPr>
-              <a:defRPr sz="2000"/>
-            </a:lvl8pPr>
-            <a:lvl9pPr>
-              <a:defRPr sz="2000"/>
-            </a:lvl9pPr>
-          </a:lstStyle>
+          <a:bodyPr anchor="ctr">
+            <a:normAutofit/>
+          </a:bodyPr>
+          <a:lstStyle/>
           <a:p>
             <a:pPr lvl="0"/>
             <a:r>
@@ -2184,7 +4594,7 @@
               <a:rPr lang="en-US" smtClean="0"/>
               <a:t>Fifth level</a:t>
             </a:r>
-            <a:endParaRPr lang="en-US"/>
+            <a:endParaRPr lang="en-US" dirty="0"/>
           </a:p>
         </p:txBody>
       </p:sp>
@@ -2200,8 +4610,8 @@
         </p:nvSpPr>
         <p:spPr>
           <a:xfrm>
-            <a:off x="457200" y="1435100"/>
-            <a:ext cx="3008313" cy="4691063"/>
+            <a:off x="1942415" y="1598613"/>
+            <a:ext cx="2629584" cy="4262436"/>
           </a:xfrm>
         </p:spPr>
         <p:txBody>
@@ -2270,7 +4680,7 @@
           <a:p>
             <a:fld id="{EE980AB1-0036-47C0-813D-2A1653AC1BD2}" type="datetimeFigureOut">
               <a:rPr lang="en-US" smtClean="0"/>
-              <a:t>11/24/2013</a:t>
+              <a:t>12/3/2013</a:t>
             </a:fld>
             <a:endParaRPr lang="en-US"/>
           </a:p>
@@ -2294,6 +4704,86 @@
             <a:endParaRPr lang="en-US"/>
           </a:p>
         </p:txBody>
+      </p:sp>
+      <p:sp>
+        <p:nvSpPr>
+          <p:cNvPr id="10" name="Freeform 11"/>
+          <p:cNvSpPr/>
+          <p:nvPr/>
+        </p:nvSpPr>
+        <p:spPr bwMode="auto">
+          <a:xfrm flipV="1">
+            <a:off x="58" y="711194"/>
+            <a:ext cx="1358356" cy="508005"/>
+          </a:xfrm>
+          <a:custGeom>
+            <a:avLst/>
+            <a:gdLst/>
+            <a:ahLst/>
+            <a:cxnLst/>
+            <a:rect l="l" t="t" r="r" b="b"/>
+            <a:pathLst>
+              <a:path w="7908" h="10000">
+                <a:moveTo>
+                  <a:pt x="7908" y="4694"/>
+                </a:moveTo>
+                <a:lnTo>
+                  <a:pt x="6575" y="188"/>
+                </a:lnTo>
+                <a:cubicBezTo>
+                  <a:pt x="6566" y="157"/>
+                  <a:pt x="6555" y="125"/>
+                  <a:pt x="6546" y="94"/>
+                </a:cubicBezTo>
+                <a:cubicBezTo>
+                  <a:pt x="6519" y="0"/>
+                  <a:pt x="6491" y="0"/>
+                  <a:pt x="6463" y="0"/>
+                </a:cubicBezTo>
+                <a:lnTo>
+                  <a:pt x="5935" y="0"/>
+                </a:lnTo>
+                <a:lnTo>
+                  <a:pt x="0" y="62"/>
+                </a:lnTo>
+                <a:lnTo>
+                  <a:pt x="0" y="10000"/>
+                </a:lnTo>
+                <a:lnTo>
+                  <a:pt x="5935" y="9952"/>
+                </a:lnTo>
+                <a:lnTo>
+                  <a:pt x="6463" y="9952"/>
+                </a:lnTo>
+                <a:cubicBezTo>
+                  <a:pt x="6491" y="9952"/>
+                  <a:pt x="6519" y="9859"/>
+                  <a:pt x="6546" y="9859"/>
+                </a:cubicBezTo>
+                <a:cubicBezTo>
+                  <a:pt x="6546" y="9764"/>
+                  <a:pt x="6575" y="9764"/>
+                  <a:pt x="6575" y="9764"/>
+                </a:cubicBezTo>
+                <a:lnTo>
+                  <a:pt x="7908" y="5258"/>
+                </a:lnTo>
+                <a:cubicBezTo>
+                  <a:pt x="7963" y="5070"/>
+                  <a:pt x="7963" y="4883"/>
+                  <a:pt x="7908" y="4694"/>
+                </a:cubicBezTo>
+                <a:close/>
+              </a:path>
+            </a:pathLst>
+          </a:custGeom>
+          <a:solidFill>
+            <a:schemeClr val="accent1"/>
+          </a:solidFill>
+          <a:ln>
+            <a:noFill/>
+          </a:ln>
+        </p:spPr>
       </p:sp>
       <p:sp>
         <p:nvSpPr>
@@ -2321,7 +4811,7 @@
     </p:spTree>
     <p:extLst>
       <p:ext uri="{BB962C8B-B14F-4D97-AF65-F5344CB8AC3E}">
-        <p14:creationId xmlns:p14="http://schemas.microsoft.com/office/powerpoint/2010/main" val="1297533470"/>
+        <p14:creationId xmlns:p14="http://schemas.microsoft.com/office/powerpoint/2010/main" val="526874878"/>
       </p:ext>
     </p:extLst>
   </p:cSld>
@@ -2360,15 +4850,17 @@
         </p:nvSpPr>
         <p:spPr>
           <a:xfrm>
-            <a:off x="1792288" y="4800600"/>
-            <a:ext cx="5486400" cy="566738"/>
+            <a:off x="1942415" y="4800600"/>
+            <a:ext cx="6591985" cy="566738"/>
           </a:xfrm>
         </p:spPr>
         <p:txBody>
-          <a:bodyPr anchor="b"/>
+          <a:bodyPr anchor="b">
+            <a:normAutofit/>
+          </a:bodyPr>
           <a:lstStyle>
             <a:lvl1pPr algn="l">
-              <a:defRPr sz="2000" b="1"/>
+              <a:defRPr sz="2400" b="0"/>
             </a:lvl1pPr>
           </a:lstStyle>
           <a:p>
@@ -2376,7 +4868,7 @@
               <a:rPr lang="en-US" smtClean="0"/>
               <a:t>Click to edit Master title style</a:t>
             </a:r>
-            <a:endParaRPr lang="en-US"/>
+            <a:endParaRPr lang="en-US" dirty="0"/>
           </a:p>
         </p:txBody>
       </p:sp>
@@ -2384,7 +4876,7 @@
         <p:nvSpPr>
           <p:cNvPr id="3" name="Picture Placeholder 2"/>
           <p:cNvSpPr>
-            <a:spLocks noGrp="1"/>
+            <a:spLocks noGrp="1" noChangeAspect="1"/>
           </p:cNvSpPr>
           <p:nvPr>
             <p:ph type="pic" idx="1"/>
@@ -2392,77 +4884,85 @@
         </p:nvSpPr>
         <p:spPr>
           <a:xfrm>
-            <a:off x="1792288" y="612775"/>
-            <a:ext cx="5486400" cy="4114800"/>
+            <a:off x="1942415" y="634965"/>
+            <a:ext cx="6591985" cy="3854970"/>
           </a:xfrm>
         </p:spPr>
         <p:txBody>
-          <a:bodyPr/>
+          <a:bodyPr anchor="t">
+            <a:normAutofit/>
+          </a:bodyPr>
+          <a:lstStyle>
+            <a:lvl1pPr marL="0" indent="0" algn="ctr">
+              <a:buNone/>
+              <a:defRPr sz="1600"/>
+            </a:lvl1pPr>
+            <a:lvl2pPr marL="457200" indent="0">
+              <a:buNone/>
+              <a:defRPr sz="1600"/>
+            </a:lvl2pPr>
+            <a:lvl3pPr marL="914400" indent="0">
+              <a:buNone/>
+              <a:defRPr sz="1600"/>
+            </a:lvl3pPr>
+            <a:lvl4pPr marL="1371600" indent="0">
+              <a:buNone/>
+              <a:defRPr sz="1600"/>
+            </a:lvl4pPr>
+            <a:lvl5pPr marL="1828800" indent="0">
+              <a:buNone/>
+              <a:defRPr sz="1600"/>
+            </a:lvl5pPr>
+            <a:lvl6pPr marL="2286000" indent="0">
+              <a:buNone/>
+              <a:defRPr sz="1600"/>
+            </a:lvl6pPr>
+            <a:lvl7pPr marL="2743200" indent="0">
+              <a:buNone/>
+              <a:defRPr sz="1600"/>
+            </a:lvl7pPr>
+            <a:lvl8pPr marL="3200400" indent="0">
+              <a:buNone/>
+              <a:defRPr sz="1600"/>
+            </a:lvl8pPr>
+            <a:lvl9pPr marL="3657600" indent="0">
+              <a:buNone/>
+              <a:defRPr sz="1600"/>
+            </a:lvl9pPr>
+          </a:lstStyle>
+          <a:p>
+            <a:r>
+              <a:rPr lang="en-US" smtClean="0"/>
+              <a:t>Click icon to add picture</a:t>
+            </a:r>
+            <a:endParaRPr lang="en-US" dirty="0"/>
+          </a:p>
+        </p:txBody>
+      </p:sp>
+      <p:sp>
+        <p:nvSpPr>
+          <p:cNvPr id="4" name="Text Placeholder 3"/>
+          <p:cNvSpPr>
+            <a:spLocks noGrp="1"/>
+          </p:cNvSpPr>
+          <p:nvPr>
+            <p:ph type="body" sz="half" idx="2"/>
+          </p:nvPr>
+        </p:nvSpPr>
+        <p:spPr>
+          <a:xfrm>
+            <a:off x="1942415" y="5367338"/>
+            <a:ext cx="6591985" cy="493712"/>
+          </a:xfrm>
+        </p:spPr>
+        <p:txBody>
+          <a:bodyPr>
+            <a:normAutofit/>
+          </a:bodyPr>
           <a:lstStyle>
             <a:lvl1pPr marL="0" indent="0">
               <a:buNone/>
-              <a:defRPr sz="3200"/>
-            </a:lvl1pPr>
-            <a:lvl2pPr marL="457200" indent="0">
-              <a:buNone/>
-              <a:defRPr sz="2800"/>
-            </a:lvl2pPr>
-            <a:lvl3pPr marL="914400" indent="0">
-              <a:buNone/>
-              <a:defRPr sz="2400"/>
-            </a:lvl3pPr>
-            <a:lvl4pPr marL="1371600" indent="0">
-              <a:buNone/>
-              <a:defRPr sz="2000"/>
-            </a:lvl4pPr>
-            <a:lvl5pPr marL="1828800" indent="0">
-              <a:buNone/>
-              <a:defRPr sz="2000"/>
-            </a:lvl5pPr>
-            <a:lvl6pPr marL="2286000" indent="0">
-              <a:buNone/>
-              <a:defRPr sz="2000"/>
-            </a:lvl6pPr>
-            <a:lvl7pPr marL="2743200" indent="0">
-              <a:buNone/>
-              <a:defRPr sz="2000"/>
-            </a:lvl7pPr>
-            <a:lvl8pPr marL="3200400" indent="0">
-              <a:buNone/>
-              <a:defRPr sz="2000"/>
-            </a:lvl8pPr>
-            <a:lvl9pPr marL="3657600" indent="0">
-              <a:buNone/>
-              <a:defRPr sz="2000"/>
-            </a:lvl9pPr>
-          </a:lstStyle>
-          <a:p>
-            <a:endParaRPr lang="en-US"/>
-          </a:p>
-        </p:txBody>
-      </p:sp>
-      <p:sp>
-        <p:nvSpPr>
-          <p:cNvPr id="4" name="Text Placeholder 3"/>
-          <p:cNvSpPr>
-            <a:spLocks noGrp="1"/>
-          </p:cNvSpPr>
-          <p:nvPr>
-            <p:ph type="body" sz="half" idx="2"/>
-          </p:nvPr>
-        </p:nvSpPr>
-        <p:spPr>
-          <a:xfrm>
-            <a:off x="1792288" y="5367338"/>
-            <a:ext cx="5486400" cy="804862"/>
-          </a:xfrm>
-        </p:spPr>
-        <p:txBody>
-          <a:bodyPr/>
-          <a:lstStyle>
-            <a:lvl1pPr marL="0" indent="0">
-              <a:buNone/>
-              <a:defRPr sz="1400"/>
+              <a:defRPr sz="1200"/>
             </a:lvl1pPr>
             <a:lvl2pPr marL="457200" indent="0">
               <a:buNone/>
@@ -2523,7 +5023,7 @@
           <a:p>
             <a:fld id="{EE980AB1-0036-47C0-813D-2A1653AC1BD2}" type="datetimeFigureOut">
               <a:rPr lang="en-US" smtClean="0"/>
-              <a:t>11/24/2013</a:t>
+              <a:t>12/3/2013</a:t>
             </a:fld>
             <a:endParaRPr lang="en-US"/>
           </a:p>
@@ -2550,6 +5050,86 @@
       </p:sp>
       <p:sp>
         <p:nvSpPr>
+          <p:cNvPr id="10" name="Freeform 11"/>
+          <p:cNvSpPr/>
+          <p:nvPr/>
+        </p:nvSpPr>
+        <p:spPr bwMode="auto">
+          <a:xfrm flipV="1">
+            <a:off x="58" y="4910660"/>
+            <a:ext cx="1358356" cy="508005"/>
+          </a:xfrm>
+          <a:custGeom>
+            <a:avLst/>
+            <a:gdLst/>
+            <a:ahLst/>
+            <a:cxnLst/>
+            <a:rect l="l" t="t" r="r" b="b"/>
+            <a:pathLst>
+              <a:path w="7908" h="10000">
+                <a:moveTo>
+                  <a:pt x="7908" y="4694"/>
+                </a:moveTo>
+                <a:lnTo>
+                  <a:pt x="6575" y="188"/>
+                </a:lnTo>
+                <a:cubicBezTo>
+                  <a:pt x="6566" y="157"/>
+                  <a:pt x="6555" y="125"/>
+                  <a:pt x="6546" y="94"/>
+                </a:cubicBezTo>
+                <a:cubicBezTo>
+                  <a:pt x="6519" y="0"/>
+                  <a:pt x="6491" y="0"/>
+                  <a:pt x="6463" y="0"/>
+                </a:cubicBezTo>
+                <a:lnTo>
+                  <a:pt x="5935" y="0"/>
+                </a:lnTo>
+                <a:lnTo>
+                  <a:pt x="0" y="62"/>
+                </a:lnTo>
+                <a:lnTo>
+                  <a:pt x="0" y="10000"/>
+                </a:lnTo>
+                <a:lnTo>
+                  <a:pt x="5935" y="9952"/>
+                </a:lnTo>
+                <a:lnTo>
+                  <a:pt x="6463" y="9952"/>
+                </a:lnTo>
+                <a:cubicBezTo>
+                  <a:pt x="6491" y="9952"/>
+                  <a:pt x="6519" y="9859"/>
+                  <a:pt x="6546" y="9859"/>
+                </a:cubicBezTo>
+                <a:cubicBezTo>
+                  <a:pt x="6546" y="9764"/>
+                  <a:pt x="6575" y="9764"/>
+                  <a:pt x="6575" y="9764"/>
+                </a:cubicBezTo>
+                <a:lnTo>
+                  <a:pt x="7908" y="5258"/>
+                </a:lnTo>
+                <a:cubicBezTo>
+                  <a:pt x="7963" y="5070"/>
+                  <a:pt x="7963" y="4883"/>
+                  <a:pt x="7908" y="4694"/>
+                </a:cubicBezTo>
+                <a:close/>
+              </a:path>
+            </a:pathLst>
+          </a:custGeom>
+          <a:solidFill>
+            <a:schemeClr val="accent1"/>
+          </a:solidFill>
+          <a:ln>
+            <a:noFill/>
+          </a:ln>
+        </p:spPr>
+      </p:sp>
+      <p:sp>
+        <p:nvSpPr>
           <p:cNvPr id="7" name="Slide Number Placeholder 6"/>
           <p:cNvSpPr>
             <a:spLocks noGrp="1"/>
@@ -2558,7 +5138,12 @@
             <p:ph type="sldNum" sz="quarter" idx="12"/>
           </p:nvPr>
         </p:nvSpPr>
-        <p:spPr/>
+        <p:spPr>
+          <a:xfrm>
+            <a:off x="511228" y="4983088"/>
+            <a:ext cx="584978" cy="365125"/>
+          </a:xfrm>
+        </p:spPr>
         <p:txBody>
           <a:bodyPr/>
           <a:lstStyle/>
@@ -2574,7 +5159,7 @@
     </p:spTree>
     <p:extLst>
       <p:ext uri="{BB962C8B-B14F-4D97-AF65-F5344CB8AC3E}">
-        <p14:creationId xmlns:p14="http://schemas.microsoft.com/office/powerpoint/2010/main" val="306172026"/>
+        <p14:creationId xmlns:p14="http://schemas.microsoft.com/office/powerpoint/2010/main" val="3135298896"/>
       </p:ext>
     </p:extLst>
   </p:cSld>
@@ -2588,9 +5173,14 @@
 <p:sldMaster xmlns:a="http://schemas.openxmlformats.org/drawingml/2006/main" xmlns:r="http://schemas.openxmlformats.org/officeDocument/2006/relationships" xmlns:p="http://schemas.openxmlformats.org/presentationml/2006/main">
   <p:cSld>
     <p:bg>
-      <p:bgRef idx="1001">
-        <a:schemeClr val="bg1"/>
-      </p:bgRef>
+      <p:bgPr>
+        <a:blipFill dpi="0" rotWithShape="1">
+          <a:blip r:embed="rId18"/>
+          <a:srcRect/>
+          <a:tile tx="0" ty="0" sx="100000" sy="100000" flip="none" algn="tl"/>
+        </a:blipFill>
+        <a:effectLst/>
+      </p:bgPr>
     </p:bg>
     <p:spTree>
       <p:nvGrpSpPr>
@@ -2606,27 +5196,1844 @@
           <a:chExt cx="0" cy="0"/>
         </a:xfrm>
       </p:grpSpPr>
-      <p:sp>
-        <p:nvSpPr>
-          <p:cNvPr id="2" name="Title Placeholder 1"/>
-          <p:cNvSpPr>
-            <a:spLocks noGrp="1"/>
-          </p:cNvSpPr>
-          <p:nvPr>
-            <p:ph type="title"/>
-          </p:nvPr>
+      <p:grpSp>
+        <p:nvGrpSpPr>
+          <p:cNvPr id="36" name="Group 35"/>
+          <p:cNvGrpSpPr/>
+          <p:nvPr/>
+        </p:nvGrpSpPr>
+        <p:grpSpPr>
+          <a:xfrm>
+            <a:off x="1" y="228600"/>
+            <a:ext cx="1981200" cy="6638628"/>
+            <a:chOff x="2487613" y="285750"/>
+            <a:chExt cx="2428875" cy="5654676"/>
+          </a:xfrm>
+        </p:grpSpPr>
+        <p:sp>
+          <p:nvSpPr>
+            <p:cNvPr id="37" name="Freeform 11"/>
+            <p:cNvSpPr/>
+            <p:nvPr/>
+          </p:nvSpPr>
+          <p:spPr bwMode="auto">
+            <a:xfrm>
+              <a:off x="2487613" y="2284413"/>
+              <a:ext cx="85725" cy="533400"/>
+            </a:xfrm>
+            <a:custGeom>
+              <a:avLst/>
+              <a:gdLst/>
+              <a:ahLst/>
+              <a:cxnLst/>
+              <a:rect l="0" t="0" r="r" b="b"/>
+              <a:pathLst>
+                <a:path w="22" h="136">
+                  <a:moveTo>
+                    <a:pt x="22" y="136"/>
+                  </a:moveTo>
+                  <a:cubicBezTo>
+                    <a:pt x="20" y="117"/>
+                    <a:pt x="19" y="99"/>
+                    <a:pt x="17" y="80"/>
+                  </a:cubicBezTo>
+                  <a:cubicBezTo>
+                    <a:pt x="11" y="54"/>
+                    <a:pt x="6" y="27"/>
+                    <a:pt x="0" y="0"/>
+                  </a:cubicBezTo>
+                  <a:cubicBezTo>
+                    <a:pt x="0" y="35"/>
+                    <a:pt x="0" y="35"/>
+                    <a:pt x="0" y="35"/>
+                  </a:cubicBezTo>
+                  <a:cubicBezTo>
+                    <a:pt x="6" y="64"/>
+                    <a:pt x="13" y="94"/>
+                    <a:pt x="20" y="124"/>
+                  </a:cubicBezTo>
+                  <a:cubicBezTo>
+                    <a:pt x="20" y="128"/>
+                    <a:pt x="21" y="132"/>
+                    <a:pt x="22" y="136"/>
+                  </a:cubicBezTo>
+                  <a:close/>
+                </a:path>
+              </a:pathLst>
+            </a:custGeom>
+            <a:solidFill>
+              <a:schemeClr val="tx2">
+                <a:alpha val="20000"/>
+              </a:schemeClr>
+            </a:solidFill>
+            <a:ln>
+              <a:noFill/>
+            </a:ln>
+          </p:spPr>
+        </p:sp>
+        <p:sp>
+          <p:nvSpPr>
+            <p:cNvPr id="38" name="Freeform 12"/>
+            <p:cNvSpPr/>
+            <p:nvPr/>
+          </p:nvSpPr>
+          <p:spPr bwMode="auto">
+            <a:xfrm>
+              <a:off x="2597151" y="2779713"/>
+              <a:ext cx="550863" cy="1978025"/>
+            </a:xfrm>
+            <a:custGeom>
+              <a:avLst/>
+              <a:gdLst/>
+              <a:ahLst/>
+              <a:cxnLst/>
+              <a:rect l="0" t="0" r="r" b="b"/>
+              <a:pathLst>
+                <a:path w="140" h="504">
+                  <a:moveTo>
+                    <a:pt x="86" y="350"/>
+                  </a:moveTo>
+                  <a:cubicBezTo>
+                    <a:pt x="103" y="402"/>
+                    <a:pt x="120" y="453"/>
+                    <a:pt x="139" y="504"/>
+                  </a:cubicBezTo>
+                  <a:cubicBezTo>
+                    <a:pt x="139" y="495"/>
+                    <a:pt x="139" y="487"/>
+                    <a:pt x="140" y="478"/>
+                  </a:cubicBezTo>
+                  <a:cubicBezTo>
+                    <a:pt x="124" y="435"/>
+                    <a:pt x="109" y="391"/>
+                    <a:pt x="95" y="347"/>
+                  </a:cubicBezTo>
+                  <a:cubicBezTo>
+                    <a:pt x="58" y="233"/>
+                    <a:pt x="27" y="117"/>
+                    <a:pt x="0" y="0"/>
+                  </a:cubicBezTo>
+                  <a:cubicBezTo>
+                    <a:pt x="2" y="20"/>
+                    <a:pt x="4" y="41"/>
+                    <a:pt x="6" y="61"/>
+                  </a:cubicBezTo>
+                  <a:cubicBezTo>
+                    <a:pt x="30" y="158"/>
+                    <a:pt x="56" y="255"/>
+                    <a:pt x="86" y="350"/>
+                  </a:cubicBezTo>
+                  <a:close/>
+                </a:path>
+              </a:pathLst>
+            </a:custGeom>
+            <a:solidFill>
+              <a:schemeClr val="tx2">
+                <a:alpha val="20000"/>
+              </a:schemeClr>
+            </a:solidFill>
+            <a:ln>
+              <a:noFill/>
+            </a:ln>
+          </p:spPr>
+        </p:sp>
+        <p:sp>
+          <p:nvSpPr>
+            <p:cNvPr id="39" name="Freeform 13"/>
+            <p:cNvSpPr/>
+            <p:nvPr/>
+          </p:nvSpPr>
+          <p:spPr bwMode="auto">
+            <a:xfrm>
+              <a:off x="3175001" y="4730750"/>
+              <a:ext cx="519113" cy="1209675"/>
+            </a:xfrm>
+            <a:custGeom>
+              <a:avLst/>
+              <a:gdLst/>
+              <a:ahLst/>
+              <a:cxnLst/>
+              <a:rect l="0" t="0" r="r" b="b"/>
+              <a:pathLst>
+                <a:path w="132" h="308">
+                  <a:moveTo>
+                    <a:pt x="8" y="22"/>
+                  </a:moveTo>
+                  <a:cubicBezTo>
+                    <a:pt x="5" y="15"/>
+                    <a:pt x="2" y="8"/>
+                    <a:pt x="0" y="0"/>
+                  </a:cubicBezTo>
+                  <a:cubicBezTo>
+                    <a:pt x="0" y="10"/>
+                    <a:pt x="0" y="19"/>
+                    <a:pt x="0" y="29"/>
+                  </a:cubicBezTo>
+                  <a:cubicBezTo>
+                    <a:pt x="21" y="85"/>
+                    <a:pt x="44" y="140"/>
+                    <a:pt x="68" y="194"/>
+                  </a:cubicBezTo>
+                  <a:cubicBezTo>
+                    <a:pt x="85" y="232"/>
+                    <a:pt x="104" y="270"/>
+                    <a:pt x="123" y="308"/>
+                  </a:cubicBezTo>
+                  <a:cubicBezTo>
+                    <a:pt x="132" y="308"/>
+                    <a:pt x="132" y="308"/>
+                    <a:pt x="132" y="308"/>
+                  </a:cubicBezTo>
+                  <a:cubicBezTo>
+                    <a:pt x="113" y="269"/>
+                    <a:pt x="94" y="230"/>
+                    <a:pt x="77" y="190"/>
+                  </a:cubicBezTo>
+                  <a:cubicBezTo>
+                    <a:pt x="52" y="135"/>
+                    <a:pt x="29" y="79"/>
+                    <a:pt x="8" y="22"/>
+                  </a:cubicBezTo>
+                  <a:close/>
+                </a:path>
+              </a:pathLst>
+            </a:custGeom>
+            <a:solidFill>
+              <a:schemeClr val="tx2">
+                <a:alpha val="20000"/>
+              </a:schemeClr>
+            </a:solidFill>
+            <a:ln>
+              <a:noFill/>
+            </a:ln>
+          </p:spPr>
+        </p:sp>
+        <p:sp>
+          <p:nvSpPr>
+            <p:cNvPr id="40" name="Freeform 14"/>
+            <p:cNvSpPr/>
+            <p:nvPr/>
+          </p:nvSpPr>
+          <p:spPr bwMode="auto">
+            <a:xfrm>
+              <a:off x="3305176" y="5630863"/>
+              <a:ext cx="146050" cy="309563"/>
+            </a:xfrm>
+            <a:custGeom>
+              <a:avLst/>
+              <a:gdLst/>
+              <a:ahLst/>
+              <a:cxnLst/>
+              <a:rect l="0" t="0" r="r" b="b"/>
+              <a:pathLst>
+                <a:path w="37" h="79">
+                  <a:moveTo>
+                    <a:pt x="28" y="79"/>
+                  </a:moveTo>
+                  <a:cubicBezTo>
+                    <a:pt x="37" y="79"/>
+                    <a:pt x="37" y="79"/>
+                    <a:pt x="37" y="79"/>
+                  </a:cubicBezTo>
+                  <a:cubicBezTo>
+                    <a:pt x="24" y="53"/>
+                    <a:pt x="12" y="27"/>
+                    <a:pt x="0" y="0"/>
+                  </a:cubicBezTo>
+                  <a:cubicBezTo>
+                    <a:pt x="8" y="27"/>
+                    <a:pt x="17" y="53"/>
+                    <a:pt x="28" y="79"/>
+                  </a:cubicBezTo>
+                  <a:close/>
+                </a:path>
+              </a:pathLst>
+            </a:custGeom>
+            <a:solidFill>
+              <a:schemeClr val="tx2">
+                <a:alpha val="20000"/>
+              </a:schemeClr>
+            </a:solidFill>
+            <a:ln>
+              <a:noFill/>
+            </a:ln>
+          </p:spPr>
+        </p:sp>
+        <p:sp>
+          <p:nvSpPr>
+            <p:cNvPr id="41" name="Freeform 15"/>
+            <p:cNvSpPr/>
+            <p:nvPr/>
+          </p:nvSpPr>
+          <p:spPr bwMode="auto">
+            <a:xfrm>
+              <a:off x="2573338" y="2817813"/>
+              <a:ext cx="700088" cy="2835275"/>
+            </a:xfrm>
+            <a:custGeom>
+              <a:avLst/>
+              <a:gdLst/>
+              <a:ahLst/>
+              <a:cxnLst/>
+              <a:rect l="0" t="0" r="r" b="b"/>
+              <a:pathLst>
+                <a:path w="178" h="722">
+                  <a:moveTo>
+                    <a:pt x="162" y="660"/>
+                  </a:moveTo>
+                  <a:cubicBezTo>
+                    <a:pt x="145" y="618"/>
+                    <a:pt x="130" y="576"/>
+                    <a:pt x="116" y="534"/>
+                  </a:cubicBezTo>
+                  <a:cubicBezTo>
+                    <a:pt x="84" y="437"/>
+                    <a:pt x="59" y="337"/>
+                    <a:pt x="40" y="236"/>
+                  </a:cubicBezTo>
+                  <a:cubicBezTo>
+                    <a:pt x="29" y="175"/>
+                    <a:pt x="20" y="113"/>
+                    <a:pt x="12" y="51"/>
+                  </a:cubicBezTo>
+                  <a:cubicBezTo>
+                    <a:pt x="8" y="34"/>
+                    <a:pt x="4" y="17"/>
+                    <a:pt x="0" y="0"/>
+                  </a:cubicBezTo>
+                  <a:cubicBezTo>
+                    <a:pt x="8" y="79"/>
+                    <a:pt x="19" y="159"/>
+                    <a:pt x="33" y="237"/>
+                  </a:cubicBezTo>
+                  <a:cubicBezTo>
+                    <a:pt x="51" y="339"/>
+                    <a:pt x="76" y="439"/>
+                    <a:pt x="107" y="537"/>
+                  </a:cubicBezTo>
+                  <a:cubicBezTo>
+                    <a:pt x="123" y="586"/>
+                    <a:pt x="141" y="634"/>
+                    <a:pt x="160" y="681"/>
+                  </a:cubicBezTo>
+                  <a:cubicBezTo>
+                    <a:pt x="166" y="695"/>
+                    <a:pt x="172" y="708"/>
+                    <a:pt x="178" y="722"/>
+                  </a:cubicBezTo>
+                  <a:cubicBezTo>
+                    <a:pt x="176" y="717"/>
+                    <a:pt x="175" y="713"/>
+                    <a:pt x="174" y="708"/>
+                  </a:cubicBezTo>
+                  <a:cubicBezTo>
+                    <a:pt x="169" y="692"/>
+                    <a:pt x="165" y="676"/>
+                    <a:pt x="162" y="660"/>
+                  </a:cubicBezTo>
+                  <a:close/>
+                </a:path>
+              </a:pathLst>
+            </a:custGeom>
+            <a:solidFill>
+              <a:schemeClr val="tx2">
+                <a:alpha val="20000"/>
+              </a:schemeClr>
+            </a:solidFill>
+            <a:ln>
+              <a:noFill/>
+            </a:ln>
+          </p:spPr>
+        </p:sp>
+        <p:sp>
+          <p:nvSpPr>
+            <p:cNvPr id="42" name="Freeform 16"/>
+            <p:cNvSpPr/>
+            <p:nvPr/>
+          </p:nvSpPr>
+          <p:spPr bwMode="auto">
+            <a:xfrm>
+              <a:off x="2506663" y="285750"/>
+              <a:ext cx="90488" cy="2493963"/>
+            </a:xfrm>
+            <a:custGeom>
+              <a:avLst/>
+              <a:gdLst/>
+              <a:ahLst/>
+              <a:cxnLst/>
+              <a:rect l="0" t="0" r="r" b="b"/>
+              <a:pathLst>
+                <a:path w="23" h="635">
+                  <a:moveTo>
+                    <a:pt x="11" y="577"/>
+                  </a:moveTo>
+                  <a:cubicBezTo>
+                    <a:pt x="12" y="581"/>
+                    <a:pt x="12" y="585"/>
+                    <a:pt x="12" y="589"/>
+                  </a:cubicBezTo>
+                  <a:cubicBezTo>
+                    <a:pt x="15" y="603"/>
+                    <a:pt x="19" y="617"/>
+                    <a:pt x="22" y="632"/>
+                  </a:cubicBezTo>
+                  <a:cubicBezTo>
+                    <a:pt x="22" y="633"/>
+                    <a:pt x="22" y="634"/>
+                    <a:pt x="23" y="635"/>
+                  </a:cubicBezTo>
+                  <a:cubicBezTo>
+                    <a:pt x="21" y="615"/>
+                    <a:pt x="19" y="596"/>
+                    <a:pt x="17" y="576"/>
+                  </a:cubicBezTo>
+                  <a:cubicBezTo>
+                    <a:pt x="9" y="474"/>
+                    <a:pt x="5" y="372"/>
+                    <a:pt x="5" y="269"/>
+                  </a:cubicBezTo>
+                  <a:cubicBezTo>
+                    <a:pt x="6" y="179"/>
+                    <a:pt x="9" y="90"/>
+                    <a:pt x="15" y="0"/>
+                  </a:cubicBezTo>
+                  <a:cubicBezTo>
+                    <a:pt x="12" y="0"/>
+                    <a:pt x="12" y="0"/>
+                    <a:pt x="12" y="0"/>
+                  </a:cubicBezTo>
+                  <a:cubicBezTo>
+                    <a:pt x="5" y="89"/>
+                    <a:pt x="2" y="179"/>
+                    <a:pt x="1" y="269"/>
+                  </a:cubicBezTo>
+                  <a:cubicBezTo>
+                    <a:pt x="0" y="372"/>
+                    <a:pt x="3" y="474"/>
+                    <a:pt x="11" y="577"/>
+                  </a:cubicBezTo>
+                  <a:close/>
+                </a:path>
+              </a:pathLst>
+            </a:custGeom>
+            <a:solidFill>
+              <a:schemeClr val="tx2">
+                <a:alpha val="20000"/>
+              </a:schemeClr>
+            </a:solidFill>
+            <a:ln>
+              <a:noFill/>
+            </a:ln>
+          </p:spPr>
+        </p:sp>
+        <p:sp>
+          <p:nvSpPr>
+            <p:cNvPr id="43" name="Freeform 17"/>
+            <p:cNvSpPr/>
+            <p:nvPr/>
+          </p:nvSpPr>
+          <p:spPr bwMode="auto">
+            <a:xfrm>
+              <a:off x="2554288" y="2598738"/>
+              <a:ext cx="66675" cy="420688"/>
+            </a:xfrm>
+            <a:custGeom>
+              <a:avLst/>
+              <a:gdLst/>
+              <a:ahLst/>
+              <a:cxnLst/>
+              <a:rect l="0" t="0" r="r" b="b"/>
+              <a:pathLst>
+                <a:path w="17" h="107">
+                  <a:moveTo>
+                    <a:pt x="0" y="0"/>
+                  </a:moveTo>
+                  <a:cubicBezTo>
+                    <a:pt x="2" y="19"/>
+                    <a:pt x="3" y="37"/>
+                    <a:pt x="5" y="56"/>
+                  </a:cubicBezTo>
+                  <a:cubicBezTo>
+                    <a:pt x="9" y="73"/>
+                    <a:pt x="13" y="90"/>
+                    <a:pt x="17" y="107"/>
+                  </a:cubicBezTo>
+                  <a:cubicBezTo>
+                    <a:pt x="15" y="87"/>
+                    <a:pt x="13" y="66"/>
+                    <a:pt x="11" y="46"/>
+                  </a:cubicBezTo>
+                  <a:cubicBezTo>
+                    <a:pt x="10" y="45"/>
+                    <a:pt x="10" y="44"/>
+                    <a:pt x="10" y="43"/>
+                  </a:cubicBezTo>
+                  <a:cubicBezTo>
+                    <a:pt x="7" y="28"/>
+                    <a:pt x="3" y="14"/>
+                    <a:pt x="0" y="0"/>
+                  </a:cubicBezTo>
+                  <a:close/>
+                </a:path>
+              </a:pathLst>
+            </a:custGeom>
+            <a:solidFill>
+              <a:schemeClr val="tx2">
+                <a:alpha val="20000"/>
+              </a:schemeClr>
+            </a:solidFill>
+            <a:ln>
+              <a:noFill/>
+            </a:ln>
+          </p:spPr>
+        </p:sp>
+        <p:sp>
+          <p:nvSpPr>
+            <p:cNvPr id="44" name="Freeform 18"/>
+            <p:cNvSpPr/>
+            <p:nvPr/>
+          </p:nvSpPr>
+          <p:spPr bwMode="auto">
+            <a:xfrm>
+              <a:off x="3143251" y="4757738"/>
+              <a:ext cx="161925" cy="873125"/>
+            </a:xfrm>
+            <a:custGeom>
+              <a:avLst/>
+              <a:gdLst/>
+              <a:ahLst/>
+              <a:cxnLst/>
+              <a:rect l="0" t="0" r="r" b="b"/>
+              <a:pathLst>
+                <a:path w="41" h="222">
+                  <a:moveTo>
+                    <a:pt x="0" y="0"/>
+                  </a:moveTo>
+                  <a:cubicBezTo>
+                    <a:pt x="0" y="31"/>
+                    <a:pt x="2" y="62"/>
+                    <a:pt x="5" y="93"/>
+                  </a:cubicBezTo>
+                  <a:cubicBezTo>
+                    <a:pt x="8" y="117"/>
+                    <a:pt x="12" y="142"/>
+                    <a:pt x="17" y="166"/>
+                  </a:cubicBezTo>
+                  <a:cubicBezTo>
+                    <a:pt x="19" y="172"/>
+                    <a:pt x="22" y="178"/>
+                    <a:pt x="24" y="184"/>
+                  </a:cubicBezTo>
+                  <a:cubicBezTo>
+                    <a:pt x="30" y="197"/>
+                    <a:pt x="35" y="209"/>
+                    <a:pt x="41" y="222"/>
+                  </a:cubicBezTo>
+                  <a:cubicBezTo>
+                    <a:pt x="40" y="219"/>
+                    <a:pt x="39" y="215"/>
+                    <a:pt x="38" y="212"/>
+                  </a:cubicBezTo>
+                  <a:cubicBezTo>
+                    <a:pt x="26" y="172"/>
+                    <a:pt x="18" y="132"/>
+                    <a:pt x="13" y="92"/>
+                  </a:cubicBezTo>
+                  <a:cubicBezTo>
+                    <a:pt x="11" y="68"/>
+                    <a:pt x="9" y="45"/>
+                    <a:pt x="8" y="22"/>
+                  </a:cubicBezTo>
+                  <a:cubicBezTo>
+                    <a:pt x="8" y="21"/>
+                    <a:pt x="7" y="20"/>
+                    <a:pt x="7" y="18"/>
+                  </a:cubicBezTo>
+                  <a:cubicBezTo>
+                    <a:pt x="5" y="12"/>
+                    <a:pt x="2" y="6"/>
+                    <a:pt x="0" y="0"/>
+                  </a:cubicBezTo>
+                  <a:close/>
+                </a:path>
+              </a:pathLst>
+            </a:custGeom>
+            <a:solidFill>
+              <a:schemeClr val="tx2">
+                <a:alpha val="20000"/>
+              </a:schemeClr>
+            </a:solidFill>
+            <a:ln>
+              <a:noFill/>
+            </a:ln>
+          </p:spPr>
+        </p:sp>
+        <p:sp>
+          <p:nvSpPr>
+            <p:cNvPr id="45" name="Freeform 19"/>
+            <p:cNvSpPr/>
+            <p:nvPr/>
+          </p:nvSpPr>
+          <p:spPr bwMode="auto">
+            <a:xfrm>
+              <a:off x="3148013" y="1282700"/>
+              <a:ext cx="1768475" cy="3448050"/>
+            </a:xfrm>
+            <a:custGeom>
+              <a:avLst/>
+              <a:gdLst/>
+              <a:ahLst/>
+              <a:cxnLst/>
+              <a:rect l="0" t="0" r="r" b="b"/>
+              <a:pathLst>
+                <a:path w="450" h="878">
+                  <a:moveTo>
+                    <a:pt x="7" y="854"/>
+                  </a:moveTo>
+                  <a:cubicBezTo>
+                    <a:pt x="10" y="772"/>
+                    <a:pt x="26" y="691"/>
+                    <a:pt x="50" y="613"/>
+                  </a:cubicBezTo>
+                  <a:cubicBezTo>
+                    <a:pt x="75" y="535"/>
+                    <a:pt x="109" y="460"/>
+                    <a:pt x="149" y="388"/>
+                  </a:cubicBezTo>
+                  <a:cubicBezTo>
+                    <a:pt x="189" y="316"/>
+                    <a:pt x="235" y="248"/>
+                    <a:pt x="285" y="183"/>
+                  </a:cubicBezTo>
+                  <a:cubicBezTo>
+                    <a:pt x="310" y="151"/>
+                    <a:pt x="337" y="119"/>
+                    <a:pt x="364" y="89"/>
+                  </a:cubicBezTo>
+                  <a:cubicBezTo>
+                    <a:pt x="378" y="74"/>
+                    <a:pt x="392" y="58"/>
+                    <a:pt x="406" y="44"/>
+                  </a:cubicBezTo>
+                  <a:cubicBezTo>
+                    <a:pt x="421" y="29"/>
+                    <a:pt x="435" y="15"/>
+                    <a:pt x="450" y="1"/>
+                  </a:cubicBezTo>
+                  <a:cubicBezTo>
+                    <a:pt x="450" y="0"/>
+                    <a:pt x="450" y="0"/>
+                    <a:pt x="450" y="0"/>
+                  </a:cubicBezTo>
+                  <a:cubicBezTo>
+                    <a:pt x="434" y="14"/>
+                    <a:pt x="420" y="28"/>
+                    <a:pt x="405" y="43"/>
+                  </a:cubicBezTo>
+                  <a:cubicBezTo>
+                    <a:pt x="391" y="57"/>
+                    <a:pt x="377" y="72"/>
+                    <a:pt x="363" y="88"/>
+                  </a:cubicBezTo>
+                  <a:cubicBezTo>
+                    <a:pt x="335" y="118"/>
+                    <a:pt x="308" y="149"/>
+                    <a:pt x="283" y="181"/>
+                  </a:cubicBezTo>
+                  <a:cubicBezTo>
+                    <a:pt x="232" y="246"/>
+                    <a:pt x="185" y="314"/>
+                    <a:pt x="145" y="386"/>
+                  </a:cubicBezTo>
+                  <a:cubicBezTo>
+                    <a:pt x="104" y="457"/>
+                    <a:pt x="70" y="533"/>
+                    <a:pt x="45" y="611"/>
+                  </a:cubicBezTo>
+                  <a:cubicBezTo>
+                    <a:pt x="19" y="690"/>
+                    <a:pt x="3" y="771"/>
+                    <a:pt x="0" y="854"/>
+                  </a:cubicBezTo>
+                  <a:cubicBezTo>
+                    <a:pt x="0" y="856"/>
+                    <a:pt x="0" y="857"/>
+                    <a:pt x="0" y="859"/>
+                  </a:cubicBezTo>
+                  <a:cubicBezTo>
+                    <a:pt x="2" y="865"/>
+                    <a:pt x="4" y="872"/>
+                    <a:pt x="7" y="878"/>
+                  </a:cubicBezTo>
+                  <a:cubicBezTo>
+                    <a:pt x="7" y="870"/>
+                    <a:pt x="7" y="862"/>
+                    <a:pt x="7" y="854"/>
+                  </a:cubicBezTo>
+                  <a:close/>
+                </a:path>
+              </a:pathLst>
+            </a:custGeom>
+            <a:solidFill>
+              <a:schemeClr val="tx2">
+                <a:alpha val="20000"/>
+              </a:schemeClr>
+            </a:solidFill>
+            <a:ln>
+              <a:noFill/>
+            </a:ln>
+          </p:spPr>
+        </p:sp>
+        <p:sp>
+          <p:nvSpPr>
+            <p:cNvPr id="46" name="Freeform 20"/>
+            <p:cNvSpPr/>
+            <p:nvPr/>
+          </p:nvSpPr>
+          <p:spPr bwMode="auto">
+            <a:xfrm>
+              <a:off x="3273426" y="5653088"/>
+              <a:ext cx="138113" cy="287338"/>
+            </a:xfrm>
+            <a:custGeom>
+              <a:avLst/>
+              <a:gdLst/>
+              <a:ahLst/>
+              <a:cxnLst/>
+              <a:rect l="0" t="0" r="r" b="b"/>
+              <a:pathLst>
+                <a:path w="35" h="73">
+                  <a:moveTo>
+                    <a:pt x="0" y="0"/>
+                  </a:moveTo>
+                  <a:cubicBezTo>
+                    <a:pt x="7" y="24"/>
+                    <a:pt x="16" y="49"/>
+                    <a:pt x="26" y="73"/>
+                  </a:cubicBezTo>
+                  <a:cubicBezTo>
+                    <a:pt x="35" y="73"/>
+                    <a:pt x="35" y="73"/>
+                    <a:pt x="35" y="73"/>
+                  </a:cubicBezTo>
+                  <a:cubicBezTo>
+                    <a:pt x="23" y="49"/>
+                    <a:pt x="11" y="24"/>
+                    <a:pt x="0" y="0"/>
+                  </a:cubicBezTo>
+                  <a:close/>
+                </a:path>
+              </a:pathLst>
+            </a:custGeom>
+            <a:solidFill>
+              <a:schemeClr val="tx2">
+                <a:alpha val="20000"/>
+              </a:schemeClr>
+            </a:solidFill>
+            <a:ln>
+              <a:noFill/>
+            </a:ln>
+          </p:spPr>
+        </p:sp>
+        <p:sp>
+          <p:nvSpPr>
+            <p:cNvPr id="47" name="Freeform 21"/>
+            <p:cNvSpPr/>
+            <p:nvPr/>
+          </p:nvSpPr>
+          <p:spPr bwMode="auto">
+            <a:xfrm>
+              <a:off x="3143251" y="4656138"/>
+              <a:ext cx="31750" cy="188913"/>
+            </a:xfrm>
+            <a:custGeom>
+              <a:avLst/>
+              <a:gdLst/>
+              <a:ahLst/>
+              <a:cxnLst/>
+              <a:rect l="0" t="0" r="r" b="b"/>
+              <a:pathLst>
+                <a:path w="8" h="48">
+                  <a:moveTo>
+                    <a:pt x="7" y="44"/>
+                  </a:moveTo>
+                  <a:cubicBezTo>
+                    <a:pt x="7" y="46"/>
+                    <a:pt x="8" y="47"/>
+                    <a:pt x="8" y="48"/>
+                  </a:cubicBezTo>
+                  <a:cubicBezTo>
+                    <a:pt x="8" y="38"/>
+                    <a:pt x="8" y="29"/>
+                    <a:pt x="8" y="19"/>
+                  </a:cubicBezTo>
+                  <a:cubicBezTo>
+                    <a:pt x="5" y="13"/>
+                    <a:pt x="3" y="6"/>
+                    <a:pt x="1" y="0"/>
+                  </a:cubicBezTo>
+                  <a:cubicBezTo>
+                    <a:pt x="0" y="9"/>
+                    <a:pt x="0" y="17"/>
+                    <a:pt x="0" y="26"/>
+                  </a:cubicBezTo>
+                  <a:cubicBezTo>
+                    <a:pt x="2" y="32"/>
+                    <a:pt x="5" y="38"/>
+                    <a:pt x="7" y="44"/>
+                  </a:cubicBezTo>
+                  <a:close/>
+                </a:path>
+              </a:pathLst>
+            </a:custGeom>
+            <a:solidFill>
+              <a:schemeClr val="tx2">
+                <a:alpha val="20000"/>
+              </a:schemeClr>
+            </a:solidFill>
+            <a:ln>
+              <a:noFill/>
+            </a:ln>
+          </p:spPr>
+        </p:sp>
+        <p:sp>
+          <p:nvSpPr>
+            <p:cNvPr id="48" name="Freeform 22"/>
+            <p:cNvSpPr/>
+            <p:nvPr/>
+          </p:nvSpPr>
+          <p:spPr bwMode="auto">
+            <a:xfrm>
+              <a:off x="3211513" y="5410200"/>
+              <a:ext cx="203200" cy="530225"/>
+            </a:xfrm>
+            <a:custGeom>
+              <a:avLst/>
+              <a:gdLst/>
+              <a:ahLst/>
+              <a:cxnLst/>
+              <a:rect l="0" t="0" r="r" b="b"/>
+              <a:pathLst>
+                <a:path w="52" h="135">
+                  <a:moveTo>
+                    <a:pt x="7" y="18"/>
+                  </a:moveTo>
+                  <a:cubicBezTo>
+                    <a:pt x="5" y="12"/>
+                    <a:pt x="2" y="6"/>
+                    <a:pt x="0" y="0"/>
+                  </a:cubicBezTo>
+                  <a:cubicBezTo>
+                    <a:pt x="3" y="16"/>
+                    <a:pt x="7" y="32"/>
+                    <a:pt x="12" y="48"/>
+                  </a:cubicBezTo>
+                  <a:cubicBezTo>
+                    <a:pt x="13" y="53"/>
+                    <a:pt x="14" y="57"/>
+                    <a:pt x="16" y="62"/>
+                  </a:cubicBezTo>
+                  <a:cubicBezTo>
+                    <a:pt x="27" y="86"/>
+                    <a:pt x="39" y="111"/>
+                    <a:pt x="51" y="135"/>
+                  </a:cubicBezTo>
+                  <a:cubicBezTo>
+                    <a:pt x="52" y="135"/>
+                    <a:pt x="52" y="135"/>
+                    <a:pt x="52" y="135"/>
+                  </a:cubicBezTo>
+                  <a:cubicBezTo>
+                    <a:pt x="41" y="109"/>
+                    <a:pt x="32" y="83"/>
+                    <a:pt x="24" y="56"/>
+                  </a:cubicBezTo>
+                  <a:cubicBezTo>
+                    <a:pt x="18" y="43"/>
+                    <a:pt x="13" y="31"/>
+                    <a:pt x="7" y="18"/>
+                  </a:cubicBezTo>
+                  <a:close/>
+                </a:path>
+              </a:pathLst>
+            </a:custGeom>
+            <a:solidFill>
+              <a:schemeClr val="tx2">
+                <a:alpha val="20000"/>
+              </a:schemeClr>
+            </a:solidFill>
+            <a:ln>
+              <a:noFill/>
+            </a:ln>
+          </p:spPr>
+        </p:sp>
+      </p:grpSp>
+      <p:grpSp>
+        <p:nvGrpSpPr>
+          <p:cNvPr id="49" name="Group 48"/>
+          <p:cNvGrpSpPr/>
+          <p:nvPr/>
+        </p:nvGrpSpPr>
+        <p:grpSpPr>
+          <a:xfrm>
+            <a:off x="20421" y="285"/>
+            <a:ext cx="1952272" cy="6852968"/>
+            <a:chOff x="6627813" y="195717"/>
+            <a:chExt cx="1952625" cy="5678034"/>
+          </a:xfrm>
+        </p:grpSpPr>
+        <p:sp>
+          <p:nvSpPr>
+            <p:cNvPr id="50" name="Freeform 27"/>
+            <p:cNvSpPr/>
+            <p:nvPr/>
+          </p:nvSpPr>
+          <p:spPr bwMode="auto">
+            <a:xfrm>
+              <a:off x="6627813" y="195717"/>
+              <a:ext cx="409575" cy="3646488"/>
+            </a:xfrm>
+            <a:custGeom>
+              <a:avLst/>
+              <a:gdLst/>
+              <a:ahLst/>
+              <a:cxnLst/>
+              <a:rect l="0" t="0" r="r" b="b"/>
+              <a:pathLst>
+                <a:path w="103" h="920">
+                  <a:moveTo>
+                    <a:pt x="7" y="210"/>
+                  </a:moveTo>
+                  <a:cubicBezTo>
+                    <a:pt x="11" y="288"/>
+                    <a:pt x="17" y="367"/>
+                    <a:pt x="26" y="445"/>
+                  </a:cubicBezTo>
+                  <a:cubicBezTo>
+                    <a:pt x="34" y="523"/>
+                    <a:pt x="44" y="601"/>
+                    <a:pt x="57" y="679"/>
+                  </a:cubicBezTo>
+                  <a:cubicBezTo>
+                    <a:pt x="69" y="757"/>
+                    <a:pt x="84" y="834"/>
+                    <a:pt x="101" y="911"/>
+                  </a:cubicBezTo>
+                  <a:cubicBezTo>
+                    <a:pt x="102" y="914"/>
+                    <a:pt x="103" y="917"/>
+                    <a:pt x="103" y="920"/>
+                  </a:cubicBezTo>
+                  <a:cubicBezTo>
+                    <a:pt x="102" y="905"/>
+                    <a:pt x="100" y="889"/>
+                    <a:pt x="99" y="874"/>
+                  </a:cubicBezTo>
+                  <a:cubicBezTo>
+                    <a:pt x="99" y="871"/>
+                    <a:pt x="99" y="868"/>
+                    <a:pt x="99" y="866"/>
+                  </a:cubicBezTo>
+                  <a:cubicBezTo>
+                    <a:pt x="85" y="803"/>
+                    <a:pt x="73" y="741"/>
+                    <a:pt x="63" y="678"/>
+                  </a:cubicBezTo>
+                  <a:cubicBezTo>
+                    <a:pt x="50" y="600"/>
+                    <a:pt x="39" y="523"/>
+                    <a:pt x="30" y="444"/>
+                  </a:cubicBezTo>
+                  <a:cubicBezTo>
+                    <a:pt x="21" y="366"/>
+                    <a:pt x="14" y="288"/>
+                    <a:pt x="9" y="209"/>
+                  </a:cubicBezTo>
+                  <a:cubicBezTo>
+                    <a:pt x="7" y="170"/>
+                    <a:pt x="5" y="131"/>
+                    <a:pt x="3" y="92"/>
+                  </a:cubicBezTo>
+                  <a:cubicBezTo>
+                    <a:pt x="2" y="61"/>
+                    <a:pt x="1" y="31"/>
+                    <a:pt x="1" y="0"/>
+                  </a:cubicBezTo>
+                  <a:cubicBezTo>
+                    <a:pt x="0" y="0"/>
+                    <a:pt x="0" y="0"/>
+                    <a:pt x="0" y="0"/>
+                  </a:cubicBezTo>
+                  <a:cubicBezTo>
+                    <a:pt x="0" y="31"/>
+                    <a:pt x="1" y="61"/>
+                    <a:pt x="1" y="92"/>
+                  </a:cubicBezTo>
+                  <a:cubicBezTo>
+                    <a:pt x="3" y="131"/>
+                    <a:pt x="4" y="170"/>
+                    <a:pt x="7" y="210"/>
+                  </a:cubicBezTo>
+                  <a:close/>
+                </a:path>
+              </a:pathLst>
+            </a:custGeom>
+            <a:solidFill>
+              <a:schemeClr val="tx2"/>
+            </a:solidFill>
+            <a:ln>
+              <a:noFill/>
+            </a:ln>
+          </p:spPr>
+        </p:sp>
+        <p:sp>
+          <p:nvSpPr>
+            <p:cNvPr id="51" name="Freeform 28"/>
+            <p:cNvSpPr/>
+            <p:nvPr/>
+          </p:nvSpPr>
+          <p:spPr bwMode="auto">
+            <a:xfrm>
+              <a:off x="7061201" y="3771900"/>
+              <a:ext cx="350838" cy="1309688"/>
+            </a:xfrm>
+            <a:custGeom>
+              <a:avLst/>
+              <a:gdLst/>
+              <a:ahLst/>
+              <a:cxnLst/>
+              <a:rect l="0" t="0" r="r" b="b"/>
+              <a:pathLst>
+                <a:path w="88" h="330">
+                  <a:moveTo>
+                    <a:pt x="53" y="229"/>
+                  </a:moveTo>
+                  <a:cubicBezTo>
+                    <a:pt x="64" y="263"/>
+                    <a:pt x="75" y="297"/>
+                    <a:pt x="88" y="330"/>
+                  </a:cubicBezTo>
+                  <a:cubicBezTo>
+                    <a:pt x="88" y="323"/>
+                    <a:pt x="88" y="315"/>
+                    <a:pt x="88" y="308"/>
+                  </a:cubicBezTo>
+                  <a:cubicBezTo>
+                    <a:pt x="88" y="307"/>
+                    <a:pt x="88" y="305"/>
+                    <a:pt x="88" y="304"/>
+                  </a:cubicBezTo>
+                  <a:cubicBezTo>
+                    <a:pt x="79" y="278"/>
+                    <a:pt x="70" y="252"/>
+                    <a:pt x="62" y="226"/>
+                  </a:cubicBezTo>
+                  <a:cubicBezTo>
+                    <a:pt x="38" y="152"/>
+                    <a:pt x="17" y="76"/>
+                    <a:pt x="0" y="0"/>
+                  </a:cubicBezTo>
+                  <a:cubicBezTo>
+                    <a:pt x="2" y="21"/>
+                    <a:pt x="4" y="42"/>
+                    <a:pt x="7" y="63"/>
+                  </a:cubicBezTo>
+                  <a:cubicBezTo>
+                    <a:pt x="21" y="119"/>
+                    <a:pt x="36" y="174"/>
+                    <a:pt x="53" y="229"/>
+                  </a:cubicBezTo>
+                  <a:close/>
+                </a:path>
+              </a:pathLst>
+            </a:custGeom>
+            <a:solidFill>
+              <a:schemeClr val="tx2"/>
+            </a:solidFill>
+            <a:ln>
+              <a:noFill/>
+            </a:ln>
+          </p:spPr>
+        </p:sp>
+        <p:sp>
+          <p:nvSpPr>
+            <p:cNvPr id="52" name="Freeform 29"/>
+            <p:cNvSpPr/>
+            <p:nvPr/>
+          </p:nvSpPr>
+          <p:spPr bwMode="auto">
+            <a:xfrm>
+              <a:off x="7439026" y="5053013"/>
+              <a:ext cx="357188" cy="820738"/>
+            </a:xfrm>
+            <a:custGeom>
+              <a:avLst/>
+              <a:gdLst/>
+              <a:ahLst/>
+              <a:cxnLst/>
+              <a:rect l="0" t="0" r="r" b="b"/>
+              <a:pathLst>
+                <a:path w="90" h="207">
+                  <a:moveTo>
+                    <a:pt x="6" y="15"/>
+                  </a:moveTo>
+                  <a:cubicBezTo>
+                    <a:pt x="4" y="10"/>
+                    <a:pt x="2" y="5"/>
+                    <a:pt x="0" y="0"/>
+                  </a:cubicBezTo>
+                  <a:cubicBezTo>
+                    <a:pt x="0" y="9"/>
+                    <a:pt x="0" y="19"/>
+                    <a:pt x="1" y="29"/>
+                  </a:cubicBezTo>
+                  <a:cubicBezTo>
+                    <a:pt x="14" y="62"/>
+                    <a:pt x="27" y="95"/>
+                    <a:pt x="42" y="127"/>
+                  </a:cubicBezTo>
+                  <a:cubicBezTo>
+                    <a:pt x="54" y="154"/>
+                    <a:pt x="67" y="181"/>
+                    <a:pt x="80" y="207"/>
+                  </a:cubicBezTo>
+                  <a:cubicBezTo>
+                    <a:pt x="90" y="207"/>
+                    <a:pt x="90" y="207"/>
+                    <a:pt x="90" y="207"/>
+                  </a:cubicBezTo>
+                  <a:cubicBezTo>
+                    <a:pt x="76" y="180"/>
+                    <a:pt x="63" y="152"/>
+                    <a:pt x="50" y="123"/>
+                  </a:cubicBezTo>
+                  <a:cubicBezTo>
+                    <a:pt x="34" y="88"/>
+                    <a:pt x="20" y="51"/>
+                    <a:pt x="6" y="15"/>
+                  </a:cubicBezTo>
+                  <a:close/>
+                </a:path>
+              </a:pathLst>
+            </a:custGeom>
+            <a:solidFill>
+              <a:schemeClr val="tx2"/>
+            </a:solidFill>
+            <a:ln>
+              <a:noFill/>
+            </a:ln>
+          </p:spPr>
+        </p:sp>
+        <p:sp>
+          <p:nvSpPr>
+            <p:cNvPr id="53" name="Freeform 30"/>
+            <p:cNvSpPr/>
+            <p:nvPr/>
+          </p:nvSpPr>
+          <p:spPr bwMode="auto">
+            <a:xfrm>
+              <a:off x="7037388" y="3811588"/>
+              <a:ext cx="457200" cy="1852613"/>
+            </a:xfrm>
+            <a:custGeom>
+              <a:avLst/>
+              <a:gdLst/>
+              <a:ahLst/>
+              <a:cxnLst/>
+              <a:rect l="0" t="0" r="r" b="b"/>
+              <a:pathLst>
+                <a:path w="115" h="467">
+                  <a:moveTo>
+                    <a:pt x="101" y="409"/>
+                  </a:moveTo>
+                  <a:cubicBezTo>
+                    <a:pt x="93" y="388"/>
+                    <a:pt x="85" y="366"/>
+                    <a:pt x="78" y="344"/>
+                  </a:cubicBezTo>
+                  <a:cubicBezTo>
+                    <a:pt x="57" y="281"/>
+                    <a:pt x="41" y="216"/>
+                    <a:pt x="29" y="151"/>
+                  </a:cubicBezTo>
+                  <a:cubicBezTo>
+                    <a:pt x="22" y="119"/>
+                    <a:pt x="17" y="86"/>
+                    <a:pt x="13" y="53"/>
+                  </a:cubicBezTo>
+                  <a:cubicBezTo>
+                    <a:pt x="9" y="35"/>
+                    <a:pt x="4" y="18"/>
+                    <a:pt x="0" y="0"/>
+                  </a:cubicBezTo>
+                  <a:cubicBezTo>
+                    <a:pt x="5" y="51"/>
+                    <a:pt x="12" y="102"/>
+                    <a:pt x="21" y="152"/>
+                  </a:cubicBezTo>
+                  <a:cubicBezTo>
+                    <a:pt x="33" y="218"/>
+                    <a:pt x="49" y="283"/>
+                    <a:pt x="69" y="347"/>
+                  </a:cubicBezTo>
+                  <a:cubicBezTo>
+                    <a:pt x="79" y="378"/>
+                    <a:pt x="90" y="410"/>
+                    <a:pt x="103" y="441"/>
+                  </a:cubicBezTo>
+                  <a:cubicBezTo>
+                    <a:pt x="107" y="449"/>
+                    <a:pt x="111" y="458"/>
+                    <a:pt x="115" y="467"/>
+                  </a:cubicBezTo>
+                  <a:cubicBezTo>
+                    <a:pt x="114" y="464"/>
+                    <a:pt x="113" y="461"/>
+                    <a:pt x="112" y="458"/>
+                  </a:cubicBezTo>
+                  <a:cubicBezTo>
+                    <a:pt x="108" y="442"/>
+                    <a:pt x="104" y="425"/>
+                    <a:pt x="101" y="409"/>
+                  </a:cubicBezTo>
+                  <a:close/>
+                </a:path>
+              </a:pathLst>
+            </a:custGeom>
+            <a:solidFill>
+              <a:schemeClr val="tx2"/>
+            </a:solidFill>
+            <a:ln>
+              <a:noFill/>
+            </a:ln>
+          </p:spPr>
+        </p:sp>
+        <p:sp>
+          <p:nvSpPr>
+            <p:cNvPr id="54" name="Freeform 31"/>
+            <p:cNvSpPr/>
+            <p:nvPr/>
+          </p:nvSpPr>
+          <p:spPr bwMode="auto">
+            <a:xfrm>
+              <a:off x="6992938" y="1263650"/>
+              <a:ext cx="144463" cy="2508250"/>
+            </a:xfrm>
+            <a:custGeom>
+              <a:avLst/>
+              <a:gdLst/>
+              <a:ahLst/>
+              <a:cxnLst/>
+              <a:rect l="0" t="0" r="r" b="b"/>
+              <a:pathLst>
+                <a:path w="36" h="633">
+                  <a:moveTo>
+                    <a:pt x="17" y="633"/>
+                  </a:moveTo>
+                  <a:cubicBezTo>
+                    <a:pt x="15" y="621"/>
+                    <a:pt x="14" y="609"/>
+                    <a:pt x="13" y="597"/>
+                  </a:cubicBezTo>
+                  <a:cubicBezTo>
+                    <a:pt x="8" y="530"/>
+                    <a:pt x="5" y="464"/>
+                    <a:pt x="5" y="398"/>
+                  </a:cubicBezTo>
+                  <a:cubicBezTo>
+                    <a:pt x="5" y="331"/>
+                    <a:pt x="8" y="265"/>
+                    <a:pt x="13" y="198"/>
+                  </a:cubicBezTo>
+                  <a:cubicBezTo>
+                    <a:pt x="15" y="165"/>
+                    <a:pt x="18" y="132"/>
+                    <a:pt x="22" y="99"/>
+                  </a:cubicBezTo>
+                  <a:cubicBezTo>
+                    <a:pt x="26" y="66"/>
+                    <a:pt x="30" y="33"/>
+                    <a:pt x="36" y="0"/>
+                  </a:cubicBezTo>
+                  <a:cubicBezTo>
+                    <a:pt x="35" y="0"/>
+                    <a:pt x="35" y="0"/>
+                    <a:pt x="35" y="0"/>
+                  </a:cubicBezTo>
+                  <a:cubicBezTo>
+                    <a:pt x="29" y="33"/>
+                    <a:pt x="24" y="66"/>
+                    <a:pt x="20" y="99"/>
+                  </a:cubicBezTo>
+                  <a:cubicBezTo>
+                    <a:pt x="16" y="132"/>
+                    <a:pt x="13" y="165"/>
+                    <a:pt x="10" y="198"/>
+                  </a:cubicBezTo>
+                  <a:cubicBezTo>
+                    <a:pt x="4" y="264"/>
+                    <a:pt x="1" y="331"/>
+                    <a:pt x="1" y="398"/>
+                  </a:cubicBezTo>
+                  <a:cubicBezTo>
+                    <a:pt x="0" y="461"/>
+                    <a:pt x="2" y="525"/>
+                    <a:pt x="7" y="589"/>
+                  </a:cubicBezTo>
+                  <a:cubicBezTo>
+                    <a:pt x="10" y="603"/>
+                    <a:pt x="13" y="618"/>
+                    <a:pt x="16" y="632"/>
+                  </a:cubicBezTo>
+                  <a:cubicBezTo>
+                    <a:pt x="16" y="632"/>
+                    <a:pt x="17" y="633"/>
+                    <a:pt x="17" y="633"/>
+                  </a:cubicBezTo>
+                  <a:close/>
+                </a:path>
+              </a:pathLst>
+            </a:custGeom>
+            <a:solidFill>
+              <a:schemeClr val="tx2"/>
+            </a:solidFill>
+            <a:ln>
+              <a:noFill/>
+            </a:ln>
+          </p:spPr>
+        </p:sp>
+        <p:sp>
+          <p:nvSpPr>
+            <p:cNvPr id="55" name="Freeform 32"/>
+            <p:cNvSpPr/>
+            <p:nvPr/>
+          </p:nvSpPr>
+          <p:spPr bwMode="auto">
+            <a:xfrm>
+              <a:off x="7526338" y="5640388"/>
+              <a:ext cx="111125" cy="233363"/>
+            </a:xfrm>
+            <a:custGeom>
+              <a:avLst/>
+              <a:gdLst/>
+              <a:ahLst/>
+              <a:cxnLst/>
+              <a:rect l="0" t="0" r="r" b="b"/>
+              <a:pathLst>
+                <a:path w="28" h="59">
+                  <a:moveTo>
+                    <a:pt x="22" y="59"/>
+                  </a:moveTo>
+                  <a:cubicBezTo>
+                    <a:pt x="28" y="59"/>
+                    <a:pt x="28" y="59"/>
+                    <a:pt x="28" y="59"/>
+                  </a:cubicBezTo>
+                  <a:cubicBezTo>
+                    <a:pt x="18" y="40"/>
+                    <a:pt x="9" y="20"/>
+                    <a:pt x="0" y="0"/>
+                  </a:cubicBezTo>
+                  <a:cubicBezTo>
+                    <a:pt x="6" y="20"/>
+                    <a:pt x="13" y="40"/>
+                    <a:pt x="22" y="59"/>
+                  </a:cubicBezTo>
+                  <a:close/>
+                </a:path>
+              </a:pathLst>
+            </a:custGeom>
+            <a:solidFill>
+              <a:schemeClr val="tx2"/>
+            </a:solidFill>
+            <a:ln>
+              <a:noFill/>
+            </a:ln>
+          </p:spPr>
+        </p:sp>
+        <p:sp>
+          <p:nvSpPr>
+            <p:cNvPr id="56" name="Freeform 33"/>
+            <p:cNvSpPr/>
+            <p:nvPr/>
+          </p:nvSpPr>
+          <p:spPr bwMode="auto">
+            <a:xfrm>
+              <a:off x="7021513" y="3598863"/>
+              <a:ext cx="68263" cy="423863"/>
+            </a:xfrm>
+            <a:custGeom>
+              <a:avLst/>
+              <a:gdLst/>
+              <a:ahLst/>
+              <a:cxnLst/>
+              <a:rect l="0" t="0" r="r" b="b"/>
+              <a:pathLst>
+                <a:path w="17" h="107">
+                  <a:moveTo>
+                    <a:pt x="4" y="54"/>
+                  </a:moveTo>
+                  <a:cubicBezTo>
+                    <a:pt x="8" y="72"/>
+                    <a:pt x="13" y="89"/>
+                    <a:pt x="17" y="107"/>
+                  </a:cubicBezTo>
+                  <a:cubicBezTo>
+                    <a:pt x="14" y="86"/>
+                    <a:pt x="12" y="65"/>
+                    <a:pt x="10" y="44"/>
+                  </a:cubicBezTo>
+                  <a:cubicBezTo>
+                    <a:pt x="10" y="44"/>
+                    <a:pt x="9" y="43"/>
+                    <a:pt x="9" y="43"/>
+                  </a:cubicBezTo>
+                  <a:cubicBezTo>
+                    <a:pt x="6" y="29"/>
+                    <a:pt x="3" y="14"/>
+                    <a:pt x="0" y="0"/>
+                  </a:cubicBezTo>
+                  <a:cubicBezTo>
+                    <a:pt x="0" y="2"/>
+                    <a:pt x="0" y="5"/>
+                    <a:pt x="0" y="8"/>
+                  </a:cubicBezTo>
+                  <a:cubicBezTo>
+                    <a:pt x="1" y="23"/>
+                    <a:pt x="3" y="39"/>
+                    <a:pt x="4" y="54"/>
+                  </a:cubicBezTo>
+                  <a:close/>
+                </a:path>
+              </a:pathLst>
+            </a:custGeom>
+            <a:solidFill>
+              <a:schemeClr val="tx2"/>
+            </a:solidFill>
+            <a:ln>
+              <a:noFill/>
+            </a:ln>
+          </p:spPr>
+        </p:sp>
+        <p:sp>
+          <p:nvSpPr>
+            <p:cNvPr id="57" name="Freeform 34"/>
+            <p:cNvSpPr/>
+            <p:nvPr/>
+          </p:nvSpPr>
+          <p:spPr bwMode="auto">
+            <a:xfrm>
+              <a:off x="7412038" y="2801938"/>
+              <a:ext cx="1168400" cy="2251075"/>
+            </a:xfrm>
+            <a:custGeom>
+              <a:avLst/>
+              <a:gdLst/>
+              <a:ahLst/>
+              <a:cxnLst/>
+              <a:rect l="0" t="0" r="r" b="b"/>
+              <a:pathLst>
+                <a:path w="294" h="568">
+                  <a:moveTo>
+                    <a:pt x="8" y="553"/>
+                  </a:moveTo>
+                  <a:cubicBezTo>
+                    <a:pt x="9" y="501"/>
+                    <a:pt x="19" y="448"/>
+                    <a:pt x="35" y="397"/>
+                  </a:cubicBezTo>
+                  <a:cubicBezTo>
+                    <a:pt x="51" y="347"/>
+                    <a:pt x="73" y="298"/>
+                    <a:pt x="99" y="252"/>
+                  </a:cubicBezTo>
+                  <a:cubicBezTo>
+                    <a:pt x="124" y="205"/>
+                    <a:pt x="154" y="161"/>
+                    <a:pt x="187" y="119"/>
+                  </a:cubicBezTo>
+                  <a:cubicBezTo>
+                    <a:pt x="203" y="98"/>
+                    <a:pt x="220" y="77"/>
+                    <a:pt x="238" y="58"/>
+                  </a:cubicBezTo>
+                  <a:cubicBezTo>
+                    <a:pt x="247" y="48"/>
+                    <a:pt x="256" y="38"/>
+                    <a:pt x="265" y="28"/>
+                  </a:cubicBezTo>
+                  <a:cubicBezTo>
+                    <a:pt x="274" y="19"/>
+                    <a:pt x="284" y="9"/>
+                    <a:pt x="294" y="0"/>
+                  </a:cubicBezTo>
+                  <a:cubicBezTo>
+                    <a:pt x="293" y="0"/>
+                    <a:pt x="293" y="0"/>
+                    <a:pt x="293" y="0"/>
+                  </a:cubicBezTo>
+                  <a:cubicBezTo>
+                    <a:pt x="283" y="9"/>
+                    <a:pt x="273" y="18"/>
+                    <a:pt x="264" y="27"/>
+                  </a:cubicBezTo>
+                  <a:cubicBezTo>
+                    <a:pt x="255" y="37"/>
+                    <a:pt x="246" y="47"/>
+                    <a:pt x="237" y="56"/>
+                  </a:cubicBezTo>
+                  <a:cubicBezTo>
+                    <a:pt x="218" y="76"/>
+                    <a:pt x="201" y="96"/>
+                    <a:pt x="185" y="117"/>
+                  </a:cubicBezTo>
+                  <a:cubicBezTo>
+                    <a:pt x="151" y="159"/>
+                    <a:pt x="121" y="203"/>
+                    <a:pt x="95" y="249"/>
+                  </a:cubicBezTo>
+                  <a:cubicBezTo>
+                    <a:pt x="68" y="296"/>
+                    <a:pt x="46" y="345"/>
+                    <a:pt x="30" y="396"/>
+                  </a:cubicBezTo>
+                  <a:cubicBezTo>
+                    <a:pt x="13" y="445"/>
+                    <a:pt x="3" y="497"/>
+                    <a:pt x="0" y="549"/>
+                  </a:cubicBezTo>
+                  <a:cubicBezTo>
+                    <a:pt x="3" y="555"/>
+                    <a:pt x="5" y="561"/>
+                    <a:pt x="7" y="568"/>
+                  </a:cubicBezTo>
+                  <a:cubicBezTo>
+                    <a:pt x="7" y="563"/>
+                    <a:pt x="7" y="558"/>
+                    <a:pt x="8" y="553"/>
+                  </a:cubicBezTo>
+                  <a:close/>
+                </a:path>
+              </a:pathLst>
+            </a:custGeom>
+            <a:solidFill>
+              <a:schemeClr val="tx2"/>
+            </a:solidFill>
+            <a:ln>
+              <a:noFill/>
+            </a:ln>
+          </p:spPr>
+        </p:sp>
+        <p:sp>
+          <p:nvSpPr>
+            <p:cNvPr id="58" name="Freeform 35"/>
+            <p:cNvSpPr/>
+            <p:nvPr/>
+          </p:nvSpPr>
+          <p:spPr bwMode="auto">
+            <a:xfrm>
+              <a:off x="7494588" y="5664200"/>
+              <a:ext cx="100013" cy="209550"/>
+            </a:xfrm>
+            <a:custGeom>
+              <a:avLst/>
+              <a:gdLst/>
+              <a:ahLst/>
+              <a:cxnLst/>
+              <a:rect l="0" t="0" r="r" b="b"/>
+              <a:pathLst>
+                <a:path w="25" h="53">
+                  <a:moveTo>
+                    <a:pt x="0" y="0"/>
+                  </a:moveTo>
+                  <a:cubicBezTo>
+                    <a:pt x="5" y="18"/>
+                    <a:pt x="12" y="36"/>
+                    <a:pt x="19" y="53"/>
+                  </a:cubicBezTo>
+                  <a:cubicBezTo>
+                    <a:pt x="25" y="53"/>
+                    <a:pt x="25" y="53"/>
+                    <a:pt x="25" y="53"/>
+                  </a:cubicBezTo>
+                  <a:cubicBezTo>
+                    <a:pt x="16" y="36"/>
+                    <a:pt x="8" y="18"/>
+                    <a:pt x="0" y="0"/>
+                  </a:cubicBezTo>
+                  <a:close/>
+                </a:path>
+              </a:pathLst>
+            </a:custGeom>
+            <a:solidFill>
+              <a:schemeClr val="tx2"/>
+            </a:solidFill>
+            <a:ln>
+              <a:noFill/>
+            </a:ln>
+          </p:spPr>
+        </p:sp>
+        <p:sp>
+          <p:nvSpPr>
+            <p:cNvPr id="59" name="Freeform 36"/>
+            <p:cNvSpPr/>
+            <p:nvPr/>
+          </p:nvSpPr>
+          <p:spPr bwMode="auto">
+            <a:xfrm>
+              <a:off x="7412038" y="5081588"/>
+              <a:ext cx="114300" cy="558800"/>
+            </a:xfrm>
+            <a:custGeom>
+              <a:avLst/>
+              <a:gdLst/>
+              <a:ahLst/>
+              <a:cxnLst/>
+              <a:rect l="0" t="0" r="r" b="b"/>
+              <a:pathLst>
+                <a:path w="29" h="141">
+                  <a:moveTo>
+                    <a:pt x="0" y="0"/>
+                  </a:moveTo>
+                  <a:cubicBezTo>
+                    <a:pt x="0" y="30"/>
+                    <a:pt x="2" y="60"/>
+                    <a:pt x="7" y="89"/>
+                  </a:cubicBezTo>
+                  <a:cubicBezTo>
+                    <a:pt x="11" y="98"/>
+                    <a:pt x="14" y="108"/>
+                    <a:pt x="18" y="117"/>
+                  </a:cubicBezTo>
+                  <a:cubicBezTo>
+                    <a:pt x="22" y="125"/>
+                    <a:pt x="25" y="133"/>
+                    <a:pt x="29" y="141"/>
+                  </a:cubicBezTo>
+                  <a:cubicBezTo>
+                    <a:pt x="28" y="139"/>
+                    <a:pt x="28" y="137"/>
+                    <a:pt x="27" y="135"/>
+                  </a:cubicBezTo>
+                  <a:cubicBezTo>
+                    <a:pt x="16" y="98"/>
+                    <a:pt x="10" y="60"/>
+                    <a:pt x="8" y="22"/>
+                  </a:cubicBezTo>
+                  <a:cubicBezTo>
+                    <a:pt x="7" y="18"/>
+                    <a:pt x="5" y="15"/>
+                    <a:pt x="4" y="11"/>
+                  </a:cubicBezTo>
+                  <a:cubicBezTo>
+                    <a:pt x="2" y="7"/>
+                    <a:pt x="1" y="3"/>
+                    <a:pt x="0" y="0"/>
+                  </a:cubicBezTo>
+                  <a:close/>
+                </a:path>
+              </a:pathLst>
+            </a:custGeom>
+            <a:solidFill>
+              <a:schemeClr val="tx2"/>
+            </a:solidFill>
+            <a:ln>
+              <a:noFill/>
+            </a:ln>
+          </p:spPr>
+        </p:sp>
+        <p:sp>
+          <p:nvSpPr>
+            <p:cNvPr id="60" name="Freeform 37"/>
+            <p:cNvSpPr/>
+            <p:nvPr/>
+          </p:nvSpPr>
+          <p:spPr bwMode="auto">
+            <a:xfrm>
+              <a:off x="7412038" y="4978400"/>
+              <a:ext cx="31750" cy="188913"/>
+            </a:xfrm>
+            <a:custGeom>
+              <a:avLst/>
+              <a:gdLst/>
+              <a:ahLst/>
+              <a:cxnLst/>
+              <a:rect l="0" t="0" r="r" b="b"/>
+              <a:pathLst>
+                <a:path w="8" h="48">
+                  <a:moveTo>
+                    <a:pt x="0" y="26"/>
+                  </a:moveTo>
+                  <a:cubicBezTo>
+                    <a:pt x="1" y="29"/>
+                    <a:pt x="2" y="33"/>
+                    <a:pt x="4" y="37"/>
+                  </a:cubicBezTo>
+                  <a:cubicBezTo>
+                    <a:pt x="5" y="41"/>
+                    <a:pt x="7" y="44"/>
+                    <a:pt x="8" y="48"/>
+                  </a:cubicBezTo>
+                  <a:cubicBezTo>
+                    <a:pt x="7" y="38"/>
+                    <a:pt x="7" y="28"/>
+                    <a:pt x="7" y="19"/>
+                  </a:cubicBezTo>
+                  <a:cubicBezTo>
+                    <a:pt x="5" y="12"/>
+                    <a:pt x="3" y="6"/>
+                    <a:pt x="0" y="0"/>
+                  </a:cubicBezTo>
+                  <a:cubicBezTo>
+                    <a:pt x="0" y="1"/>
+                    <a:pt x="0" y="3"/>
+                    <a:pt x="0" y="4"/>
+                  </a:cubicBezTo>
+                  <a:cubicBezTo>
+                    <a:pt x="0" y="11"/>
+                    <a:pt x="0" y="19"/>
+                    <a:pt x="0" y="26"/>
+                  </a:cubicBezTo>
+                  <a:close/>
+                </a:path>
+              </a:pathLst>
+            </a:custGeom>
+            <a:solidFill>
+              <a:schemeClr val="tx2"/>
+            </a:solidFill>
+            <a:ln>
+              <a:noFill/>
+            </a:ln>
+          </p:spPr>
+        </p:sp>
+        <p:sp>
+          <p:nvSpPr>
+            <p:cNvPr id="61" name="Freeform 38"/>
+            <p:cNvSpPr/>
+            <p:nvPr/>
+          </p:nvSpPr>
+          <p:spPr bwMode="auto">
+            <a:xfrm>
+              <a:off x="7439026" y="5434013"/>
+              <a:ext cx="174625" cy="439738"/>
+            </a:xfrm>
+            <a:custGeom>
+              <a:avLst/>
+              <a:gdLst/>
+              <a:ahLst/>
+              <a:cxnLst/>
+              <a:rect l="0" t="0" r="r" b="b"/>
+              <a:pathLst>
+                <a:path w="44" h="111">
+                  <a:moveTo>
+                    <a:pt x="11" y="28"/>
+                  </a:moveTo>
+                  <a:cubicBezTo>
+                    <a:pt x="7" y="19"/>
+                    <a:pt x="4" y="9"/>
+                    <a:pt x="0" y="0"/>
+                  </a:cubicBezTo>
+                  <a:cubicBezTo>
+                    <a:pt x="3" y="16"/>
+                    <a:pt x="7" y="33"/>
+                    <a:pt x="11" y="49"/>
+                  </a:cubicBezTo>
+                  <a:cubicBezTo>
+                    <a:pt x="12" y="52"/>
+                    <a:pt x="13" y="55"/>
+                    <a:pt x="14" y="58"/>
+                  </a:cubicBezTo>
+                  <a:cubicBezTo>
+                    <a:pt x="22" y="76"/>
+                    <a:pt x="30" y="94"/>
+                    <a:pt x="39" y="111"/>
+                  </a:cubicBezTo>
+                  <a:cubicBezTo>
+                    <a:pt x="44" y="111"/>
+                    <a:pt x="44" y="111"/>
+                    <a:pt x="44" y="111"/>
+                  </a:cubicBezTo>
+                  <a:cubicBezTo>
+                    <a:pt x="35" y="92"/>
+                    <a:pt x="28" y="72"/>
+                    <a:pt x="22" y="52"/>
+                  </a:cubicBezTo>
+                  <a:cubicBezTo>
+                    <a:pt x="18" y="44"/>
+                    <a:pt x="15" y="36"/>
+                    <a:pt x="11" y="28"/>
+                  </a:cubicBezTo>
+                  <a:close/>
+                </a:path>
+              </a:pathLst>
+            </a:custGeom>
+            <a:solidFill>
+              <a:schemeClr val="tx2"/>
+            </a:solidFill>
+            <a:ln>
+              <a:noFill/>
+            </a:ln>
+          </p:spPr>
+        </p:sp>
+      </p:grpSp>
+      <p:sp>
+        <p:nvSpPr>
+          <p:cNvPr id="62" name="Rectangle 61"/>
+          <p:cNvSpPr/>
+          <p:nvPr/>
         </p:nvSpPr>
         <p:spPr>
           <a:xfrm>
-            <a:off x="457200" y="274638"/>
-            <a:ext cx="8229600" cy="1143000"/>
+            <a:off x="0" y="0"/>
+            <a:ext cx="182880" cy="6858000"/>
+          </a:xfrm>
+          <a:prstGeom prst="rect">
+            <a:avLst/>
+          </a:prstGeom>
+          <a:solidFill>
+            <a:schemeClr val="tx2"/>
+          </a:solidFill>
+          <a:ln>
+            <a:noFill/>
+          </a:ln>
+          <a:effectLst/>
+        </p:spPr>
+        <p:style>
+          <a:lnRef idx="1">
+            <a:schemeClr val="accent1"/>
+          </a:lnRef>
+          <a:fillRef idx="3">
+            <a:schemeClr val="accent1"/>
+          </a:fillRef>
+          <a:effectRef idx="2">
+            <a:schemeClr val="accent1"/>
+          </a:effectRef>
+          <a:fontRef idx="minor">
+            <a:schemeClr val="lt1"/>
+          </a:fontRef>
+        </p:style>
+      </p:sp>
+      <p:sp>
+        <p:nvSpPr>
+          <p:cNvPr id="2" name="Title Placeholder 1"/>
+          <p:cNvSpPr>
+            <a:spLocks noGrp="1"/>
+          </p:cNvSpPr>
+          <p:nvPr>
+            <p:ph type="title"/>
+          </p:nvPr>
+        </p:nvSpPr>
+        <p:spPr>
+          <a:xfrm>
+            <a:off x="1945200" y="624110"/>
+            <a:ext cx="6589200" cy="1280890"/>
           </a:xfrm>
           <a:prstGeom prst="rect">
             <a:avLst/>
           </a:prstGeom>
         </p:spPr>
         <p:txBody>
-          <a:bodyPr vert="horz" lIns="91440" tIns="45720" rIns="91440" bIns="45720" rtlCol="0" anchor="ctr">
+          <a:bodyPr vert="horz" lIns="91440" tIns="45720" rIns="91440" bIns="45720" rtlCol="0" anchor="t">
             <a:normAutofit/>
           </a:bodyPr>
           <a:lstStyle/>
@@ -2635,7 +7042,7 @@
               <a:rPr lang="en-US" smtClean="0"/>
               <a:t>Click to edit Master title style</a:t>
             </a:r>
-            <a:endParaRPr lang="en-US"/>
+            <a:endParaRPr lang="en-US" dirty="0"/>
           </a:p>
         </p:txBody>
       </p:sp>
@@ -2651,8 +7058,8 @@
         </p:nvSpPr>
         <p:spPr>
           <a:xfrm>
-            <a:off x="457200" y="1600200"/>
-            <a:ext cx="8229600" cy="4525963"/>
+            <a:off x="1942415" y="2133600"/>
+            <a:ext cx="6591985" cy="3886200"/>
           </a:xfrm>
           <a:prstGeom prst="rect">
             <a:avLst/>
@@ -2697,7 +7104,7 @@
               <a:rPr lang="en-US" smtClean="0"/>
               <a:t>Fifth level</a:t>
             </a:r>
-            <a:endParaRPr lang="en-US"/>
+            <a:endParaRPr lang="en-US" dirty="0"/>
           </a:p>
         </p:txBody>
       </p:sp>
@@ -2713,8 +7120,8 @@
         </p:nvSpPr>
         <p:spPr>
           <a:xfrm>
-            <a:off x="457200" y="6356350"/>
-            <a:ext cx="2133600" cy="365125"/>
+            <a:off x="7772400" y="6135089"/>
+            <a:ext cx="766380" cy="370171"/>
           </a:xfrm>
           <a:prstGeom prst="rect">
             <a:avLst/>
@@ -2723,8 +7130,8 @@
         <p:txBody>
           <a:bodyPr vert="horz" lIns="91440" tIns="45720" rIns="91440" bIns="45720" rtlCol="0" anchor="ctr"/>
           <a:lstStyle>
-            <a:lvl1pPr algn="l">
-              <a:defRPr sz="1200">
+            <a:lvl1pPr algn="r">
+              <a:defRPr sz="900">
                 <a:solidFill>
                   <a:schemeClr val="tx1">
                     <a:tint val="75000"/>
@@ -2736,7 +7143,7 @@
           <a:p>
             <a:fld id="{EE980AB1-0036-47C0-813D-2A1653AC1BD2}" type="datetimeFigureOut">
               <a:rPr lang="en-US" smtClean="0"/>
-              <a:t>11/24/2013</a:t>
+              <a:t>12/3/2013</a:t>
             </a:fld>
             <a:endParaRPr lang="en-US"/>
           </a:p>
@@ -2754,8 +7161,8 @@
         </p:nvSpPr>
         <p:spPr>
           <a:xfrm>
-            <a:off x="3124200" y="6356350"/>
-            <a:ext cx="2895600" cy="365125"/>
+            <a:off x="1942415" y="6135809"/>
+            <a:ext cx="5716488" cy="365125"/>
           </a:xfrm>
           <a:prstGeom prst="rect">
             <a:avLst/>
@@ -2764,8 +7171,8 @@
         <p:txBody>
           <a:bodyPr vert="horz" lIns="91440" tIns="45720" rIns="91440" bIns="45720" rtlCol="0" anchor="ctr"/>
           <a:lstStyle>
-            <a:lvl1pPr algn="ctr">
-              <a:defRPr sz="1200">
+            <a:lvl1pPr algn="l">
+              <a:defRPr sz="900">
                 <a:solidFill>
                   <a:schemeClr val="tx1">
                     <a:tint val="75000"/>
@@ -2789,10 +7196,10 @@
             <p:ph type="sldNum" sz="quarter" idx="4"/>
           </p:nvPr>
         </p:nvSpPr>
-        <p:spPr>
+        <p:spPr bwMode="gray">
           <a:xfrm>
-            <a:off x="6553200" y="6356350"/>
-            <a:ext cx="2133600" cy="365125"/>
+            <a:off x="511228" y="787783"/>
+            <a:ext cx="584978" cy="365125"/>
           </a:xfrm>
           <a:prstGeom prst="rect">
             <a:avLst/>
@@ -2802,11 +7209,9 @@
           <a:bodyPr vert="horz" lIns="91440" tIns="45720" rIns="91440" bIns="45720" rtlCol="0" anchor="ctr"/>
           <a:lstStyle>
             <a:lvl1pPr algn="r">
-              <a:defRPr sz="1200">
+              <a:defRPr sz="2000">
                 <a:solidFill>
-                  <a:schemeClr val="tx1">
-                    <a:tint val="75000"/>
-                  </a:schemeClr>
+                  <a:srgbClr val="FEFFFF"/>
                 </a:solidFill>
               </a:defRPr>
             </a:lvl1pPr>
@@ -2823,171 +7228,316 @@
     </p:spTree>
     <p:extLst>
       <p:ext uri="{BB962C8B-B14F-4D97-AF65-F5344CB8AC3E}">
-        <p14:creationId xmlns:p14="http://schemas.microsoft.com/office/powerpoint/2010/main" val="507781111"/>
+        <p14:creationId xmlns:p14="http://schemas.microsoft.com/office/powerpoint/2010/main" val="1963900437"/>
       </p:ext>
     </p:extLst>
   </p:cSld>
   <p:clrMap bg1="lt1" tx1="dk1" bg2="lt2" tx2="dk2" accent1="accent1" accent2="accent2" accent3="accent3" accent4="accent4" accent5="accent5" accent6="accent6" hlink="hlink" folHlink="folHlink"/>
   <p:sldLayoutIdLst>
-    <p:sldLayoutId id="2147483649" r:id="rId1"/>
-    <p:sldLayoutId id="2147483650" r:id="rId2"/>
-    <p:sldLayoutId id="2147483651" r:id="rId3"/>
-    <p:sldLayoutId id="2147483652" r:id="rId4"/>
-    <p:sldLayoutId id="2147483653" r:id="rId5"/>
-    <p:sldLayoutId id="2147483654" r:id="rId6"/>
-    <p:sldLayoutId id="2147483655" r:id="rId7"/>
-    <p:sldLayoutId id="2147483656" r:id="rId8"/>
-    <p:sldLayoutId id="2147483657" r:id="rId9"/>
-    <p:sldLayoutId id="2147483658" r:id="rId10"/>
-    <p:sldLayoutId id="2147483659" r:id="rId11"/>
+    <p:sldLayoutId id="2147483661" r:id="rId1"/>
+    <p:sldLayoutId id="2147483662" r:id="rId2"/>
+    <p:sldLayoutId id="2147483663" r:id="rId3"/>
+    <p:sldLayoutId id="2147483664" r:id="rId4"/>
+    <p:sldLayoutId id="2147483665" r:id="rId5"/>
+    <p:sldLayoutId id="2147483666" r:id="rId6"/>
+    <p:sldLayoutId id="2147483667" r:id="rId7"/>
+    <p:sldLayoutId id="2147483668" r:id="rId8"/>
+    <p:sldLayoutId id="2147483669" r:id="rId9"/>
+    <p:sldLayoutId id="2147483670" r:id="rId10"/>
+    <p:sldLayoutId id="2147483671" r:id="rId11"/>
+    <p:sldLayoutId id="2147483672" r:id="rId12"/>
+    <p:sldLayoutId id="2147483673" r:id="rId13"/>
+    <p:sldLayoutId id="2147483674" r:id="rId14"/>
+    <p:sldLayoutId id="2147483675" r:id="rId15"/>
+    <p:sldLayoutId id="2147483676" r:id="rId16"/>
   </p:sldLayoutIdLst>
   <p:txStyles>
     <p:titleStyle>
-      <a:lvl1pPr algn="ctr" defTabSz="914400" rtl="0" eaLnBrk="1" latinLnBrk="0" hangingPunct="1">
+      <a:lvl1pPr algn="l" defTabSz="457200" rtl="0" eaLnBrk="1" latinLnBrk="0" hangingPunct="1">
         <a:spcBef>
           <a:spcPct val="0"/>
         </a:spcBef>
         <a:buNone/>
-        <a:defRPr sz="4400" kern="1200">
+        <a:defRPr sz="3600" kern="1200">
           <a:solidFill>
-            <a:schemeClr val="tx1"/>
+            <a:schemeClr val="tx1">
+              <a:lumMod val="85000"/>
+              <a:lumOff val="15000"/>
+            </a:schemeClr>
           </a:solidFill>
           <a:latin typeface="+mj-lt"/>
           <a:ea typeface="+mj-ea"/>
           <a:cs typeface="+mj-cs"/>
         </a:defRPr>
       </a:lvl1pPr>
+      <a:lvl2pPr eaLnBrk="1" hangingPunct="1">
+        <a:defRPr>
+          <a:solidFill>
+            <a:schemeClr val="tx2"/>
+          </a:solidFill>
+        </a:defRPr>
+      </a:lvl2pPr>
+      <a:lvl3pPr eaLnBrk="1" hangingPunct="1">
+        <a:defRPr>
+          <a:solidFill>
+            <a:schemeClr val="tx2"/>
+          </a:solidFill>
+        </a:defRPr>
+      </a:lvl3pPr>
+      <a:lvl4pPr eaLnBrk="1" hangingPunct="1">
+        <a:defRPr>
+          <a:solidFill>
+            <a:schemeClr val="tx2"/>
+          </a:solidFill>
+        </a:defRPr>
+      </a:lvl4pPr>
+      <a:lvl5pPr eaLnBrk="1" hangingPunct="1">
+        <a:defRPr>
+          <a:solidFill>
+            <a:schemeClr val="tx2"/>
+          </a:solidFill>
+        </a:defRPr>
+      </a:lvl5pPr>
+      <a:lvl6pPr eaLnBrk="1" hangingPunct="1">
+        <a:defRPr>
+          <a:solidFill>
+            <a:schemeClr val="tx2"/>
+          </a:solidFill>
+        </a:defRPr>
+      </a:lvl6pPr>
+      <a:lvl7pPr eaLnBrk="1" hangingPunct="1">
+        <a:defRPr>
+          <a:solidFill>
+            <a:schemeClr val="tx2"/>
+          </a:solidFill>
+        </a:defRPr>
+      </a:lvl7pPr>
+      <a:lvl8pPr eaLnBrk="1" hangingPunct="1">
+        <a:defRPr>
+          <a:solidFill>
+            <a:schemeClr val="tx2"/>
+          </a:solidFill>
+        </a:defRPr>
+      </a:lvl8pPr>
+      <a:lvl9pPr eaLnBrk="1" hangingPunct="1">
+        <a:defRPr>
+          <a:solidFill>
+            <a:schemeClr val="tx2"/>
+          </a:solidFill>
+        </a:defRPr>
+      </a:lvl9pPr>
     </p:titleStyle>
     <p:bodyStyle>
-      <a:lvl1pPr marL="342900" indent="-342900" algn="l" defTabSz="914400" rtl="0" eaLnBrk="1" latinLnBrk="0" hangingPunct="1">
+      <a:lvl1pPr marL="342900" indent="-342900" algn="l" defTabSz="457200" rtl="0" eaLnBrk="1" latinLnBrk="0" hangingPunct="1">
         <a:spcBef>
-          <a:spcPct val="20000"/>
+          <a:spcPts val="1000"/>
         </a:spcBef>
-        <a:buFont typeface="Arial" pitchFamily="34" charset="0"/>
-        <a:buChar char="•"/>
-        <a:defRPr sz="3200" kern="1200">
+        <a:spcAft>
+          <a:spcPts val="0"/>
+        </a:spcAft>
+        <a:buClr>
+          <a:schemeClr val="accent1"/>
+        </a:buClr>
+        <a:buFont typeface="Wingdings 3" charset="2"/>
+        <a:buChar char=""/>
+        <a:defRPr sz="1800" kern="1200">
           <a:solidFill>
-            <a:schemeClr val="tx1"/>
+            <a:schemeClr val="tx1">
+              <a:lumMod val="75000"/>
+              <a:lumOff val="25000"/>
+            </a:schemeClr>
           </a:solidFill>
           <a:latin typeface="+mn-lt"/>
           <a:ea typeface="+mn-ea"/>
           <a:cs typeface="+mn-cs"/>
         </a:defRPr>
       </a:lvl1pPr>
-      <a:lvl2pPr marL="742950" indent="-285750" algn="l" defTabSz="914400" rtl="0" eaLnBrk="1" latinLnBrk="0" hangingPunct="1">
+      <a:lvl2pPr marL="742950" indent="-285750" algn="l" defTabSz="457200" rtl="0" eaLnBrk="1" latinLnBrk="0" hangingPunct="1">
         <a:spcBef>
-          <a:spcPct val="20000"/>
+          <a:spcPts val="1000"/>
         </a:spcBef>
-        <a:buFont typeface="Arial" pitchFamily="34" charset="0"/>
-        <a:buChar char="–"/>
-        <a:defRPr sz="2800" kern="1200">
+        <a:spcAft>
+          <a:spcPts val="0"/>
+        </a:spcAft>
+        <a:buClr>
+          <a:schemeClr val="accent1"/>
+        </a:buClr>
+        <a:buFont typeface="Wingdings 3" charset="2"/>
+        <a:buChar char=""/>
+        <a:defRPr sz="1600" kern="1200">
           <a:solidFill>
-            <a:schemeClr val="tx1"/>
+            <a:schemeClr val="tx1">
+              <a:lumMod val="75000"/>
+              <a:lumOff val="25000"/>
+            </a:schemeClr>
           </a:solidFill>
           <a:latin typeface="+mn-lt"/>
           <a:ea typeface="+mn-ea"/>
           <a:cs typeface="+mn-cs"/>
         </a:defRPr>
       </a:lvl2pPr>
-      <a:lvl3pPr marL="1143000" indent="-228600" algn="l" defTabSz="914400" rtl="0" eaLnBrk="1" latinLnBrk="0" hangingPunct="1">
+      <a:lvl3pPr marL="1143000" indent="-228600" algn="l" defTabSz="457200" rtl="0" eaLnBrk="1" latinLnBrk="0" hangingPunct="1">
         <a:spcBef>
-          <a:spcPct val="20000"/>
+          <a:spcPts val="1000"/>
         </a:spcBef>
-        <a:buFont typeface="Arial" pitchFamily="34" charset="0"/>
-        <a:buChar char="•"/>
-        <a:defRPr sz="2400" kern="1200">
+        <a:spcAft>
+          <a:spcPts val="0"/>
+        </a:spcAft>
+        <a:buClr>
+          <a:schemeClr val="accent1"/>
+        </a:buClr>
+        <a:buFont typeface="Wingdings 3" charset="2"/>
+        <a:buChar char=""/>
+        <a:defRPr sz="1400" kern="1200">
           <a:solidFill>
-            <a:schemeClr val="tx1"/>
+            <a:schemeClr val="tx1">
+              <a:lumMod val="75000"/>
+              <a:lumOff val="25000"/>
+            </a:schemeClr>
           </a:solidFill>
           <a:latin typeface="+mn-lt"/>
           <a:ea typeface="+mn-ea"/>
           <a:cs typeface="+mn-cs"/>
         </a:defRPr>
       </a:lvl3pPr>
-      <a:lvl4pPr marL="1600200" indent="-228600" algn="l" defTabSz="914400" rtl="0" eaLnBrk="1" latinLnBrk="0" hangingPunct="1">
+      <a:lvl4pPr marL="1600200" indent="-228600" algn="l" defTabSz="457200" rtl="0" eaLnBrk="1" latinLnBrk="0" hangingPunct="1">
         <a:spcBef>
-          <a:spcPct val="20000"/>
+          <a:spcPts val="1000"/>
         </a:spcBef>
-        <a:buFont typeface="Arial" pitchFamily="34" charset="0"/>
-        <a:buChar char="–"/>
-        <a:defRPr sz="2000" kern="1200">
+        <a:spcAft>
+          <a:spcPts val="0"/>
+        </a:spcAft>
+        <a:buClr>
+          <a:schemeClr val="accent1"/>
+        </a:buClr>
+        <a:buFont typeface="Wingdings 3" charset="2"/>
+        <a:buChar char=""/>
+        <a:defRPr sz="1200" kern="1200">
           <a:solidFill>
-            <a:schemeClr val="tx1"/>
+            <a:schemeClr val="tx1">
+              <a:lumMod val="75000"/>
+              <a:lumOff val="25000"/>
+            </a:schemeClr>
           </a:solidFill>
           <a:latin typeface="+mn-lt"/>
           <a:ea typeface="+mn-ea"/>
           <a:cs typeface="+mn-cs"/>
         </a:defRPr>
       </a:lvl4pPr>
-      <a:lvl5pPr marL="2057400" indent="-228600" algn="l" defTabSz="914400" rtl="0" eaLnBrk="1" latinLnBrk="0" hangingPunct="1">
+      <a:lvl5pPr marL="2057400" indent="-228600" algn="l" defTabSz="457200" rtl="0" eaLnBrk="1" latinLnBrk="0" hangingPunct="1">
         <a:spcBef>
-          <a:spcPct val="20000"/>
+          <a:spcPts val="1000"/>
         </a:spcBef>
-        <a:buFont typeface="Arial" pitchFamily="34" charset="0"/>
-        <a:buChar char="»"/>
-        <a:defRPr sz="2000" kern="1200">
+        <a:spcAft>
+          <a:spcPts val="0"/>
+        </a:spcAft>
+        <a:buClr>
+          <a:schemeClr val="accent1"/>
+        </a:buClr>
+        <a:buFont typeface="Wingdings 3" charset="2"/>
+        <a:buChar char=""/>
+        <a:defRPr sz="1200" kern="1200">
           <a:solidFill>
-            <a:schemeClr val="tx1"/>
+            <a:schemeClr val="tx1">
+              <a:lumMod val="75000"/>
+              <a:lumOff val="25000"/>
+            </a:schemeClr>
           </a:solidFill>
           <a:latin typeface="+mn-lt"/>
           <a:ea typeface="+mn-ea"/>
           <a:cs typeface="+mn-cs"/>
         </a:defRPr>
       </a:lvl5pPr>
-      <a:lvl6pPr marL="2514600" indent="-228600" algn="l" defTabSz="914400" rtl="0" eaLnBrk="1" latinLnBrk="0" hangingPunct="1">
+      <a:lvl6pPr marL="2514600" indent="-228600" algn="l" defTabSz="457200" rtl="0" eaLnBrk="1" latinLnBrk="0" hangingPunct="1">
         <a:spcBef>
-          <a:spcPct val="20000"/>
+          <a:spcPts val="1000"/>
         </a:spcBef>
-        <a:buFont typeface="Arial" pitchFamily="34" charset="0"/>
-        <a:buChar char="•"/>
-        <a:defRPr sz="2000" kern="1200">
+        <a:spcAft>
+          <a:spcPts val="0"/>
+        </a:spcAft>
+        <a:buClr>
+          <a:schemeClr val="accent1"/>
+        </a:buClr>
+        <a:buFont typeface="Wingdings 3" charset="2"/>
+        <a:buChar char=""/>
+        <a:defRPr sz="1200" kern="1200">
           <a:solidFill>
-            <a:schemeClr val="tx1"/>
+            <a:schemeClr val="tx1">
+              <a:lumMod val="75000"/>
+              <a:lumOff val="25000"/>
+            </a:schemeClr>
           </a:solidFill>
           <a:latin typeface="+mn-lt"/>
           <a:ea typeface="+mn-ea"/>
           <a:cs typeface="+mn-cs"/>
         </a:defRPr>
       </a:lvl6pPr>
-      <a:lvl7pPr marL="2971800" indent="-228600" algn="l" defTabSz="914400" rtl="0" eaLnBrk="1" latinLnBrk="0" hangingPunct="1">
+      <a:lvl7pPr marL="2971800" indent="-228600" algn="l" defTabSz="457200" rtl="0" eaLnBrk="1" latinLnBrk="0" hangingPunct="1">
         <a:spcBef>
-          <a:spcPct val="20000"/>
+          <a:spcPts val="1000"/>
         </a:spcBef>
-        <a:buFont typeface="Arial" pitchFamily="34" charset="0"/>
-        <a:buChar char="•"/>
-        <a:defRPr sz="2000" kern="1200">
+        <a:spcAft>
+          <a:spcPts val="0"/>
+        </a:spcAft>
+        <a:buClr>
+          <a:schemeClr val="accent1"/>
+        </a:buClr>
+        <a:buFont typeface="Wingdings 3" charset="2"/>
+        <a:buChar char=""/>
+        <a:defRPr sz="1200" kern="1200">
           <a:solidFill>
-            <a:schemeClr val="tx1"/>
+            <a:schemeClr val="tx1">
+              <a:lumMod val="75000"/>
+              <a:lumOff val="25000"/>
+            </a:schemeClr>
           </a:solidFill>
           <a:latin typeface="+mn-lt"/>
           <a:ea typeface="+mn-ea"/>
           <a:cs typeface="+mn-cs"/>
         </a:defRPr>
       </a:lvl7pPr>
-      <a:lvl8pPr marL="3429000" indent="-228600" algn="l" defTabSz="914400" rtl="0" eaLnBrk="1" latinLnBrk="0" hangingPunct="1">
+      <a:lvl8pPr marL="3429000" indent="-228600" algn="l" defTabSz="457200" rtl="0" eaLnBrk="1" latinLnBrk="0" hangingPunct="1">
         <a:spcBef>
-          <a:spcPct val="20000"/>
+          <a:spcPts val="1000"/>
         </a:spcBef>
-        <a:buFont typeface="Arial" pitchFamily="34" charset="0"/>
-        <a:buChar char="•"/>
-        <a:defRPr sz="2000" kern="1200">
+        <a:spcAft>
+          <a:spcPts val="0"/>
+        </a:spcAft>
+        <a:buClr>
+          <a:schemeClr val="accent1"/>
+        </a:buClr>
+        <a:buFont typeface="Wingdings 3" charset="2"/>
+        <a:buChar char=""/>
+        <a:defRPr sz="1200" kern="1200">
           <a:solidFill>
-            <a:schemeClr val="tx1"/>
+            <a:schemeClr val="tx1">
+              <a:lumMod val="75000"/>
+              <a:lumOff val="25000"/>
+            </a:schemeClr>
           </a:solidFill>
           <a:latin typeface="+mn-lt"/>
           <a:ea typeface="+mn-ea"/>
           <a:cs typeface="+mn-cs"/>
         </a:defRPr>
       </a:lvl8pPr>
-      <a:lvl9pPr marL="3886200" indent="-228600" algn="l" defTabSz="914400" rtl="0" eaLnBrk="1" latinLnBrk="0" hangingPunct="1">
+      <a:lvl9pPr marL="3886200" indent="-228600" algn="l" defTabSz="457200" rtl="0" eaLnBrk="1" latinLnBrk="0" hangingPunct="1">
         <a:spcBef>
-          <a:spcPct val="20000"/>
+          <a:spcPts val="1000"/>
         </a:spcBef>
-        <a:buFont typeface="Arial" pitchFamily="34" charset="0"/>
-        <a:buChar char="•"/>
-        <a:defRPr sz="2000" kern="1200">
+        <a:spcAft>
+          <a:spcPts val="0"/>
+        </a:spcAft>
+        <a:buClr>
+          <a:schemeClr val="accent1"/>
+        </a:buClr>
+        <a:buFont typeface="Wingdings 3" charset="2"/>
+        <a:buChar char=""/>
+        <a:defRPr sz="1200" kern="1200">
           <a:solidFill>
-            <a:schemeClr val="tx1"/>
+            <a:schemeClr val="tx1">
+              <a:lumMod val="75000"/>
+              <a:lumOff val="25000"/>
+            </a:schemeClr>
           </a:solidFill>
           <a:latin typeface="+mn-lt"/>
           <a:ea typeface="+mn-ea"/>
@@ -2999,7 +7549,7 @@
       <a:defPPr>
         <a:defRPr lang="en-US"/>
       </a:defPPr>
-      <a:lvl1pPr marL="0" algn="l" defTabSz="914400" rtl="0" eaLnBrk="1" latinLnBrk="0" hangingPunct="1">
+      <a:lvl1pPr marL="0" algn="l" defTabSz="457200" rtl="0" eaLnBrk="1" latinLnBrk="0" hangingPunct="1">
         <a:defRPr sz="1800" kern="1200">
           <a:solidFill>
             <a:schemeClr val="tx1"/>
@@ -3009,7 +7559,7 @@
           <a:cs typeface="+mn-cs"/>
         </a:defRPr>
       </a:lvl1pPr>
-      <a:lvl2pPr marL="457200" algn="l" defTabSz="914400" rtl="0" eaLnBrk="1" latinLnBrk="0" hangingPunct="1">
+      <a:lvl2pPr marL="457200" algn="l" defTabSz="457200" rtl="0" eaLnBrk="1" latinLnBrk="0" hangingPunct="1">
         <a:defRPr sz="1800" kern="1200">
           <a:solidFill>
             <a:schemeClr val="tx1"/>
@@ -3019,7 +7569,7 @@
           <a:cs typeface="+mn-cs"/>
         </a:defRPr>
       </a:lvl2pPr>
-      <a:lvl3pPr marL="914400" algn="l" defTabSz="914400" rtl="0" eaLnBrk="1" latinLnBrk="0" hangingPunct="1">
+      <a:lvl3pPr marL="914400" algn="l" defTabSz="457200" rtl="0" eaLnBrk="1" latinLnBrk="0" hangingPunct="1">
         <a:defRPr sz="1800" kern="1200">
           <a:solidFill>
             <a:schemeClr val="tx1"/>
@@ -3029,7 +7579,7 @@
           <a:cs typeface="+mn-cs"/>
         </a:defRPr>
       </a:lvl3pPr>
-      <a:lvl4pPr marL="1371600" algn="l" defTabSz="914400" rtl="0" eaLnBrk="1" latinLnBrk="0" hangingPunct="1">
+      <a:lvl4pPr marL="1371600" algn="l" defTabSz="457200" rtl="0" eaLnBrk="1" latinLnBrk="0" hangingPunct="1">
         <a:defRPr sz="1800" kern="1200">
           <a:solidFill>
             <a:schemeClr val="tx1"/>
@@ -3039,7 +7589,7 @@
           <a:cs typeface="+mn-cs"/>
         </a:defRPr>
       </a:lvl4pPr>
-      <a:lvl5pPr marL="1828800" algn="l" defTabSz="914400" rtl="0" eaLnBrk="1" latinLnBrk="0" hangingPunct="1">
+      <a:lvl5pPr marL="1828800" algn="l" defTabSz="457200" rtl="0" eaLnBrk="1" latinLnBrk="0" hangingPunct="1">
         <a:defRPr sz="1800" kern="1200">
           <a:solidFill>
             <a:schemeClr val="tx1"/>
@@ -3049,7 +7599,7 @@
           <a:cs typeface="+mn-cs"/>
         </a:defRPr>
       </a:lvl5pPr>
-      <a:lvl6pPr marL="2286000" algn="l" defTabSz="914400" rtl="0" eaLnBrk="1" latinLnBrk="0" hangingPunct="1">
+      <a:lvl6pPr marL="2286000" algn="l" defTabSz="457200" rtl="0" eaLnBrk="1" latinLnBrk="0" hangingPunct="1">
         <a:defRPr sz="1800" kern="1200">
           <a:solidFill>
             <a:schemeClr val="tx1"/>
@@ -3059,7 +7609,7 @@
           <a:cs typeface="+mn-cs"/>
         </a:defRPr>
       </a:lvl6pPr>
-      <a:lvl7pPr marL="2743200" algn="l" defTabSz="914400" rtl="0" eaLnBrk="1" latinLnBrk="0" hangingPunct="1">
+      <a:lvl7pPr marL="2743200" algn="l" defTabSz="457200" rtl="0" eaLnBrk="1" latinLnBrk="0" hangingPunct="1">
         <a:defRPr sz="1800" kern="1200">
           <a:solidFill>
             <a:schemeClr val="tx1"/>
@@ -3069,7 +7619,7 @@
           <a:cs typeface="+mn-cs"/>
         </a:defRPr>
       </a:lvl7pPr>
-      <a:lvl8pPr marL="3200400" algn="l" defTabSz="914400" rtl="0" eaLnBrk="1" latinLnBrk="0" hangingPunct="1">
+      <a:lvl8pPr marL="3200400" algn="l" defTabSz="457200" rtl="0" eaLnBrk="1" latinLnBrk="0" hangingPunct="1">
         <a:defRPr sz="1800" kern="1200">
           <a:solidFill>
             <a:schemeClr val="tx1"/>
@@ -3079,7 +7629,7 @@
           <a:cs typeface="+mn-cs"/>
         </a:defRPr>
       </a:lvl8pPr>
-      <a:lvl9pPr marL="3657600" algn="l" defTabSz="914400" rtl="0" eaLnBrk="1" latinLnBrk="0" hangingPunct="1">
+      <a:lvl9pPr marL="3657600" algn="l" defTabSz="457200" rtl="0" eaLnBrk="1" latinLnBrk="0" hangingPunct="1">
         <a:defRPr sz="1800" kern="1200">
           <a:solidFill>
             <a:schemeClr val="tx1"/>
@@ -3097,6 +7647,14 @@
 <file path=ppt/slides/slide1.xml><?xml version="1.0" encoding="utf-8"?>
 <p:sld xmlns:a="http://schemas.openxmlformats.org/drawingml/2006/main" xmlns:r="http://schemas.openxmlformats.org/officeDocument/2006/relationships" xmlns:p="http://schemas.openxmlformats.org/presentationml/2006/main">
   <p:cSld>
+    <p:bg>
+      <p:bgPr>
+        <a:solidFill>
+          <a:schemeClr val="bg1"/>
+        </a:solidFill>
+        <a:effectLst/>
+      </p:bgPr>
+    </p:bg>
     <p:spTree>
       <p:nvGrpSpPr>
         <p:cNvPr id="1" name=""/>
@@ -3149,10 +7707,44 @@
           <a:bodyPr/>
           <a:lstStyle/>
           <a:p>
-            <a:endParaRPr lang="en-US"/>
-          </a:p>
-        </p:txBody>
-      </p:sp>
+            <a:r>
+              <a:rPr lang="en-US" dirty="0" smtClean="0"/>
+              <a:t>Sample text</a:t>
+            </a:r>
+            <a:endParaRPr lang="en-US" dirty="0"/>
+          </a:p>
+        </p:txBody>
+      </p:sp>
+      <p:pic>
+        <p:nvPicPr>
+          <p:cNvPr id="4" name="Picture 3"/>
+          <p:cNvPicPr>
+            <a:picLocks noChangeAspect="1"/>
+          </p:cNvPicPr>
+          <p:nvPr/>
+        </p:nvPicPr>
+        <p:blipFill>
+          <a:blip r:embed="rId2">
+            <a:extLst>
+              <a:ext uri="{28A0092B-C50C-407E-A947-70E740481C1C}">
+                <a14:useLocalDpi xmlns:a14="http://schemas.microsoft.com/office/drawing/2010/main" val="0"/>
+              </a:ext>
+            </a:extLst>
+          </a:blip>
+          <a:stretch>
+            <a:fillRect/>
+          </a:stretch>
+        </p:blipFill>
+        <p:spPr>
+          <a:xfrm>
+            <a:off x="3733800" y="3505200"/>
+            <a:ext cx="1676400" cy="1676400"/>
+          </a:xfrm>
+          <a:prstGeom prst="rect">
+            <a:avLst/>
+          </a:prstGeom>
+        </p:spPr>
+      </p:pic>
     </p:spTree>
     <p:extLst>
       <p:ext uri="{BB962C8B-B14F-4D97-AF65-F5344CB8AC3E}">
@@ -3174,9 +7766,9 @@
 </file>
 
 <file path=ppt/theme/theme1.xml><?xml version="1.0" encoding="utf-8"?>
-<a:theme xmlns:a="http://schemas.openxmlformats.org/drawingml/2006/main" name="Office Theme">
+<a:theme xmlns:a="http://schemas.openxmlformats.org/drawingml/2006/main" name="Wisp">
   <a:themeElements>
-    <a:clrScheme name="Office">
+    <a:clrScheme name="Wisp">
       <a:dk1>
         <a:sysClr val="windowText" lastClr="000000"/>
       </a:dk1>
@@ -3184,83 +7776,48 @@
         <a:sysClr val="window" lastClr="FFFFFF"/>
       </a:lt1>
       <a:dk2>
-        <a:srgbClr val="1F497D"/>
+        <a:srgbClr val="766F54"/>
       </a:dk2>
       <a:lt2>
-        <a:srgbClr val="EEECE1"/>
+        <a:srgbClr val="E3EACF"/>
       </a:lt2>
       <a:accent1>
-        <a:srgbClr val="4F81BD"/>
+        <a:srgbClr val="A53010"/>
       </a:accent1>
       <a:accent2>
-        <a:srgbClr val="C0504D"/>
+        <a:srgbClr val="DE7E18"/>
       </a:accent2>
       <a:accent3>
-        <a:srgbClr val="9BBB59"/>
+        <a:srgbClr val="9F8351"/>
       </a:accent3>
       <a:accent4>
-        <a:srgbClr val="8064A2"/>
+        <a:srgbClr val="728653"/>
       </a:accent4>
       <a:accent5>
-        <a:srgbClr val="4BACC6"/>
+        <a:srgbClr val="92AA4C"/>
       </a:accent5>
       <a:accent6>
-        <a:srgbClr val="F79646"/>
+        <a:srgbClr val="6AAC91"/>
       </a:accent6>
       <a:hlink>
-        <a:srgbClr val="0000FF"/>
+        <a:srgbClr val="FB4A18"/>
       </a:hlink>
       <a:folHlink>
-        <a:srgbClr val="800080"/>
+        <a:srgbClr val="FB9318"/>
       </a:folHlink>
     </a:clrScheme>
-    <a:fontScheme name="Office">
+    <a:fontScheme name="Wisp">
       <a:majorFont>
-        <a:latin typeface="Calibri"/>
+        <a:latin typeface="Century Gothic" panose="020B0502020202020204"/>
         <a:ea typeface=""/>
         <a:cs typeface=""/>
-        <a:font script="Jpan" typeface="ＭＳ Ｐゴシック"/>
-        <a:font script="Hang" typeface="맑은 고딕"/>
-        <a:font script="Hans" typeface="宋体"/>
-        <a:font script="Hant" typeface="新細明體"/>
-        <a:font script="Arab" typeface="Times New Roman"/>
-        <a:font script="Hebr" typeface="Times New Roman"/>
-        <a:font script="Thai" typeface="Angsana New"/>
-        <a:font script="Ethi" typeface="Nyala"/>
-        <a:font script="Beng" typeface="Vrinda"/>
-        <a:font script="Gujr" typeface="Shruti"/>
-        <a:font script="Khmr" typeface="MoolBoran"/>
-        <a:font script="Knda" typeface="Tunga"/>
-        <a:font script="Guru" typeface="Raavi"/>
-        <a:font script="Cans" typeface="Euphemia"/>
-        <a:font script="Cher" typeface="Plantagenet Cherokee"/>
-        <a:font script="Yiii" typeface="Microsoft Yi Baiti"/>
-        <a:font script="Tibt" typeface="Microsoft Himalaya"/>
-        <a:font script="Thaa" typeface="MV Boli"/>
-        <a:font script="Deva" typeface="Mangal"/>
-        <a:font script="Telu" typeface="Gautami"/>
-        <a:font script="Taml" typeface="Latha"/>
-        <a:font script="Syrc" typeface="Estrangelo Edessa"/>
-        <a:font script="Orya" typeface="Kalinga"/>
-        <a:font script="Mlym" typeface="Kartika"/>
-        <a:font script="Laoo" typeface="DokChampa"/>
-        <a:font script="Sinh" typeface="Iskoola Pota"/>
-        <a:font script="Mong" typeface="Mongolian Baiti"/>
-        <a:font script="Viet" typeface="Times New Roman"/>
-        <a:font script="Uigh" typeface="Microsoft Uighur"/>
-        <a:font script="Geor" typeface="Sylfaen"/>
-      </a:majorFont>
-      <a:minorFont>
-        <a:latin typeface="Calibri"/>
-        <a:ea typeface=""/>
-        <a:cs typeface=""/>
-        <a:font script="Jpan" typeface="ＭＳ Ｐゴシック"/>
-        <a:font script="Hang" typeface="맑은 고딕"/>
-        <a:font script="Hans" typeface="宋体"/>
-        <a:font script="Hant" typeface="新細明體"/>
-        <a:font script="Arab" typeface="Arial"/>
-        <a:font script="Hebr" typeface="Arial"/>
-        <a:font script="Thai" typeface="Cordia New"/>
+        <a:font script="Jpan" typeface="メイリオ"/>
+        <a:font script="Hang" typeface="HY중고딕"/>
+        <a:font script="Hans" typeface="幼圆"/>
+        <a:font script="Hant" typeface="微軟正黑體"/>
+        <a:font script="Arab" typeface="Tahoma"/>
+        <a:font script="Hebr" typeface="Gisha"/>
+        <a:font script="Thai" typeface="DilleniaUPC"/>
         <a:font script="Ethi" typeface="Nyala"/>
         <a:font script="Beng" typeface="Vrinda"/>
         <a:font script="Gujr" typeface="Shruti"/>
@@ -3281,80 +7838,91 @@
         <a:font script="Laoo" typeface="DokChampa"/>
         <a:font script="Sinh" typeface="Iskoola Pota"/>
         <a:font script="Mong" typeface="Mongolian Baiti"/>
-        <a:font script="Viet" typeface="Arial"/>
+        <a:font script="Viet" typeface="Tahoma"/>
+        <a:font script="Uigh" typeface="Microsoft Uighur"/>
+        <a:font script="Geor" typeface="Sylfaen"/>
+      </a:majorFont>
+      <a:minorFont>
+        <a:latin typeface="Century Gothic" panose="020B0502020202020204"/>
+        <a:ea typeface=""/>
+        <a:cs typeface=""/>
+        <a:font script="Jpan" typeface="メイリオ"/>
+        <a:font script="Hang" typeface="HY중고딕"/>
+        <a:font script="Hans" typeface="幼圆"/>
+        <a:font script="Hant" typeface="微軟正黑體"/>
+        <a:font script="Arab" typeface="Tahoma"/>
+        <a:font script="Hebr" typeface="Gisha"/>
+        <a:font script="Thai" typeface="DilleniaUPC"/>
+        <a:font script="Ethi" typeface="Nyala"/>
+        <a:font script="Beng" typeface="Vrinda"/>
+        <a:font script="Gujr" typeface="Shruti"/>
+        <a:font script="Khmr" typeface="DaunPenh"/>
+        <a:font script="Knda" typeface="Tunga"/>
+        <a:font script="Guru" typeface="Raavi"/>
+        <a:font script="Cans" typeface="Euphemia"/>
+        <a:font script="Cher" typeface="Plantagenet Cherokee"/>
+        <a:font script="Yiii" typeface="Microsoft Yi Baiti"/>
+        <a:font script="Tibt" typeface="Microsoft Himalaya"/>
+        <a:font script="Thaa" typeface="MV Boli"/>
+        <a:font script="Deva" typeface="Mangal"/>
+        <a:font script="Telu" typeface="Gautami"/>
+        <a:font script="Taml" typeface="Latha"/>
+        <a:font script="Syrc" typeface="Estrangelo Edessa"/>
+        <a:font script="Orya" typeface="Kalinga"/>
+        <a:font script="Mlym" typeface="Kartika"/>
+        <a:font script="Laoo" typeface="DokChampa"/>
+        <a:font script="Sinh" typeface="Iskoola Pota"/>
+        <a:font script="Mong" typeface="Mongolian Baiti"/>
+        <a:font script="Viet" typeface="Tahoma"/>
         <a:font script="Uigh" typeface="Microsoft Uighur"/>
         <a:font script="Geor" typeface="Sylfaen"/>
       </a:minorFont>
     </a:fontScheme>
-    <a:fmtScheme name="Office">
+    <a:fmtScheme name="Wisp">
       <a:fillStyleLst>
         <a:solidFill>
           <a:schemeClr val="phClr"/>
+        </a:solidFill>
+        <a:solidFill>
+          <a:schemeClr val="phClr">
+            <a:tint val="70000"/>
+            <a:lumMod val="104000"/>
+          </a:schemeClr>
         </a:solidFill>
         <a:gradFill rotWithShape="1">
           <a:gsLst>
             <a:gs pos="0">
               <a:schemeClr val="phClr">
-                <a:tint val="50000"/>
-                <a:satMod val="300000"/>
-              </a:schemeClr>
-            </a:gs>
-            <a:gs pos="35000">
-              <a:schemeClr val="phClr">
-                <a:tint val="37000"/>
-                <a:satMod val="300000"/>
+                <a:tint val="96000"/>
+                <a:lumMod val="104000"/>
               </a:schemeClr>
             </a:gs>
             <a:gs pos="100000">
               <a:schemeClr val="phClr">
-                <a:tint val="15000"/>
-                <a:satMod val="350000"/>
+                <a:shade val="98000"/>
+                <a:lumMod val="94000"/>
               </a:schemeClr>
             </a:gs>
           </a:gsLst>
-          <a:lin ang="16200000" scaled="1"/>
-        </a:gradFill>
-        <a:gradFill rotWithShape="1">
-          <a:gsLst>
-            <a:gs pos="0">
-              <a:schemeClr val="phClr">
-                <a:shade val="51000"/>
-                <a:satMod val="130000"/>
-              </a:schemeClr>
-            </a:gs>
-            <a:gs pos="80000">
-              <a:schemeClr val="phClr">
-                <a:shade val="93000"/>
-                <a:satMod val="130000"/>
-              </a:schemeClr>
-            </a:gs>
-            <a:gs pos="100000">
-              <a:schemeClr val="phClr">
-                <a:shade val="94000"/>
-                <a:satMod val="135000"/>
-              </a:schemeClr>
-            </a:gs>
-          </a:gsLst>
-          <a:lin ang="16200000" scaled="0"/>
+          <a:lin ang="5400000" scaled="0"/>
         </a:gradFill>
       </a:fillStyleLst>
       <a:lnStyleLst>
-        <a:ln w="9525" cap="flat" cmpd="sng" algn="ctr">
+        <a:ln w="9525" cap="rnd" cmpd="sng" algn="ctr">
           <a:solidFill>
             <a:schemeClr val="phClr">
-              <a:shade val="95000"/>
-              <a:satMod val="105000"/>
+              <a:shade val="90000"/>
             </a:schemeClr>
           </a:solidFill>
           <a:prstDash val="solid"/>
         </a:ln>
-        <a:ln w="25400" cap="flat" cmpd="sng" algn="ctr">
+        <a:ln w="15875" cap="rnd" cmpd="sng" algn="ctr">
           <a:solidFill>
             <a:schemeClr val="phClr"/>
           </a:solidFill>
           <a:prstDash val="solid"/>
         </a:ln>
-        <a:ln w="38100" cap="flat" cmpd="sng" algn="ctr">
+        <a:ln w="22225" cap="rnd" cmpd="sng" algn="ctr">
           <a:solidFill>
             <a:schemeClr val="phClr"/>
           </a:solidFill>
@@ -3363,42 +7931,25 @@
       </a:lnStyleLst>
       <a:effectStyleLst>
         <a:effectStyle>
+          <a:effectLst/>
+        </a:effectStyle>
+        <a:effectStyle>
           <a:effectLst>
-            <a:outerShdw blurRad="40000" dist="20000" dir="5400000" rotWithShape="0">
+            <a:outerShdw blurRad="38100" dist="25400" dir="5400000" rotWithShape="0">
               <a:srgbClr val="000000">
-                <a:alpha val="38000"/>
+                <a:alpha val="25000"/>
               </a:srgbClr>
             </a:outerShdw>
           </a:effectLst>
         </a:effectStyle>
         <a:effectStyle>
           <a:effectLst>
-            <a:outerShdw blurRad="40000" dist="23000" dir="5400000" rotWithShape="0">
+            <a:outerShdw blurRad="50800" dist="38100" dir="5400000" rotWithShape="0">
               <a:srgbClr val="000000">
-                <a:alpha val="35000"/>
+                <a:alpha val="60000"/>
               </a:srgbClr>
             </a:outerShdw>
           </a:effectLst>
-        </a:effectStyle>
-        <a:effectStyle>
-          <a:effectLst>
-            <a:outerShdw blurRad="40000" dist="23000" dir="5400000" rotWithShape="0">
-              <a:srgbClr val="000000">
-                <a:alpha val="35000"/>
-              </a:srgbClr>
-            </a:outerShdw>
-          </a:effectLst>
-          <a:scene3d>
-            <a:camera prst="orthographicFront">
-              <a:rot lat="0" lon="0" rev="0"/>
-            </a:camera>
-            <a:lightRig rig="threePt" dir="t">
-              <a:rot lat="0" lon="0" rev="1200000"/>
-            </a:lightRig>
-          </a:scene3d>
-          <a:sp3d>
-            <a:bevelT w="63500" h="25400"/>
-          </a:sp3d>
         </a:effectStyle>
       </a:effectStyleLst>
       <a:bgFillStyleLst>
@@ -3409,45 +7960,39 @@
           <a:gsLst>
             <a:gs pos="0">
               <a:schemeClr val="phClr">
-                <a:tint val="40000"/>
-                <a:satMod val="350000"/>
-              </a:schemeClr>
-            </a:gs>
-            <a:gs pos="40000">
-              <a:schemeClr val="phClr">
-                <a:tint val="45000"/>
-                <a:shade val="99000"/>
-                <a:satMod val="350000"/>
+                <a:tint val="90000"/>
+                <a:lumMod val="120000"/>
               </a:schemeClr>
             </a:gs>
             <a:gs pos="100000">
               <a:schemeClr val="phClr">
-                <a:shade val="20000"/>
-                <a:satMod val="255000"/>
+                <a:shade val="98000"/>
+                <a:satMod val="120000"/>
+                <a:lumMod val="98000"/>
               </a:schemeClr>
             </a:gs>
           </a:gsLst>
-          <a:path path="circle">
-            <a:fillToRect l="50000" t="-80000" r="50000" b="180000"/>
-          </a:path>
+          <a:lin ang="5400000" scaled="0"/>
         </a:gradFill>
         <a:gradFill rotWithShape="1">
           <a:gsLst>
             <a:gs pos="0">
               <a:schemeClr val="phClr">
-                <a:tint val="80000"/>
-                <a:satMod val="300000"/>
+                <a:tint val="90000"/>
+                <a:satMod val="92000"/>
+                <a:lumMod val="120000"/>
               </a:schemeClr>
             </a:gs>
             <a:gs pos="100000">
               <a:schemeClr val="phClr">
-                <a:shade val="30000"/>
-                <a:satMod val="200000"/>
+                <a:shade val="98000"/>
+                <a:satMod val="120000"/>
+                <a:lumMod val="98000"/>
               </a:schemeClr>
             </a:gs>
           </a:gsLst>
           <a:path path="circle">
-            <a:fillToRect l="50000" t="50000" r="50000" b="50000"/>
+            <a:fillToRect l="50000" t="50000" r="100000" b="100000"/>
           </a:path>
         </a:gradFill>
       </a:bgFillStyleLst>
@@ -3455,5 +8000,10 @@
   </a:themeElements>
   <a:objectDefaults/>
   <a:extraClrSchemeLst/>
+  <a:extLst>
+    <a:ext uri="{05A4C25C-085E-4340-85A3-A5531E510DB2}">
+      <thm15:themeFamily xmlns:thm15="http://schemas.microsoft.com/office/thememl/2012/main" name="Wisp" id="{7CB32D59-10C0-40DD-B7BD-2E94284A981C}" vid="{24B1A44C-C006-48B2-A4D7-E5549B3D8CD4}"/>
+    </a:ext>
+  </a:extLst>
 </a:theme>
 </file>
--- a/Parser/testsuite/test_files/slide2.pptx
+++ b/Parser/testsuite/test_files/slide2.pptx
@@ -311,7 +311,7 @@
           <a:p>
             <a:fld id="{EE980AB1-0036-47C0-813D-2A1653AC1BD2}" type="datetimeFigureOut">
               <a:rPr lang="en-US" smtClean="0"/>
-              <a:t>12/3/2013</a:t>
+              <a:t>12/10/2013</a:t>
             </a:fld>
             <a:endParaRPr lang="en-US"/>
           </a:p>
@@ -643,7 +643,7 @@
           <a:p>
             <a:fld id="{EE980AB1-0036-47C0-813D-2A1653AC1BD2}" type="datetimeFigureOut">
               <a:rPr lang="en-US" smtClean="0"/>
-              <a:t>12/3/2013</a:t>
+              <a:t>12/10/2013</a:t>
             </a:fld>
             <a:endParaRPr lang="en-US"/>
           </a:p>
@@ -1042,7 +1042,7 @@
           <a:p>
             <a:fld id="{EE980AB1-0036-47C0-813D-2A1653AC1BD2}" type="datetimeFigureOut">
               <a:rPr lang="en-US" smtClean="0"/>
-              <a:t>12/3/2013</a:t>
+              <a:t>12/10/2013</a:t>
             </a:fld>
             <a:endParaRPr lang="en-US"/>
           </a:p>
@@ -1376,7 +1376,7 @@
           <a:p>
             <a:fld id="{EE980AB1-0036-47C0-813D-2A1653AC1BD2}" type="datetimeFigureOut">
               <a:rPr lang="en-US" smtClean="0"/>
-              <a:t>12/3/2013</a:t>
+              <a:t>12/10/2013</a:t>
             </a:fld>
             <a:endParaRPr lang="en-US"/>
           </a:p>
@@ -1694,7 +1694,7 @@
           <a:p>
             <a:fld id="{EE980AB1-0036-47C0-813D-2A1653AC1BD2}" type="datetimeFigureOut">
               <a:rPr lang="en-US" smtClean="0"/>
-              <a:t>12/3/2013</a:t>
+              <a:t>12/10/2013</a:t>
             </a:fld>
             <a:endParaRPr lang="en-US"/>
           </a:p>
@@ -2088,7 +2088,7 @@
           <a:p>
             <a:fld id="{EE980AB1-0036-47C0-813D-2A1653AC1BD2}" type="datetimeFigureOut">
               <a:rPr lang="en-US" smtClean="0"/>
-              <a:t>12/3/2013</a:t>
+              <a:t>12/10/2013</a:t>
             </a:fld>
             <a:endParaRPr lang="en-US"/>
           </a:p>
@@ -2343,7 +2343,7 @@
           <a:p>
             <a:fld id="{EE980AB1-0036-47C0-813D-2A1653AC1BD2}" type="datetimeFigureOut">
               <a:rPr lang="en-US" smtClean="0"/>
-              <a:t>12/3/2013</a:t>
+              <a:t>12/10/2013</a:t>
             </a:fld>
             <a:endParaRPr lang="en-US"/>
           </a:p>
@@ -2603,7 +2603,7 @@
           <a:p>
             <a:fld id="{EE980AB1-0036-47C0-813D-2A1653AC1BD2}" type="datetimeFigureOut">
               <a:rPr lang="en-US" smtClean="0"/>
-              <a:t>12/3/2013</a:t>
+              <a:t>12/10/2013</a:t>
             </a:fld>
             <a:endParaRPr lang="en-US"/>
           </a:p>
@@ -2863,7 +2863,7 @@
           <a:p>
             <a:fld id="{EE980AB1-0036-47C0-813D-2A1653AC1BD2}" type="datetimeFigureOut">
               <a:rPr lang="en-US" smtClean="0"/>
-              <a:t>12/3/2013</a:t>
+              <a:t>12/10/2013</a:t>
             </a:fld>
             <a:endParaRPr lang="en-US"/>
           </a:p>
@@ -3190,7 +3190,7 @@
           <a:p>
             <a:fld id="{EE980AB1-0036-47C0-813D-2A1653AC1BD2}" type="datetimeFigureOut">
               <a:rPr lang="en-US" smtClean="0"/>
-              <a:t>12/3/2013</a:t>
+              <a:t>12/10/2013</a:t>
             </a:fld>
             <a:endParaRPr lang="en-US"/>
           </a:p>
@@ -3511,7 +3511,7 @@
           <a:p>
             <a:fld id="{EE980AB1-0036-47C0-813D-2A1653AC1BD2}" type="datetimeFigureOut">
               <a:rPr lang="en-US" smtClean="0"/>
-              <a:t>12/3/2013</a:t>
+              <a:t>12/10/2013</a:t>
             </a:fld>
             <a:endParaRPr lang="en-US"/>
           </a:p>
@@ -3966,7 +3966,7 @@
           <a:p>
             <a:fld id="{EE980AB1-0036-47C0-813D-2A1653AC1BD2}" type="datetimeFigureOut">
               <a:rPr lang="en-US" smtClean="0"/>
-              <a:t>12/3/2013</a:t>
+              <a:t>12/10/2013</a:t>
             </a:fld>
             <a:endParaRPr lang="en-US"/>
           </a:p>
@@ -4174,7 +4174,7 @@
           <a:p>
             <a:fld id="{EE980AB1-0036-47C0-813D-2A1653AC1BD2}" type="datetimeFigureOut">
               <a:rPr lang="en-US" smtClean="0"/>
-              <a:t>12/3/2013</a:t>
+              <a:t>12/10/2013</a:t>
             </a:fld>
             <a:endParaRPr lang="en-US"/>
           </a:p>
@@ -4349,7 +4349,7 @@
           <a:p>
             <a:fld id="{EE980AB1-0036-47C0-813D-2A1653AC1BD2}" type="datetimeFigureOut">
               <a:rPr lang="en-US" smtClean="0"/>
-              <a:t>12/3/2013</a:t>
+              <a:t>12/10/2013</a:t>
             </a:fld>
             <a:endParaRPr lang="en-US"/>
           </a:p>
@@ -4680,7 +4680,7 @@
           <a:p>
             <a:fld id="{EE980AB1-0036-47C0-813D-2A1653AC1BD2}" type="datetimeFigureOut">
               <a:rPr lang="en-US" smtClean="0"/>
-              <a:t>12/3/2013</a:t>
+              <a:t>12/10/2013</a:t>
             </a:fld>
             <a:endParaRPr lang="en-US"/>
           </a:p>
@@ -5023,7 +5023,7 @@
           <a:p>
             <a:fld id="{EE980AB1-0036-47C0-813D-2A1653AC1BD2}" type="datetimeFigureOut">
               <a:rPr lang="en-US" smtClean="0"/>
-              <a:t>12/3/2013</a:t>
+              <a:t>12/10/2013</a:t>
             </a:fld>
             <a:endParaRPr lang="en-US"/>
           </a:p>
@@ -7143,7 +7143,7 @@
           <a:p>
             <a:fld id="{EE980AB1-0036-47C0-813D-2A1653AC1BD2}" type="datetimeFigureOut">
               <a:rPr lang="en-US" smtClean="0"/>
-              <a:t>12/3/2013</a:t>
+              <a:t>12/10/2013</a:t>
             </a:fld>
             <a:endParaRPr lang="en-US"/>
           </a:p>
@@ -7724,7 +7724,7 @@
           <p:nvPr/>
         </p:nvPicPr>
         <p:blipFill>
-          <a:blip r:embed="rId2">
+          <a:blip r:embed="rId4">
             <a:extLst>
               <a:ext uri="{28A0092B-C50C-407E-A947-70E740481C1C}">
                 <a14:useLocalDpi xmlns:a14="http://schemas.microsoft.com/office/drawing/2010/main" val="0"/>
@@ -7737,8 +7737,41 @@
         </p:blipFill>
         <p:spPr>
           <a:xfrm>
-            <a:off x="3733800" y="3505200"/>
+            <a:off x="1752600" y="2743200"/>
             <a:ext cx="1676400" cy="1676400"/>
+          </a:xfrm>
+          <a:prstGeom prst="rect">
+            <a:avLst/>
+          </a:prstGeom>
+        </p:spPr>
+      </p:pic>
+      <p:pic>
+        <p:nvPicPr>
+          <p:cNvPr id="5" name="samplevideo">
+            <a:hlinkClick r:id="" action="ppaction://media"/>
+          </p:cNvPr>
+          <p:cNvPicPr>
+            <a:picLocks noChangeAspect="1"/>
+          </p:cNvPicPr>
+          <p:nvPr>
+            <a:videoFile r:link="rId2"/>
+            <p:extLst>
+              <p:ext uri="{DAA4B4D4-6D71-4841-9C94-3DE7FCFB9230}">
+                <p14:media xmlns:p14="http://schemas.microsoft.com/office/powerpoint/2010/main" r:embed="rId1"/>
+              </p:ext>
+            </p:extLst>
+          </p:nvPr>
+        </p:nvPicPr>
+        <p:blipFill>
+          <a:blip r:embed="rId5"/>
+          <a:stretch>
+            <a:fillRect/>
+          </a:stretch>
+        </p:blipFill>
+        <p:spPr>
+          <a:xfrm>
+            <a:off x="4191000" y="2743200"/>
+            <a:ext cx="4001185" cy="3000889"/>
           </a:xfrm>
           <a:prstGeom prst="rect">
             <a:avLst/>
@@ -7758,7 +7791,80 @@
   <p:timing>
     <p:tnLst>
       <p:par>
-        <p:cTn id="1" dur="indefinite" restart="never" nodeType="tmRoot"/>
+        <p:cTn id="1" dur="indefinite" restart="never" nodeType="tmRoot">
+          <p:childTnLst>
+            <p:seq concurrent="1" nextAc="seek">
+              <p:cTn id="2" restart="whenNotActive" fill="hold" evtFilter="cancelBubble" nodeType="interactiveSeq">
+                <p:stCondLst>
+                  <p:cond evt="onClick" delay="0">
+                    <p:tgtEl>
+                      <p:spTgt spid="5"/>
+                    </p:tgtEl>
+                  </p:cond>
+                </p:stCondLst>
+                <p:endSync evt="end" delay="0">
+                  <p:rtn val="all"/>
+                </p:endSync>
+                <p:childTnLst>
+                  <p:par>
+                    <p:cTn id="3" fill="hold">
+                      <p:stCondLst>
+                        <p:cond delay="0"/>
+                      </p:stCondLst>
+                      <p:childTnLst>
+                        <p:par>
+                          <p:cTn id="4" fill="hold">
+                            <p:stCondLst>
+                              <p:cond delay="0"/>
+                            </p:stCondLst>
+                            <p:childTnLst>
+                              <p:par>
+                                <p:cTn id="5" presetID="2" presetClass="mediacall" presetSubtype="0" fill="hold" nodeType="clickEffect">
+                                  <p:stCondLst>
+                                    <p:cond delay="0"/>
+                                  </p:stCondLst>
+                                  <p:childTnLst>
+                                    <p:cmd type="call" cmd="togglePause">
+                                      <p:cBhvr>
+                                        <p:cTn id="6" dur="1" fill="hold"/>
+                                        <p:tgtEl>
+                                          <p:spTgt spid="5"/>
+                                        </p:tgtEl>
+                                      </p:cBhvr>
+                                    </p:cmd>
+                                  </p:childTnLst>
+                                </p:cTn>
+                              </p:par>
+                            </p:childTnLst>
+                          </p:cTn>
+                        </p:par>
+                      </p:childTnLst>
+                    </p:cTn>
+                  </p:par>
+                </p:childTnLst>
+              </p:cTn>
+              <p:nextCondLst>
+                <p:cond evt="onClick" delay="0">
+                  <p:tgtEl>
+                    <p:spTgt spid="5"/>
+                  </p:tgtEl>
+                </p:cond>
+              </p:nextCondLst>
+            </p:seq>
+            <p:video>
+              <p:cMediaNode vol="80000">
+                <p:cTn id="7" fill="hold" display="0">
+                  <p:stCondLst>
+                    <p:cond delay="indefinite"/>
+                  </p:stCondLst>
+                </p:cTn>
+                <p:tgtEl>
+                  <p:spTgt spid="5"/>
+                </p:tgtEl>
+              </p:cMediaNode>
+            </p:video>
+          </p:childTnLst>
+        </p:cTn>
       </p:par>
     </p:tnLst>
   </p:timing>
